--- a/_site/translations/es/advanced/SyncBeams.pptx
+++ b/_site/translations/es/advanced/SyncBeams.pptx
@@ -2,7 +2,7 @@
 <file path=ppt/presentation.xml><?xml version="1.0" encoding="utf-8"?>
 <p:presentation xmlns:a="http://schemas.openxmlformats.org/drawingml/2006/main" xmlns:r="http://schemas.openxmlformats.org/officeDocument/2006/relationships" xmlns:p="http://schemas.openxmlformats.org/presentationml/2006/main" showSpecialPlsOnTitleSld="0" saveSubsetFonts="1">
   <p:sldMasterIdLst>
-    <p:sldMasterId id="2147483818" r:id="rId1"/>
+    <p:sldMasterId id="2147483835" r:id="rId1"/>
   </p:sldMasterIdLst>
   <p:notesMasterIdLst>
     <p:notesMasterId r:id="rId13"/>
@@ -11,7 +11,7 @@
     <p:handoutMasterId r:id="rId14"/>
   </p:handoutMasterIdLst>
   <p:sldIdLst>
-    <p:sldId id="258" r:id="rId2"/>
+    <p:sldId id="292" r:id="rId2"/>
     <p:sldId id="290" r:id="rId3"/>
     <p:sldId id="283" r:id="rId4"/>
     <p:sldId id="284" r:id="rId5"/>
@@ -222,7 +222,7 @@
             <a:fld id="{E354B44E-40A3-0E46-B16A-9BF1250A248B}" type="datetimeFigureOut">
               <a:rPr lang="en-US" smtClean="0"/>
               <a:pPr/>
-              <a:t>6/1/2015</a:t>
+              <a:t>2/11/17</a:t>
             </a:fld>
             <a:endParaRPr lang="en-US"/>
           </a:p>
@@ -390,7 +390,7 @@
             <a:fld id="{C86AD16C-2DB4-6642-BAD4-9ED973A087A0}" type="datetimeFigureOut">
               <a:rPr lang="en-US" smtClean="0"/>
               <a:pPr/>
-              <a:t>6/1/2015</a:t>
+              <a:t>2/11/17</a:t>
             </a:fld>
             <a:endParaRPr lang="en-US"/>
           </a:p>
@@ -726,91 +726,6 @@
             <a:fld id="{1E5BF589-3978-3C45-966B-D7B7A71F2A02}" type="slidenum">
               <a:rPr lang="en-US" smtClean="0"/>
               <a:pPr/>
-              <a:t>1</a:t>
-            </a:fld>
-            <a:endParaRPr lang="en-US"/>
-          </a:p>
-        </p:txBody>
-      </p:sp>
-    </p:spTree>
-    <p:extLst>
-      <p:ext uri="{BB962C8B-B14F-4D97-AF65-F5344CB8AC3E}">
-        <p14:creationId xmlns:p14="http://schemas.microsoft.com/office/powerpoint/2010/main" val="1994090513"/>
-      </p:ext>
-    </p:extLst>
-  </p:cSld>
-  <p:clrMapOvr>
-    <a:masterClrMapping/>
-  </p:clrMapOvr>
-</p:notes>
-</file>
-
-<file path=ppt/notesSlides/notesSlide2.xml><?xml version="1.0" encoding="utf-8"?>
-<p:notes xmlns:a="http://schemas.openxmlformats.org/drawingml/2006/main" xmlns:r="http://schemas.openxmlformats.org/officeDocument/2006/relationships" xmlns:p="http://schemas.openxmlformats.org/presentationml/2006/main">
-  <p:cSld>
-    <p:spTree>
-      <p:nvGrpSpPr>
-        <p:cNvPr id="1" name=""/>
-        <p:cNvGrpSpPr/>
-        <p:nvPr/>
-      </p:nvGrpSpPr>
-      <p:grpSpPr>
-        <a:xfrm>
-          <a:off x="0" y="0"/>
-          <a:ext cx="0" cy="0"/>
-          <a:chOff x="0" y="0"/>
-          <a:chExt cx="0" cy="0"/>
-        </a:xfrm>
-      </p:grpSpPr>
-      <p:sp>
-        <p:nvSpPr>
-          <p:cNvPr id="2" name="Slide Image Placeholder 1"/>
-          <p:cNvSpPr>
-            <a:spLocks noGrp="1" noRot="1" noChangeAspect="1"/>
-          </p:cNvSpPr>
-          <p:nvPr>
-            <p:ph type="sldImg"/>
-          </p:nvPr>
-        </p:nvSpPr>
-        <p:spPr/>
-      </p:sp>
-      <p:sp>
-        <p:nvSpPr>
-          <p:cNvPr id="3" name="Notes Placeholder 2"/>
-          <p:cNvSpPr>
-            <a:spLocks noGrp="1"/>
-          </p:cNvSpPr>
-          <p:nvPr>
-            <p:ph type="body" idx="1"/>
-          </p:nvPr>
-        </p:nvSpPr>
-        <p:spPr/>
-        <p:txBody>
-          <a:bodyPr/>
-          <a:lstStyle/>
-          <a:p>
-            <a:endParaRPr lang="en-US"/>
-          </a:p>
-        </p:txBody>
-      </p:sp>
-      <p:sp>
-        <p:nvSpPr>
-          <p:cNvPr id="4" name="Slide Number Placeholder 3"/>
-          <p:cNvSpPr>
-            <a:spLocks noGrp="1"/>
-          </p:cNvSpPr>
-          <p:nvPr>
-            <p:ph type="sldNum" sz="quarter" idx="10"/>
-          </p:nvPr>
-        </p:nvSpPr>
-        <p:spPr/>
-        <p:txBody>
-          <a:bodyPr/>
-          <a:lstStyle/>
-          <a:p>
-            <a:fld id="{1E5BF589-3978-3C45-966B-D7B7A71F2A02}" type="slidenum">
-              <a:rPr lang="en-US" smtClean="0"/>
-              <a:pPr/>
               <a:t>11</a:t>
             </a:fld>
             <a:endParaRPr lang="en-US"/>
@@ -865,7 +780,7 @@
             <a:fld id="{79A27739-151B-D346-B713-F9BE93463708}" type="datetime1">
               <a:rPr lang="en-US" smtClean="0"/>
               <a:pPr/>
-              <a:t>6/1/2015</a:t>
+              <a:t>2/11/17</a:t>
             </a:fld>
             <a:endParaRPr lang="en-US"/>
           </a:p>
@@ -926,17 +841,15 @@
         </p:nvSpPr>
         <p:spPr>
           <a:xfrm>
-            <a:off x="284163" y="444728"/>
-            <a:ext cx="8574087" cy="1468437"/>
+            <a:off x="1" y="-1"/>
+            <a:ext cx="9144000" cy="1920240"/>
           </a:xfrm>
           <a:prstGeom prst="rect">
             <a:avLst/>
           </a:prstGeom>
           <a:solidFill>
-            <a:schemeClr val="tx1">
-              <a:lumMod val="85000"/>
-              <a:lumOff val="15000"/>
-              <a:alpha val="85000"/>
+            <a:schemeClr val="bg2">
+              <a:lumMod val="25000"/>
             </a:schemeClr>
           </a:solidFill>
         </p:spPr>
@@ -954,7 +867,10 @@
             </a:pPr>
             <a:endParaRPr sz="4200" kern="1200">
               <a:solidFill>
-                <a:schemeClr val="bg1"/>
+                <a:schemeClr val="tx1">
+                  <a:lumMod val="85000"/>
+                  <a:lumOff val="15000"/>
+                </a:schemeClr>
               </a:solidFill>
               <a:latin typeface="+mj-lt"/>
               <a:ea typeface="+mj-ea"/>
@@ -971,8 +887,8 @@
         </p:nvGrpSpPr>
         <p:grpSpPr>
           <a:xfrm>
-            <a:off x="284163" y="1906542"/>
-            <a:ext cx="8576373" cy="137411"/>
+            <a:off x="0" y="1920240"/>
+            <a:ext cx="9144000" cy="137411"/>
             <a:chOff x="284163" y="1759424"/>
             <a:chExt cx="8576373" cy="137411"/>
           </a:xfrm>
@@ -1123,13 +1039,13 @@
             <a:spLocks noGrp="1"/>
           </p:cNvSpPr>
           <p:nvPr>
-            <p:ph type="ctrTitle" hasCustomPrompt="1"/>
+            <p:ph type="ctrTitle"/>
           </p:nvPr>
         </p:nvSpPr>
         <p:spPr>
           <a:xfrm>
-            <a:off x="421341" y="449005"/>
-            <a:ext cx="7808976" cy="1088136"/>
+            <a:off x="457200" y="2855890"/>
+            <a:ext cx="8229600" cy="1088136"/>
           </a:xfrm>
           <a:noFill/>
         </p:spPr>
@@ -1138,7 +1054,7 @@
             <a:normAutofit/>
           </a:bodyPr>
           <a:lstStyle>
-            <a:lvl1pPr marL="0" algn="l" defTabSz="914400" rtl="0" eaLnBrk="1" latinLnBrk="0" hangingPunct="1">
+            <a:lvl1pPr marL="0" algn="ctr" defTabSz="914400" rtl="0" eaLnBrk="1" latinLnBrk="0" hangingPunct="1">
               <a:lnSpc>
                 <a:spcPts val="4600"/>
               </a:lnSpc>
@@ -1146,9 +1062,9 @@
                 <a:spcPct val="0"/>
               </a:spcBef>
               <a:buNone/>
-              <a:defRPr sz="4200" kern="1200" baseline="0">
+              <a:defRPr sz="4000" kern="1200" baseline="0">
                 <a:solidFill>
-                  <a:schemeClr val="bg1"/>
+                  <a:schemeClr val="tx1"/>
                 </a:solidFill>
                 <a:latin typeface="+mj-lt"/>
                 <a:ea typeface="+mj-ea"/>
@@ -1158,8 +1074,8 @@
           </a:lstStyle>
           <a:p>
             <a:r>
-              <a:rPr lang="en-US" dirty="0" smtClean="0"/>
-              <a:t>Advanced Programming Lesson</a:t>
+              <a:rPr lang="en-US" smtClean="0"/>
+              <a:t>Click to edit Master title style</a:t>
             </a:r>
             <a:endParaRPr dirty="0"/>
           </a:p>
@@ -1177,8 +1093,8 @@
         </p:nvSpPr>
         <p:spPr>
           <a:xfrm>
-            <a:off x="476205" y="1532427"/>
-            <a:ext cx="7754112" cy="484632"/>
+            <a:off x="457200" y="4075497"/>
+            <a:ext cx="8229600" cy="484632"/>
           </a:xfrm>
         </p:spPr>
         <p:txBody>
@@ -1186,7 +1102,7 @@
             <a:normAutofit/>
           </a:bodyPr>
           <a:lstStyle>
-            <a:lvl1pPr marL="0" indent="0" algn="l" defTabSz="914400" rtl="0" eaLnBrk="1" latinLnBrk="0" hangingPunct="1">
+            <a:lvl1pPr marL="0" indent="0" algn="ctr" defTabSz="914400" rtl="0" eaLnBrk="1" latinLnBrk="0" hangingPunct="1">
               <a:lnSpc>
                 <a:spcPct val="100000"/>
               </a:lnSpc>
@@ -1203,7 +1119,7 @@
               <a:buNone/>
               <a:defRPr sz="1800" kern="1200">
                 <a:solidFill>
-                  <a:schemeClr val="bg1"/>
+                  <a:schemeClr val="tx1"/>
                 </a:solidFill>
                 <a:latin typeface="+mn-lt"/>
                 <a:ea typeface="+mn-ea"/>
@@ -1315,11 +1231,7 @@
             <a:avLst/>
           </a:prstGeom>
           <a:solidFill>
-            <a:schemeClr val="tx1">
-              <a:lumMod val="85000"/>
-              <a:lumOff val="15000"/>
-              <a:alpha val="70000"/>
-            </a:schemeClr>
+            <a:schemeClr val="tx1"/>
           </a:solidFill>
           <a:ln>
             <a:noFill/>
@@ -1350,3322 +1262,122 @@
           </a:p>
         </p:txBody>
       </p:sp>
-    </p:spTree>
-  </p:cSld>
-  <p:clrMapOvr>
-    <a:masterClrMapping/>
-  </p:clrMapOvr>
-  <p:timing>
-    <p:tnLst>
-      <p:par>
-        <p:cTn id="1" dur="indefinite" restart="never" nodeType="tmRoot"/>
-      </p:par>
-    </p:tnLst>
-  </p:timing>
-</p:sldLayout>
-</file>
-
-<file path=ppt/slideLayouts/slideLayout10.xml><?xml version="1.0" encoding="utf-8"?>
-<p:sldLayout xmlns:a="http://schemas.openxmlformats.org/drawingml/2006/main" xmlns:r="http://schemas.openxmlformats.org/officeDocument/2006/relationships" xmlns:p="http://schemas.openxmlformats.org/presentationml/2006/main" type="objTx" preserve="1">
-  <p:cSld name="Content with Caption">
-    <p:spTree>
-      <p:nvGrpSpPr>
-        <p:cNvPr id="1" name=""/>
-        <p:cNvGrpSpPr/>
-        <p:nvPr/>
-      </p:nvGrpSpPr>
-      <p:grpSpPr>
-        <a:xfrm>
-          <a:off x="0" y="0"/>
-          <a:ext cx="0" cy="0"/>
-          <a:chOff x="0" y="0"/>
-          <a:chExt cx="0" cy="0"/>
-        </a:xfrm>
-      </p:grpSpPr>
-      <p:sp>
-        <p:nvSpPr>
-          <p:cNvPr id="2" name="Title 1"/>
-          <p:cNvSpPr>
-            <a:spLocks noGrp="1"/>
-          </p:cNvSpPr>
-          <p:nvPr>
-            <p:ph type="title"/>
-          </p:nvPr>
+      <p:sp>
+        <p:nvSpPr>
+          <p:cNvPr id="14" name="TextBox 13"/>
+          <p:cNvSpPr txBox="1"/>
+          <p:nvPr/>
         </p:nvSpPr>
         <p:spPr>
           <a:xfrm>
-            <a:off x="268941" y="1298762"/>
-            <a:ext cx="4069080" cy="1162050"/>
-          </a:xfrm>
-          <a:noFill/>
-        </p:spPr>
-        <p:txBody>
-          <a:bodyPr anchor="b">
-            <a:noAutofit/>
-          </a:bodyPr>
-          <a:lstStyle>
-            <a:lvl1pPr algn="ctr">
-              <a:defRPr sz="3200" b="1">
-                <a:solidFill>
-                  <a:schemeClr val="accent2"/>
-                </a:solidFill>
-              </a:defRPr>
-            </a:lvl1pPr>
-          </a:lstStyle>
-          <a:p>
-            <a:r>
-              <a:rPr lang="en-US" smtClean="0"/>
-              <a:t>Click to edit Master title style</a:t>
-            </a:r>
-            <a:endParaRPr/>
-          </a:p>
-        </p:txBody>
-      </p:sp>
-      <p:sp>
-        <p:nvSpPr>
-          <p:cNvPr id="3" name="Content Placeholder 2"/>
-          <p:cNvSpPr>
-            <a:spLocks noGrp="1"/>
-          </p:cNvSpPr>
-          <p:nvPr>
-            <p:ph idx="1"/>
-          </p:nvPr>
-        </p:nvSpPr>
-        <p:spPr>
-          <a:xfrm>
-            <a:off x="4783567" y="914400"/>
-            <a:ext cx="4069080" cy="5211763"/>
-          </a:xfrm>
-        </p:spPr>
-        <p:txBody>
-          <a:bodyPr>
-            <a:normAutofit/>
-          </a:bodyPr>
-          <a:lstStyle>
-            <a:lvl1pPr>
-              <a:defRPr sz="2200"/>
-            </a:lvl1pPr>
-            <a:lvl2pPr>
-              <a:defRPr sz="2000"/>
-            </a:lvl2pPr>
-            <a:lvl3pPr>
-              <a:defRPr sz="1800"/>
-            </a:lvl3pPr>
-            <a:lvl4pPr>
-              <a:defRPr sz="1800"/>
-            </a:lvl4pPr>
-            <a:lvl5pPr>
-              <a:defRPr sz="1800"/>
-            </a:lvl5pPr>
-            <a:lvl6pPr>
-              <a:defRPr sz="1800"/>
-            </a:lvl6pPr>
-            <a:lvl7pPr>
-              <a:defRPr sz="1800"/>
-            </a:lvl7pPr>
-            <a:lvl8pPr>
-              <a:defRPr sz="1800"/>
-            </a:lvl8pPr>
-            <a:lvl9pPr>
-              <a:defRPr sz="1800"/>
-            </a:lvl9pPr>
-          </a:lstStyle>
-          <a:p>
-            <a:pPr lvl="0"/>
-            <a:r>
-              <a:rPr lang="en-US" smtClean="0"/>
-              <a:t>Click to edit Master text styles</a:t>
-            </a:r>
-          </a:p>
-          <a:p>
-            <a:pPr lvl="1"/>
-            <a:r>
-              <a:rPr lang="en-US" smtClean="0"/>
-              <a:t>Second level</a:t>
-            </a:r>
-          </a:p>
-          <a:p>
-            <a:pPr lvl="2"/>
-            <a:r>
-              <a:rPr lang="en-US" smtClean="0"/>
-              <a:t>Third level</a:t>
-            </a:r>
-          </a:p>
-          <a:p>
-            <a:pPr lvl="3"/>
-            <a:r>
-              <a:rPr lang="en-US" smtClean="0"/>
-              <a:t>Fourth level</a:t>
-            </a:r>
-          </a:p>
-          <a:p>
-            <a:pPr lvl="4"/>
-            <a:r>
-              <a:rPr lang="en-US" smtClean="0"/>
-              <a:t>Fifth level</a:t>
-            </a:r>
-            <a:endParaRPr dirty="0"/>
-          </a:p>
-        </p:txBody>
-      </p:sp>
-      <p:sp>
-        <p:nvSpPr>
-          <p:cNvPr id="4" name="Text Placeholder 3"/>
-          <p:cNvSpPr>
-            <a:spLocks noGrp="1"/>
-          </p:cNvSpPr>
-          <p:nvPr>
-            <p:ph type="body" sz="half" idx="2"/>
-          </p:nvPr>
-        </p:nvSpPr>
-        <p:spPr>
-          <a:xfrm>
-            <a:off x="268941" y="2456329"/>
-            <a:ext cx="4069080" cy="3182472"/>
-          </a:xfrm>
-        </p:spPr>
-        <p:txBody>
-          <a:bodyPr>
-            <a:normAutofit/>
-          </a:bodyPr>
-          <a:lstStyle>
-            <a:lvl1pPr marL="0" indent="0" algn="ctr">
-              <a:spcBef>
-                <a:spcPts val="600"/>
-              </a:spcBef>
-              <a:buNone/>
-              <a:defRPr sz="1800"/>
-            </a:lvl1pPr>
-            <a:lvl2pPr marL="457200" indent="0">
-              <a:buNone/>
-              <a:defRPr sz="1200"/>
-            </a:lvl2pPr>
-            <a:lvl3pPr marL="914400" indent="0">
-              <a:buNone/>
-              <a:defRPr sz="1000"/>
-            </a:lvl3pPr>
-            <a:lvl4pPr marL="1371600" indent="0">
-              <a:buNone/>
-              <a:defRPr sz="900"/>
-            </a:lvl4pPr>
-            <a:lvl5pPr marL="1828800" indent="0">
-              <a:buNone/>
-              <a:defRPr sz="900"/>
-            </a:lvl5pPr>
-            <a:lvl6pPr marL="2286000" indent="0">
-              <a:buNone/>
-              <a:defRPr sz="900"/>
-            </a:lvl6pPr>
-            <a:lvl7pPr marL="2743200" indent="0">
-              <a:buNone/>
-              <a:defRPr sz="900"/>
-            </a:lvl7pPr>
-            <a:lvl8pPr marL="3200400" indent="0">
-              <a:buNone/>
-              <a:defRPr sz="900"/>
-            </a:lvl8pPr>
-            <a:lvl9pPr marL="3657600" indent="0">
-              <a:buNone/>
-              <a:defRPr sz="900"/>
-            </a:lvl9pPr>
-          </a:lstStyle>
-          <a:p>
-            <a:pPr lvl="0"/>
-            <a:r>
-              <a:rPr lang="en-US" smtClean="0"/>
-              <a:t>Click to edit Master text styles</a:t>
-            </a:r>
-          </a:p>
-        </p:txBody>
-      </p:sp>
-      <p:sp>
-        <p:nvSpPr>
-          <p:cNvPr id="5" name="Date Placeholder 4"/>
-          <p:cNvSpPr>
-            <a:spLocks noGrp="1"/>
-          </p:cNvSpPr>
-          <p:nvPr>
-            <p:ph type="dt" sz="half" idx="10"/>
-          </p:nvPr>
-        </p:nvSpPr>
-        <p:spPr/>
-        <p:txBody>
-          <a:bodyPr/>
-          <a:lstStyle/>
-          <a:p>
-            <a:fld id="{6ED880C8-A25D-4B49-9B58-8039CF8D0B13}" type="datetime1">
-              <a:rPr lang="en-US" smtClean="0"/>
-              <a:pPr/>
-              <a:t>6/1/2015</a:t>
-            </a:fld>
-            <a:endParaRPr lang="en-US"/>
-          </a:p>
-        </p:txBody>
-      </p:sp>
-      <p:sp>
-        <p:nvSpPr>
-          <p:cNvPr id="6" name="Footer Placeholder 5"/>
-          <p:cNvSpPr>
-            <a:spLocks noGrp="1"/>
-          </p:cNvSpPr>
-          <p:nvPr>
-            <p:ph type="ftr" sz="quarter" idx="11"/>
-          </p:nvPr>
-        </p:nvSpPr>
-        <p:spPr/>
-        <p:txBody>
-          <a:bodyPr/>
-          <a:lstStyle/>
-          <a:p>
-            <a:r>
-              <a:rPr lang="en-US" smtClean="0"/>
-              <a:t>© 2015 EV3Lessons.com, Last edit 4/9/2015</a:t>
-            </a:r>
-            <a:endParaRPr lang="en-US"/>
-          </a:p>
-        </p:txBody>
-      </p:sp>
-      <p:sp>
-        <p:nvSpPr>
-          <p:cNvPr id="7" name="Slide Number Placeholder 6"/>
-          <p:cNvSpPr>
-            <a:spLocks noGrp="1"/>
-          </p:cNvSpPr>
-          <p:nvPr>
-            <p:ph type="sldNum" sz="quarter" idx="12"/>
-          </p:nvPr>
-        </p:nvSpPr>
-        <p:spPr/>
-        <p:txBody>
-          <a:bodyPr/>
-          <a:lstStyle/>
-          <a:p>
-            <a:fld id="{7F5CE407-6216-4202-80E4-A30DC2F709B2}" type="slidenum">
-              <a:rPr lang="en-US" smtClean="0"/>
-              <a:pPr/>
-              <a:t>‹#›</a:t>
-            </a:fld>
-            <a:endParaRPr lang="en-US"/>
-          </a:p>
-        </p:txBody>
-      </p:sp>
-      <p:grpSp>
-        <p:nvGrpSpPr>
-          <p:cNvPr id="8" name="Group 7"/>
-          <p:cNvGrpSpPr/>
-          <p:nvPr/>
-        </p:nvGrpSpPr>
-        <p:grpSpPr>
-          <a:xfrm>
-            <a:off x="284163" y="452718"/>
-            <a:ext cx="8576373" cy="137411"/>
-            <a:chOff x="284163" y="1577847"/>
-            <a:chExt cx="8576373" cy="137411"/>
-          </a:xfrm>
-        </p:grpSpPr>
-        <p:sp>
-          <p:nvSpPr>
-            <p:cNvPr id="9" name="Rectangle 8"/>
-            <p:cNvSpPr/>
-            <p:nvPr/>
-          </p:nvSpPr>
-          <p:spPr>
-            <a:xfrm>
-              <a:off x="284163" y="1577847"/>
-              <a:ext cx="1600200" cy="137411"/>
-            </a:xfrm>
-            <a:prstGeom prst="rect">
-              <a:avLst/>
-            </a:prstGeom>
-            <a:solidFill>
-              <a:schemeClr val="accent1"/>
-            </a:solidFill>
-            <a:ln>
-              <a:noFill/>
-            </a:ln>
-          </p:spPr>
-          <p:style>
-            <a:lnRef idx="2">
-              <a:schemeClr val="accent1">
-                <a:shade val="50000"/>
-              </a:schemeClr>
-            </a:lnRef>
-            <a:fillRef idx="1">
-              <a:schemeClr val="accent1"/>
-            </a:fillRef>
-            <a:effectRef idx="0">
-              <a:schemeClr val="accent1"/>
-            </a:effectRef>
-            <a:fontRef idx="minor">
-              <a:schemeClr val="lt1"/>
-            </a:fontRef>
-          </p:style>
-          <p:txBody>
-            <a:bodyPr rtlCol="0" anchor="ctr"/>
-            <a:lstStyle/>
-            <a:p>
-              <a:pPr algn="ctr"/>
-              <a:endParaRPr/>
-            </a:p>
-          </p:txBody>
-        </p:sp>
-        <p:sp>
-          <p:nvSpPr>
-            <p:cNvPr id="10" name="Rectangle 9"/>
-            <p:cNvSpPr/>
-            <p:nvPr/>
-          </p:nvSpPr>
-          <p:spPr>
-            <a:xfrm>
-              <a:off x="1885174" y="1577847"/>
-              <a:ext cx="2743200" cy="137411"/>
-            </a:xfrm>
-            <a:prstGeom prst="rect">
-              <a:avLst/>
-            </a:prstGeom>
-            <a:solidFill>
-              <a:schemeClr val="accent2"/>
-            </a:solidFill>
-            <a:ln>
-              <a:noFill/>
-            </a:ln>
-          </p:spPr>
-          <p:style>
-            <a:lnRef idx="2">
-              <a:schemeClr val="accent1">
-                <a:shade val="50000"/>
-              </a:schemeClr>
-            </a:lnRef>
-            <a:fillRef idx="1">
-              <a:schemeClr val="accent1"/>
-            </a:fillRef>
-            <a:effectRef idx="0">
-              <a:schemeClr val="accent1"/>
-            </a:effectRef>
-            <a:fontRef idx="minor">
-              <a:schemeClr val="lt1"/>
-            </a:fontRef>
-          </p:style>
-          <p:txBody>
-            <a:bodyPr rtlCol="0" anchor="ctr"/>
-            <a:lstStyle/>
-            <a:p>
-              <a:pPr algn="ctr"/>
-              <a:endParaRPr/>
-            </a:p>
-          </p:txBody>
-        </p:sp>
-        <p:sp>
-          <p:nvSpPr>
-            <p:cNvPr id="11" name="Rectangle 10"/>
-            <p:cNvSpPr/>
-            <p:nvPr/>
-          </p:nvSpPr>
-          <p:spPr>
-            <a:xfrm>
-              <a:off x="4626864" y="1577847"/>
-              <a:ext cx="4233672" cy="137411"/>
-            </a:xfrm>
-            <a:prstGeom prst="rect">
-              <a:avLst/>
-            </a:prstGeom>
-            <a:solidFill>
-              <a:schemeClr val="accent4"/>
-            </a:solidFill>
-            <a:ln>
-              <a:noFill/>
-            </a:ln>
-          </p:spPr>
-          <p:style>
-            <a:lnRef idx="2">
-              <a:schemeClr val="accent1">
-                <a:shade val="50000"/>
-              </a:schemeClr>
-            </a:lnRef>
-            <a:fillRef idx="1">
-              <a:schemeClr val="accent1"/>
-            </a:fillRef>
-            <a:effectRef idx="0">
-              <a:schemeClr val="accent1"/>
-            </a:effectRef>
-            <a:fontRef idx="minor">
-              <a:schemeClr val="lt1"/>
-            </a:fontRef>
-          </p:style>
-          <p:txBody>
-            <a:bodyPr rtlCol="0" anchor="ctr"/>
-            <a:lstStyle/>
-            <a:p>
-              <a:pPr algn="ctr"/>
-              <a:endParaRPr/>
-            </a:p>
-          </p:txBody>
-        </p:sp>
-      </p:grpSp>
-    </p:spTree>
-  </p:cSld>
-  <p:clrMapOvr>
-    <a:masterClrMapping/>
-  </p:clrMapOvr>
-  <p:timing>
-    <p:tnLst>
-      <p:par>
-        <p:cTn id="1" dur="indefinite" restart="never" nodeType="tmRoot"/>
-      </p:par>
-    </p:tnLst>
-  </p:timing>
-</p:sldLayout>
-</file>
-
-<file path=ppt/slideLayouts/slideLayout11.xml><?xml version="1.0" encoding="utf-8"?>
-<p:sldLayout xmlns:a="http://schemas.openxmlformats.org/drawingml/2006/main" xmlns:r="http://schemas.openxmlformats.org/officeDocument/2006/relationships" xmlns:p="http://schemas.openxmlformats.org/presentationml/2006/main" type="picTx" preserve="1">
-  <p:cSld name="Picture with Caption">
-    <p:spTree>
-      <p:nvGrpSpPr>
-        <p:cNvPr id="1" name=""/>
-        <p:cNvGrpSpPr/>
-        <p:nvPr/>
-      </p:nvGrpSpPr>
-      <p:grpSpPr>
-        <a:xfrm>
-          <a:off x="0" y="0"/>
-          <a:ext cx="0" cy="0"/>
-          <a:chOff x="0" y="0"/>
-          <a:chExt cx="0" cy="0"/>
-        </a:xfrm>
-      </p:grpSpPr>
-      <p:sp>
-        <p:nvSpPr>
-          <p:cNvPr id="8" name="Rectangle 7"/>
-          <p:cNvSpPr/>
-          <p:nvPr/>
-        </p:nvSpPr>
-        <p:spPr>
-          <a:xfrm>
-            <a:off x="284163" y="4801575"/>
-            <a:ext cx="8574087" cy="1468437"/>
+            <a:off x="329321" y="365291"/>
+            <a:ext cx="5046247" cy="1200329"/>
           </a:xfrm>
           <a:prstGeom prst="rect">
             <a:avLst/>
           </a:prstGeom>
-          <a:solidFill>
-            <a:schemeClr val="tx1">
-              <a:lumMod val="85000"/>
-              <a:lumOff val="15000"/>
-              <a:alpha val="85000"/>
-            </a:schemeClr>
-          </a:solidFill>
+          <a:noFill/>
         </p:spPr>
         <p:txBody>
-          <a:bodyPr vert="horz" lIns="91440" tIns="45720" rIns="182880" bIns="365760" rtlCol="0" anchor="b" anchorCtr="0">
-            <a:normAutofit/>
+          <a:bodyPr wrap="square" rtlCol="0">
+            <a:spAutoFit/>
           </a:bodyPr>
           <a:lstStyle/>
           <a:p>
-            <a:pPr algn="l" defTabSz="914400" rtl="0" eaLnBrk="1" latinLnBrk="0" hangingPunct="1">
-              <a:spcBef>
-                <a:spcPct val="0"/>
-              </a:spcBef>
-              <a:buNone/>
-            </a:pPr>
-            <a:endParaRPr sz="4200" kern="1200">
+            <a:r>
+              <a:rPr lang="en-US" sz="3600" dirty="0" smtClean="0">
+                <a:solidFill>
+                  <a:schemeClr val="bg1"/>
+                </a:solidFill>
+              </a:rPr>
+              <a:t>ADVANCED EV3 PROGRAMMING LESSON</a:t>
+            </a:r>
+            <a:endParaRPr lang="en-US" sz="3600" dirty="0">
               <a:solidFill>
                 <a:schemeClr val="bg1"/>
               </a:solidFill>
-              <a:latin typeface="+mj-lt"/>
-              <a:ea typeface="+mj-ea"/>
-              <a:cs typeface="+mj-cs"/>
             </a:endParaRPr>
           </a:p>
         </p:txBody>
       </p:sp>
-      <p:grpSp>
-        <p:nvGrpSpPr>
-          <p:cNvPr id="9" name="Group 8"/>
-          <p:cNvGrpSpPr/>
+      <p:pic>
+        <p:nvPicPr>
+          <p:cNvPr id="15" name="Picture 14" descr="EV3Lessons.com"/>
+          <p:cNvPicPr>
+            <a:picLocks noChangeAspect="1" noChangeArrowheads="1"/>
+          </p:cNvPicPr>
           <p:nvPr/>
-        </p:nvGrpSpPr>
-        <p:grpSpPr>
+        </p:nvPicPr>
+        <p:blipFill>
+          <a:blip r:embed="rId2" cstate="email">
+            <a:extLst>
+              <a:ext uri="{28A0092B-C50C-407E-A947-70E740481C1C}">
+                <a14:useLocalDpi xmlns:a14="http://schemas.microsoft.com/office/drawing/2010/main" val="0"/>
+              </a:ext>
+            </a:extLst>
+          </a:blip>
+          <a:srcRect/>
+          <a:stretch>
+            <a:fillRect/>
+          </a:stretch>
+        </p:blipFill>
+        <p:spPr bwMode="auto">
           <a:xfrm>
-            <a:off x="284163" y="6263389"/>
-            <a:ext cx="8576373" cy="137411"/>
-            <a:chOff x="284163" y="1759424"/>
-            <a:chExt cx="8576373" cy="137411"/>
-          </a:xfrm>
-        </p:grpSpPr>
-        <p:sp>
-          <p:nvSpPr>
-            <p:cNvPr id="10" name="Rectangle 9"/>
-            <p:cNvSpPr/>
-            <p:nvPr/>
-          </p:nvSpPr>
-          <p:spPr>
-            <a:xfrm>
-              <a:off x="284163" y="1759424"/>
-              <a:ext cx="2743200" cy="137411"/>
-            </a:xfrm>
-            <a:prstGeom prst="rect">
-              <a:avLst/>
-            </a:prstGeom>
-            <a:solidFill>
-              <a:schemeClr val="accent1"/>
-            </a:solidFill>
-            <a:ln>
-              <a:noFill/>
-            </a:ln>
-          </p:spPr>
-          <p:style>
-            <a:lnRef idx="2">
-              <a:schemeClr val="accent1">
-                <a:shade val="50000"/>
-              </a:schemeClr>
-            </a:lnRef>
-            <a:fillRef idx="1">
-              <a:schemeClr val="accent1"/>
-            </a:fillRef>
-            <a:effectRef idx="0">
-              <a:schemeClr val="accent1"/>
-            </a:effectRef>
-            <a:fontRef idx="minor">
-              <a:schemeClr val="lt1"/>
-            </a:fontRef>
-          </p:style>
-          <p:txBody>
-            <a:bodyPr rtlCol="0" anchor="ctr"/>
-            <a:lstStyle/>
-            <a:p>
-              <a:pPr algn="ctr"/>
-              <a:endParaRPr/>
-            </a:p>
-          </p:txBody>
-        </p:sp>
-        <p:sp>
-          <p:nvSpPr>
-            <p:cNvPr id="11" name="Rectangle 10"/>
-            <p:cNvSpPr/>
-            <p:nvPr/>
-          </p:nvSpPr>
-          <p:spPr>
-            <a:xfrm>
-              <a:off x="3026392" y="1759424"/>
-              <a:ext cx="1600200" cy="137411"/>
-            </a:xfrm>
-            <a:prstGeom prst="rect">
-              <a:avLst/>
-            </a:prstGeom>
-            <a:solidFill>
-              <a:schemeClr val="accent2"/>
-            </a:solidFill>
-            <a:ln>
-              <a:noFill/>
-            </a:ln>
-          </p:spPr>
-          <p:style>
-            <a:lnRef idx="2">
-              <a:schemeClr val="accent1">
-                <a:shade val="50000"/>
-              </a:schemeClr>
-            </a:lnRef>
-            <a:fillRef idx="1">
-              <a:schemeClr val="accent1"/>
-            </a:fillRef>
-            <a:effectRef idx="0">
-              <a:schemeClr val="accent1"/>
-            </a:effectRef>
-            <a:fontRef idx="minor">
-              <a:schemeClr val="lt1"/>
-            </a:fontRef>
-          </p:style>
-          <p:txBody>
-            <a:bodyPr rtlCol="0" anchor="ctr"/>
-            <a:lstStyle/>
-            <a:p>
-              <a:pPr algn="ctr"/>
-              <a:endParaRPr/>
-            </a:p>
-          </p:txBody>
-        </p:sp>
-        <p:sp>
-          <p:nvSpPr>
-            <p:cNvPr id="12" name="Rectangle 11"/>
-            <p:cNvSpPr/>
-            <p:nvPr/>
-          </p:nvSpPr>
-          <p:spPr>
-            <a:xfrm>
-              <a:off x="4626864" y="1759424"/>
-              <a:ext cx="4233672" cy="137411"/>
-            </a:xfrm>
-            <a:prstGeom prst="rect">
-              <a:avLst/>
-            </a:prstGeom>
-            <a:solidFill>
-              <a:schemeClr val="accent4"/>
-            </a:solidFill>
-            <a:ln>
-              <a:noFill/>
-            </a:ln>
-          </p:spPr>
-          <p:style>
-            <a:lnRef idx="2">
-              <a:schemeClr val="accent1">
-                <a:shade val="50000"/>
-              </a:schemeClr>
-            </a:lnRef>
-            <a:fillRef idx="1">
-              <a:schemeClr val="accent1"/>
-            </a:fillRef>
-            <a:effectRef idx="0">
-              <a:schemeClr val="accent1"/>
-            </a:effectRef>
-            <a:fontRef idx="minor">
-              <a:schemeClr val="lt1"/>
-            </a:fontRef>
-          </p:style>
-          <p:txBody>
-            <a:bodyPr rtlCol="0" anchor="ctr"/>
-            <a:lstStyle/>
-            <a:p>
-              <a:pPr algn="ctr"/>
-              <a:endParaRPr/>
-            </a:p>
-          </p:txBody>
-        </p:sp>
-      </p:grpSp>
-      <p:sp>
-        <p:nvSpPr>
-          <p:cNvPr id="2" name="Title 1"/>
-          <p:cNvSpPr>
-            <a:spLocks noGrp="1"/>
-          </p:cNvSpPr>
-          <p:nvPr>
-            <p:ph type="title"/>
-          </p:nvPr>
-        </p:nvSpPr>
-        <p:spPr>
-          <a:xfrm>
-            <a:off x="363071" y="4800600"/>
-            <a:ext cx="8360242" cy="566738"/>
-          </a:xfrm>
-          <a:noFill/>
-        </p:spPr>
-        <p:txBody>
-          <a:bodyPr vert="horz" lIns="91440" tIns="45720" rIns="91440" bIns="45720" rtlCol="0" anchor="b" anchorCtr="0">
-            <a:normAutofit/>
-          </a:bodyPr>
-          <a:lstStyle>
-            <a:lvl1pPr algn="l" defTabSz="914400" rtl="0" eaLnBrk="1" latinLnBrk="0" hangingPunct="1">
-              <a:spcBef>
-                <a:spcPct val="0"/>
-              </a:spcBef>
-              <a:buNone/>
-              <a:defRPr sz="2800" b="0" i="0" kern="1200" cap="none" baseline="0">
-                <a:solidFill>
-                  <a:schemeClr val="bg1"/>
-                </a:solidFill>
-                <a:latin typeface="+mj-lt"/>
-                <a:ea typeface="+mj-ea"/>
-                <a:cs typeface="+mj-cs"/>
-              </a:defRPr>
-            </a:lvl1pPr>
-          </a:lstStyle>
-          <a:p>
-            <a:r>
-              <a:rPr lang="en-US" smtClean="0"/>
-              <a:t>Click to edit Master title style</a:t>
-            </a:r>
-            <a:endParaRPr/>
-          </a:p>
-        </p:txBody>
-      </p:sp>
-      <p:sp>
-        <p:nvSpPr>
-          <p:cNvPr id="3" name="Picture Placeholder 2"/>
-          <p:cNvSpPr>
-            <a:spLocks noGrp="1"/>
-          </p:cNvSpPr>
-          <p:nvPr>
-            <p:ph type="pic" idx="1"/>
-          </p:nvPr>
-        </p:nvSpPr>
-        <p:spPr>
-          <a:xfrm>
-            <a:off x="284163" y="457199"/>
-            <a:ext cx="8577072" cy="4352544"/>
-          </a:xfrm>
-        </p:spPr>
-        <p:txBody>
-          <a:bodyPr/>
-          <a:lstStyle>
-            <a:lvl1pPr marL="0" indent="0">
-              <a:buNone/>
-              <a:defRPr sz="3200"/>
-            </a:lvl1pPr>
-            <a:lvl2pPr marL="457200" indent="0">
-              <a:buNone/>
-              <a:defRPr sz="2800"/>
-            </a:lvl2pPr>
-            <a:lvl3pPr marL="914400" indent="0">
-              <a:buNone/>
-              <a:defRPr sz="2400"/>
-            </a:lvl3pPr>
-            <a:lvl4pPr marL="1371600" indent="0">
-              <a:buNone/>
-              <a:defRPr sz="2000"/>
-            </a:lvl4pPr>
-            <a:lvl5pPr marL="1828800" indent="0">
-              <a:buNone/>
-              <a:defRPr sz="2000"/>
-            </a:lvl5pPr>
-            <a:lvl6pPr marL="2286000" indent="0">
-              <a:buNone/>
-              <a:defRPr sz="2000"/>
-            </a:lvl6pPr>
-            <a:lvl7pPr marL="2743200" indent="0">
-              <a:buNone/>
-              <a:defRPr sz="2000"/>
-            </a:lvl7pPr>
-            <a:lvl8pPr marL="3200400" indent="0">
-              <a:buNone/>
-              <a:defRPr sz="2000"/>
-            </a:lvl8pPr>
-            <a:lvl9pPr marL="3657600" indent="0">
-              <a:buNone/>
-              <a:defRPr sz="2000"/>
-            </a:lvl9pPr>
-          </a:lstStyle>
-          <a:p>
-            <a:r>
-              <a:rPr lang="en-US" smtClean="0"/>
-              <a:t>Drag picture to placeholder or click icon to add</a:t>
-            </a:r>
-            <a:endParaRPr/>
-          </a:p>
-        </p:txBody>
-      </p:sp>
-      <p:sp>
-        <p:nvSpPr>
-          <p:cNvPr id="4" name="Text Placeholder 3"/>
-          <p:cNvSpPr>
-            <a:spLocks noGrp="1"/>
-          </p:cNvSpPr>
-          <p:nvPr>
-            <p:ph type="body" sz="half" idx="2"/>
-          </p:nvPr>
-        </p:nvSpPr>
-        <p:spPr>
-          <a:xfrm>
-            <a:off x="419099" y="5367338"/>
-            <a:ext cx="8304213" cy="804862"/>
-          </a:xfrm>
-        </p:spPr>
-        <p:txBody>
-          <a:bodyPr/>
-          <a:lstStyle>
-            <a:lvl1pPr marL="0" indent="0">
-              <a:spcBef>
-                <a:spcPts val="0"/>
-              </a:spcBef>
-              <a:buNone/>
-              <a:defRPr sz="1400">
-                <a:solidFill>
-                  <a:schemeClr val="bg1"/>
-                </a:solidFill>
-              </a:defRPr>
-            </a:lvl1pPr>
-            <a:lvl2pPr marL="457200" indent="0">
-              <a:buNone/>
-              <a:defRPr sz="1200"/>
-            </a:lvl2pPr>
-            <a:lvl3pPr marL="914400" indent="0">
-              <a:buNone/>
-              <a:defRPr sz="1000"/>
-            </a:lvl3pPr>
-            <a:lvl4pPr marL="1371600" indent="0">
-              <a:buNone/>
-              <a:defRPr sz="900"/>
-            </a:lvl4pPr>
-            <a:lvl5pPr marL="1828800" indent="0">
-              <a:buNone/>
-              <a:defRPr sz="900"/>
-            </a:lvl5pPr>
-            <a:lvl6pPr marL="2286000" indent="0">
-              <a:buNone/>
-              <a:defRPr sz="900"/>
-            </a:lvl6pPr>
-            <a:lvl7pPr marL="2743200" indent="0">
-              <a:buNone/>
-              <a:defRPr sz="900"/>
-            </a:lvl7pPr>
-            <a:lvl8pPr marL="3200400" indent="0">
-              <a:buNone/>
-              <a:defRPr sz="900"/>
-            </a:lvl8pPr>
-            <a:lvl9pPr marL="3657600" indent="0">
-              <a:buNone/>
-              <a:defRPr sz="900"/>
-            </a:lvl9pPr>
-          </a:lstStyle>
-          <a:p>
-            <a:pPr lvl="0"/>
-            <a:r>
-              <a:rPr lang="en-US" smtClean="0"/>
-              <a:t>Click to edit Master text styles</a:t>
-            </a:r>
-          </a:p>
-        </p:txBody>
-      </p:sp>
-      <p:sp>
-        <p:nvSpPr>
-          <p:cNvPr id="5" name="Date Placeholder 4"/>
-          <p:cNvSpPr>
-            <a:spLocks noGrp="1"/>
-          </p:cNvSpPr>
-          <p:nvPr>
-            <p:ph type="dt" sz="half" idx="10"/>
-          </p:nvPr>
-        </p:nvSpPr>
-        <p:spPr/>
-        <p:txBody>
-          <a:bodyPr/>
-          <a:lstStyle/>
-          <a:p>
-            <a:fld id="{CBF135CC-D3CF-F448-974C-85B7EAC15060}" type="datetime1">
-              <a:rPr lang="en-US" smtClean="0"/>
-              <a:pPr/>
-              <a:t>6/1/2015</a:t>
-            </a:fld>
-            <a:endParaRPr lang="en-US"/>
-          </a:p>
-        </p:txBody>
-      </p:sp>
-      <p:sp>
-        <p:nvSpPr>
-          <p:cNvPr id="6" name="Footer Placeholder 5"/>
-          <p:cNvSpPr>
-            <a:spLocks noGrp="1"/>
-          </p:cNvSpPr>
-          <p:nvPr>
-            <p:ph type="ftr" sz="quarter" idx="11"/>
-          </p:nvPr>
-        </p:nvSpPr>
-        <p:spPr/>
-        <p:txBody>
-          <a:bodyPr/>
-          <a:lstStyle/>
-          <a:p>
-            <a:r>
-              <a:rPr lang="en-US" smtClean="0"/>
-              <a:t>© 2015 EV3Lessons.com, Last edit 4/9/2015</a:t>
-            </a:r>
-            <a:endParaRPr lang="en-US"/>
-          </a:p>
-        </p:txBody>
-      </p:sp>
-      <p:sp>
-        <p:nvSpPr>
-          <p:cNvPr id="7" name="Slide Number Placeholder 6"/>
-          <p:cNvSpPr>
-            <a:spLocks noGrp="1"/>
-          </p:cNvSpPr>
-          <p:nvPr>
-            <p:ph type="sldNum" sz="quarter" idx="12"/>
-          </p:nvPr>
-        </p:nvSpPr>
-        <p:spPr/>
-        <p:txBody>
-          <a:bodyPr/>
-          <a:lstStyle/>
-          <a:p>
-            <a:fld id="{4382A7F7-08BF-4252-8141-63FB96055BBB}" type="slidenum">
-              <a:rPr lang="en-US" smtClean="0"/>
-              <a:pPr/>
-              <a:t>‹#›</a:t>
-            </a:fld>
-            <a:endParaRPr lang="en-US"/>
-          </a:p>
-        </p:txBody>
-      </p:sp>
-    </p:spTree>
-  </p:cSld>
-  <p:clrMapOvr>
-    <a:masterClrMapping/>
-  </p:clrMapOvr>
-  <p:timing>
-    <p:tnLst>
-      <p:par>
-        <p:cTn id="1" dur="indefinite" restart="never" nodeType="tmRoot"/>
-      </p:par>
-    </p:tnLst>
-  </p:timing>
-</p:sldLayout>
-</file>
-
-<file path=ppt/slideLayouts/slideLayout12.xml><?xml version="1.0" encoding="utf-8"?>
-<p:sldLayout xmlns:a="http://schemas.openxmlformats.org/drawingml/2006/main" xmlns:r="http://schemas.openxmlformats.org/officeDocument/2006/relationships" xmlns:p="http://schemas.openxmlformats.org/presentationml/2006/main" type="picTx" preserve="1">
-  <p:cSld name="Picture with Caption, Alt.">
-    <p:spTree>
-      <p:nvGrpSpPr>
-        <p:cNvPr id="1" name=""/>
-        <p:cNvGrpSpPr/>
-        <p:nvPr/>
-      </p:nvGrpSpPr>
-      <p:grpSpPr>
-        <a:xfrm>
-          <a:off x="0" y="0"/>
-          <a:ext cx="0" cy="0"/>
-          <a:chOff x="0" y="0"/>
-          <a:chExt cx="0" cy="0"/>
-        </a:xfrm>
-      </p:grpSpPr>
-      <p:grpSp>
-        <p:nvGrpSpPr>
-          <p:cNvPr id="8" name="Group 8"/>
-          <p:cNvGrpSpPr/>
-          <p:nvPr/>
-        </p:nvGrpSpPr>
-        <p:grpSpPr>
-          <a:xfrm>
-            <a:off x="284163" y="4280647"/>
-            <a:ext cx="8576373" cy="137411"/>
-            <a:chOff x="284163" y="1759424"/>
-            <a:chExt cx="8576373" cy="137411"/>
-          </a:xfrm>
-        </p:grpSpPr>
-        <p:sp>
-          <p:nvSpPr>
-            <p:cNvPr id="10" name="Rectangle 9"/>
-            <p:cNvSpPr/>
-            <p:nvPr/>
-          </p:nvSpPr>
-          <p:spPr>
-            <a:xfrm>
-              <a:off x="284163" y="1759424"/>
-              <a:ext cx="2743200" cy="137411"/>
-            </a:xfrm>
-            <a:prstGeom prst="rect">
-              <a:avLst/>
-            </a:prstGeom>
-            <a:solidFill>
-              <a:schemeClr val="accent1"/>
-            </a:solidFill>
-            <a:ln>
-              <a:noFill/>
-            </a:ln>
-          </p:spPr>
-          <p:style>
-            <a:lnRef idx="2">
-              <a:schemeClr val="accent1">
-                <a:shade val="50000"/>
-              </a:schemeClr>
-            </a:lnRef>
-            <a:fillRef idx="1">
-              <a:schemeClr val="accent1"/>
-            </a:fillRef>
-            <a:effectRef idx="0">
-              <a:schemeClr val="accent1"/>
-            </a:effectRef>
-            <a:fontRef idx="minor">
-              <a:schemeClr val="lt1"/>
-            </a:fontRef>
-          </p:style>
-          <p:txBody>
-            <a:bodyPr rtlCol="0" anchor="ctr"/>
-            <a:lstStyle/>
-            <a:p>
-              <a:pPr algn="ctr"/>
-              <a:endParaRPr/>
-            </a:p>
-          </p:txBody>
-        </p:sp>
-        <p:sp>
-          <p:nvSpPr>
-            <p:cNvPr id="11" name="Rectangle 10"/>
-            <p:cNvSpPr/>
-            <p:nvPr/>
-          </p:nvSpPr>
-          <p:spPr>
-            <a:xfrm>
-              <a:off x="3026392" y="1759424"/>
-              <a:ext cx="1600200" cy="137411"/>
-            </a:xfrm>
-            <a:prstGeom prst="rect">
-              <a:avLst/>
-            </a:prstGeom>
-            <a:solidFill>
-              <a:schemeClr val="accent2"/>
-            </a:solidFill>
-            <a:ln>
-              <a:noFill/>
-            </a:ln>
-          </p:spPr>
-          <p:style>
-            <a:lnRef idx="2">
-              <a:schemeClr val="accent1">
-                <a:shade val="50000"/>
-              </a:schemeClr>
-            </a:lnRef>
-            <a:fillRef idx="1">
-              <a:schemeClr val="accent1"/>
-            </a:fillRef>
-            <a:effectRef idx="0">
-              <a:schemeClr val="accent1"/>
-            </a:effectRef>
-            <a:fontRef idx="minor">
-              <a:schemeClr val="lt1"/>
-            </a:fontRef>
-          </p:style>
-          <p:txBody>
-            <a:bodyPr rtlCol="0" anchor="ctr"/>
-            <a:lstStyle/>
-            <a:p>
-              <a:pPr algn="ctr"/>
-              <a:endParaRPr/>
-            </a:p>
-          </p:txBody>
-        </p:sp>
-        <p:sp>
-          <p:nvSpPr>
-            <p:cNvPr id="12" name="Rectangle 11"/>
-            <p:cNvSpPr/>
-            <p:nvPr/>
-          </p:nvSpPr>
-          <p:spPr>
-            <a:xfrm>
-              <a:off x="4626864" y="1759424"/>
-              <a:ext cx="4233672" cy="137411"/>
-            </a:xfrm>
-            <a:prstGeom prst="rect">
-              <a:avLst/>
-            </a:prstGeom>
-            <a:solidFill>
-              <a:schemeClr val="accent4"/>
-            </a:solidFill>
-            <a:ln>
-              <a:noFill/>
-            </a:ln>
-          </p:spPr>
-          <p:style>
-            <a:lnRef idx="2">
-              <a:schemeClr val="accent1">
-                <a:shade val="50000"/>
-              </a:schemeClr>
-            </a:lnRef>
-            <a:fillRef idx="1">
-              <a:schemeClr val="accent1"/>
-            </a:fillRef>
-            <a:effectRef idx="0">
-              <a:schemeClr val="accent1"/>
-            </a:effectRef>
-            <a:fontRef idx="minor">
-              <a:schemeClr val="lt1"/>
-            </a:fontRef>
-          </p:style>
-          <p:txBody>
-            <a:bodyPr rtlCol="0" anchor="ctr"/>
-            <a:lstStyle/>
-            <a:p>
-              <a:pPr algn="ctr"/>
-              <a:endParaRPr/>
-            </a:p>
-          </p:txBody>
-        </p:sp>
-      </p:grpSp>
-      <p:sp>
-        <p:nvSpPr>
-          <p:cNvPr id="2" name="Title 1"/>
-          <p:cNvSpPr>
-            <a:spLocks noGrp="1"/>
-          </p:cNvSpPr>
-          <p:nvPr>
-            <p:ph type="title"/>
-          </p:nvPr>
-        </p:nvSpPr>
-        <p:spPr>
-          <a:xfrm>
-            <a:off x="363071" y="4778189"/>
-            <a:ext cx="8360242" cy="566738"/>
-          </a:xfrm>
-          <a:noFill/>
-        </p:spPr>
-        <p:txBody>
-          <a:bodyPr anchor="b">
-            <a:normAutofit/>
-          </a:bodyPr>
-          <a:lstStyle>
-            <a:lvl1pPr algn="l">
-              <a:defRPr sz="2800" b="0">
-                <a:solidFill>
-                  <a:schemeClr val="accent2"/>
-                </a:solidFill>
-              </a:defRPr>
-            </a:lvl1pPr>
-          </a:lstStyle>
-          <a:p>
-            <a:r>
-              <a:rPr lang="en-US" smtClean="0"/>
-              <a:t>Click to edit Master title style</a:t>
-            </a:r>
-            <a:endParaRPr/>
-          </a:p>
-        </p:txBody>
-      </p:sp>
-      <p:sp>
-        <p:nvSpPr>
-          <p:cNvPr id="3" name="Picture Placeholder 2"/>
-          <p:cNvSpPr>
-            <a:spLocks noGrp="1"/>
-          </p:cNvSpPr>
-          <p:nvPr>
-            <p:ph type="pic" idx="1"/>
-          </p:nvPr>
-        </p:nvSpPr>
-        <p:spPr>
-          <a:xfrm>
-            <a:off x="284163" y="457200"/>
-            <a:ext cx="8577072" cy="3822192"/>
-          </a:xfrm>
-        </p:spPr>
-        <p:txBody>
-          <a:bodyPr/>
-          <a:lstStyle>
-            <a:lvl1pPr marL="0" indent="0">
-              <a:buNone/>
-              <a:defRPr sz="3200"/>
-            </a:lvl1pPr>
-            <a:lvl2pPr marL="457200" indent="0">
-              <a:buNone/>
-              <a:defRPr sz="2800"/>
-            </a:lvl2pPr>
-            <a:lvl3pPr marL="914400" indent="0">
-              <a:buNone/>
-              <a:defRPr sz="2400"/>
-            </a:lvl3pPr>
-            <a:lvl4pPr marL="1371600" indent="0">
-              <a:buNone/>
-              <a:defRPr sz="2000"/>
-            </a:lvl4pPr>
-            <a:lvl5pPr marL="1828800" indent="0">
-              <a:buNone/>
-              <a:defRPr sz="2000"/>
-            </a:lvl5pPr>
-            <a:lvl6pPr marL="2286000" indent="0">
-              <a:buNone/>
-              <a:defRPr sz="2000"/>
-            </a:lvl6pPr>
-            <a:lvl7pPr marL="2743200" indent="0">
-              <a:buNone/>
-              <a:defRPr sz="2000"/>
-            </a:lvl7pPr>
-            <a:lvl8pPr marL="3200400" indent="0">
-              <a:buNone/>
-              <a:defRPr sz="2000"/>
-            </a:lvl8pPr>
-            <a:lvl9pPr marL="3657600" indent="0">
-              <a:buNone/>
-              <a:defRPr sz="2000"/>
-            </a:lvl9pPr>
-          </a:lstStyle>
-          <a:p>
-            <a:r>
-              <a:rPr lang="en-US" smtClean="0"/>
-              <a:t>Drag picture to placeholder or click icon to add</a:t>
-            </a:r>
-            <a:endParaRPr/>
-          </a:p>
-        </p:txBody>
-      </p:sp>
-      <p:sp>
-        <p:nvSpPr>
-          <p:cNvPr id="4" name="Text Placeholder 3"/>
-          <p:cNvSpPr>
-            <a:spLocks noGrp="1"/>
-          </p:cNvSpPr>
-          <p:nvPr>
-            <p:ph type="body" sz="half" idx="2"/>
-          </p:nvPr>
-        </p:nvSpPr>
-        <p:spPr>
-          <a:xfrm>
-            <a:off x="419099" y="5344927"/>
-            <a:ext cx="8304213" cy="804862"/>
-          </a:xfrm>
-          <a:noFill/>
-        </p:spPr>
-        <p:txBody>
-          <a:bodyPr/>
-          <a:lstStyle>
-            <a:lvl1pPr marL="0" indent="0">
-              <a:spcBef>
-                <a:spcPts val="0"/>
-              </a:spcBef>
-              <a:buNone/>
-              <a:defRPr sz="1400">
-                <a:solidFill>
-                  <a:schemeClr val="tx1">
-                    <a:lumMod val="85000"/>
-                    <a:lumOff val="15000"/>
-                  </a:schemeClr>
-                </a:solidFill>
-              </a:defRPr>
-            </a:lvl1pPr>
-            <a:lvl2pPr marL="457200" indent="0">
-              <a:buNone/>
-              <a:defRPr sz="1200"/>
-            </a:lvl2pPr>
-            <a:lvl3pPr marL="914400" indent="0">
-              <a:buNone/>
-              <a:defRPr sz="1000"/>
-            </a:lvl3pPr>
-            <a:lvl4pPr marL="1371600" indent="0">
-              <a:buNone/>
-              <a:defRPr sz="900"/>
-            </a:lvl4pPr>
-            <a:lvl5pPr marL="1828800" indent="0">
-              <a:buNone/>
-              <a:defRPr sz="900"/>
-            </a:lvl5pPr>
-            <a:lvl6pPr marL="2286000" indent="0">
-              <a:buNone/>
-              <a:defRPr sz="900"/>
-            </a:lvl6pPr>
-            <a:lvl7pPr marL="2743200" indent="0">
-              <a:buNone/>
-              <a:defRPr sz="900"/>
-            </a:lvl7pPr>
-            <a:lvl8pPr marL="3200400" indent="0">
-              <a:buNone/>
-              <a:defRPr sz="900"/>
-            </a:lvl8pPr>
-            <a:lvl9pPr marL="3657600" indent="0">
-              <a:buNone/>
-              <a:defRPr sz="900"/>
-            </a:lvl9pPr>
-          </a:lstStyle>
-          <a:p>
-            <a:pPr lvl="0"/>
-            <a:r>
-              <a:rPr lang="en-US" smtClean="0"/>
-              <a:t>Click to edit Master text styles</a:t>
-            </a:r>
-          </a:p>
-        </p:txBody>
-      </p:sp>
-      <p:sp>
-        <p:nvSpPr>
-          <p:cNvPr id="5" name="Date Placeholder 4"/>
-          <p:cNvSpPr>
-            <a:spLocks noGrp="1"/>
-          </p:cNvSpPr>
-          <p:nvPr>
-            <p:ph type="dt" sz="half" idx="10"/>
-          </p:nvPr>
-        </p:nvSpPr>
-        <p:spPr/>
-        <p:txBody>
-          <a:bodyPr/>
-          <a:lstStyle/>
-          <a:p>
-            <a:fld id="{1878E50E-4B01-5342-AAEE-43F634B00956}" type="datetime1">
-              <a:rPr lang="en-US" smtClean="0"/>
-              <a:pPr/>
-              <a:t>6/1/2015</a:t>
-            </a:fld>
-            <a:endParaRPr lang="en-US" dirty="0"/>
-          </a:p>
-        </p:txBody>
-      </p:sp>
-      <p:sp>
-        <p:nvSpPr>
-          <p:cNvPr id="6" name="Footer Placeholder 5"/>
-          <p:cNvSpPr>
-            <a:spLocks noGrp="1"/>
-          </p:cNvSpPr>
-          <p:nvPr>
-            <p:ph type="ftr" sz="quarter" idx="11"/>
-          </p:nvPr>
-        </p:nvSpPr>
-        <p:spPr/>
-        <p:txBody>
-          <a:bodyPr/>
-          <a:lstStyle/>
-          <a:p>
-            <a:r>
-              <a:rPr lang="en-US" smtClean="0"/>
-              <a:t>© 2015 EV3Lessons.com, Last edit 4/9/2015</a:t>
-            </a:r>
-            <a:endParaRPr lang="en-US" dirty="0"/>
-          </a:p>
-        </p:txBody>
-      </p:sp>
-      <p:sp>
-        <p:nvSpPr>
-          <p:cNvPr id="7" name="Slide Number Placeholder 6"/>
-          <p:cNvSpPr>
-            <a:spLocks noGrp="1"/>
-          </p:cNvSpPr>
-          <p:nvPr>
-            <p:ph type="sldNum" sz="quarter" idx="12"/>
-          </p:nvPr>
-        </p:nvSpPr>
-        <p:spPr/>
-        <p:txBody>
-          <a:bodyPr/>
-          <a:lstStyle/>
-          <a:p>
-            <a:fld id="{4382A7F7-08BF-4252-8141-63FB96055BBB}" type="slidenum">
-              <a:rPr lang="en-US" smtClean="0"/>
-              <a:pPr/>
-              <a:t>‹#›</a:t>
-            </a:fld>
-            <a:endParaRPr lang="en-US"/>
-          </a:p>
-        </p:txBody>
-      </p:sp>
-    </p:spTree>
-  </p:cSld>
-  <p:clrMapOvr>
-    <a:masterClrMapping/>
-  </p:clrMapOvr>
-  <p:timing>
-    <p:tnLst>
-      <p:par>
-        <p:cTn id="1" dur="indefinite" restart="never" nodeType="tmRoot"/>
-      </p:par>
-    </p:tnLst>
-  </p:timing>
-</p:sldLayout>
-</file>
-
-<file path=ppt/slideLayouts/slideLayout13.xml><?xml version="1.0" encoding="utf-8"?>
-<p:sldLayout xmlns:a="http://schemas.openxmlformats.org/drawingml/2006/main" xmlns:r="http://schemas.openxmlformats.org/officeDocument/2006/relationships" xmlns:p="http://schemas.openxmlformats.org/presentationml/2006/main" preserve="1">
-  <p:cSld name="Content, Picture, and Caption">
-    <p:spTree>
-      <p:nvGrpSpPr>
-        <p:cNvPr id="1" name=""/>
-        <p:cNvGrpSpPr/>
-        <p:nvPr/>
-      </p:nvGrpSpPr>
-      <p:grpSpPr>
-        <a:xfrm>
-          <a:off x="0" y="0"/>
-          <a:ext cx="0" cy="0"/>
-          <a:chOff x="0" y="0"/>
-          <a:chExt cx="0" cy="0"/>
-        </a:xfrm>
-      </p:grpSpPr>
-      <p:sp>
-        <p:nvSpPr>
-          <p:cNvPr id="3" name="Content Placeholder 2"/>
-          <p:cNvSpPr>
-            <a:spLocks noGrp="1"/>
-          </p:cNvSpPr>
-          <p:nvPr>
-            <p:ph idx="1"/>
-          </p:nvPr>
-        </p:nvSpPr>
-        <p:spPr>
-          <a:xfrm>
-            <a:off x="3657600" y="914400"/>
-            <a:ext cx="5195047" cy="5211763"/>
-          </a:xfrm>
-        </p:spPr>
-        <p:txBody>
-          <a:bodyPr>
-            <a:normAutofit/>
-          </a:bodyPr>
-          <a:lstStyle>
-            <a:lvl1pPr>
-              <a:defRPr sz="2200"/>
-            </a:lvl1pPr>
-            <a:lvl2pPr>
-              <a:defRPr sz="2000"/>
-            </a:lvl2pPr>
-            <a:lvl3pPr>
-              <a:defRPr sz="1800"/>
-            </a:lvl3pPr>
-            <a:lvl4pPr>
-              <a:defRPr sz="1800"/>
-            </a:lvl4pPr>
-            <a:lvl5pPr>
-              <a:defRPr sz="1800"/>
-            </a:lvl5pPr>
-            <a:lvl6pPr>
-              <a:defRPr sz="1800"/>
-            </a:lvl6pPr>
-            <a:lvl7pPr>
-              <a:defRPr sz="1800"/>
-            </a:lvl7pPr>
-            <a:lvl8pPr>
-              <a:defRPr sz="1800"/>
-            </a:lvl8pPr>
-            <a:lvl9pPr>
-              <a:defRPr sz="1800"/>
-            </a:lvl9pPr>
-          </a:lstStyle>
-          <a:p>
-            <a:pPr lvl="0"/>
-            <a:r>
-              <a:rPr lang="en-US" smtClean="0"/>
-              <a:t>Click to edit Master text styles</a:t>
-            </a:r>
-          </a:p>
-          <a:p>
-            <a:pPr lvl="1"/>
-            <a:r>
-              <a:rPr lang="en-US" smtClean="0"/>
-              <a:t>Second level</a:t>
-            </a:r>
-          </a:p>
-          <a:p>
-            <a:pPr lvl="2"/>
-            <a:r>
-              <a:rPr lang="en-US" smtClean="0"/>
-              <a:t>Third level</a:t>
-            </a:r>
-          </a:p>
-          <a:p>
-            <a:pPr lvl="3"/>
-            <a:r>
-              <a:rPr lang="en-US" smtClean="0"/>
-              <a:t>Fourth level</a:t>
-            </a:r>
-          </a:p>
-          <a:p>
-            <a:pPr lvl="4"/>
-            <a:r>
-              <a:rPr lang="en-US" smtClean="0"/>
-              <a:t>Fifth level</a:t>
-            </a:r>
-            <a:endParaRPr dirty="0"/>
-          </a:p>
-        </p:txBody>
-      </p:sp>
-      <p:sp>
-        <p:nvSpPr>
-          <p:cNvPr id="5" name="Date Placeholder 4"/>
-          <p:cNvSpPr>
-            <a:spLocks noGrp="1"/>
-          </p:cNvSpPr>
-          <p:nvPr>
-            <p:ph type="dt" sz="half" idx="10"/>
-          </p:nvPr>
-        </p:nvSpPr>
-        <p:spPr/>
-        <p:txBody>
-          <a:bodyPr/>
-          <a:lstStyle/>
-          <a:p>
-            <a:fld id="{96F3BF10-E5D3-B844-A971-5662EC58E5FA}" type="datetime1">
-              <a:rPr lang="en-US" smtClean="0"/>
-              <a:pPr/>
-              <a:t>6/1/2015</a:t>
-            </a:fld>
-            <a:endParaRPr lang="en-US" dirty="0"/>
-          </a:p>
-        </p:txBody>
-      </p:sp>
-      <p:sp>
-        <p:nvSpPr>
-          <p:cNvPr id="6" name="Footer Placeholder 5"/>
-          <p:cNvSpPr>
-            <a:spLocks noGrp="1"/>
-          </p:cNvSpPr>
-          <p:nvPr>
-            <p:ph type="ftr" sz="quarter" idx="11"/>
-          </p:nvPr>
-        </p:nvSpPr>
-        <p:spPr/>
-        <p:txBody>
-          <a:bodyPr/>
-          <a:lstStyle/>
-          <a:p>
-            <a:r>
-              <a:rPr lang="en-US" smtClean="0"/>
-              <a:t>© 2015 EV3Lessons.com, Last edit 4/9/2015</a:t>
-            </a:r>
-            <a:endParaRPr lang="en-US" dirty="0"/>
-          </a:p>
-        </p:txBody>
-      </p:sp>
-      <p:sp>
-        <p:nvSpPr>
-          <p:cNvPr id="7" name="Slide Number Placeholder 6"/>
-          <p:cNvSpPr>
-            <a:spLocks noGrp="1"/>
-          </p:cNvSpPr>
-          <p:nvPr>
-            <p:ph type="sldNum" sz="quarter" idx="12"/>
-          </p:nvPr>
-        </p:nvSpPr>
-        <p:spPr/>
-        <p:txBody>
-          <a:bodyPr/>
-          <a:lstStyle/>
-          <a:p>
-            <a:fld id="{4382A7F7-08BF-4252-8141-63FB96055BBB}" type="slidenum">
-              <a:rPr lang="en-US" smtClean="0"/>
-              <a:pPr/>
-              <a:t>‹#›</a:t>
-            </a:fld>
-            <a:endParaRPr lang="en-US"/>
-          </a:p>
-        </p:txBody>
-      </p:sp>
-      <p:sp>
-        <p:nvSpPr>
-          <p:cNvPr id="12" name="Rectangle 11"/>
-          <p:cNvSpPr/>
-          <p:nvPr/>
-        </p:nvSpPr>
-        <p:spPr>
-          <a:xfrm>
-            <a:off x="284163" y="4267200"/>
-            <a:ext cx="2743200" cy="2120153"/>
+            <a:off x="5820917" y="473502"/>
+            <a:ext cx="2940317" cy="1092118"/>
           </a:xfrm>
           <a:prstGeom prst="rect">
             <a:avLst/>
           </a:prstGeom>
-          <a:solidFill>
-            <a:schemeClr val="tx1">
-              <a:lumMod val="85000"/>
-              <a:lumOff val="15000"/>
-              <a:alpha val="85000"/>
-            </a:schemeClr>
-          </a:solidFill>
+          <a:noFill/>
+          <a:extLst>
+            <a:ext uri="{909E8E84-426E-40dd-AFC4-6F175D3DCCD1}">
+              <a14:hiddenFill xmlns="" xmlns:a14="http://schemas.microsoft.com/office/drawing/2010/main">
+                <a:solidFill>
+                  <a:srgbClr val="FFFFFF"/>
+                </a:solidFill>
+              </a14:hiddenFill>
+            </a:ext>
+          </a:extLst>
         </p:spPr>
-        <p:txBody>
-          <a:bodyPr vert="horz" lIns="91440" tIns="45720" rIns="182880" bIns="365760" rtlCol="0" anchor="b" anchorCtr="0">
-            <a:normAutofit/>
-          </a:bodyPr>
-          <a:lstStyle/>
-          <a:p>
-            <a:pPr algn="l" defTabSz="914400" rtl="0" eaLnBrk="1" latinLnBrk="0" hangingPunct="1">
-              <a:spcBef>
-                <a:spcPct val="0"/>
-              </a:spcBef>
-              <a:buNone/>
-            </a:pPr>
-            <a:endParaRPr sz="4200" kern="1200">
-              <a:solidFill>
-                <a:schemeClr val="bg1"/>
-              </a:solidFill>
-              <a:latin typeface="+mj-lt"/>
-              <a:ea typeface="+mj-ea"/>
-              <a:cs typeface="+mj-cs"/>
-            </a:endParaRPr>
-          </a:p>
-        </p:txBody>
-      </p:sp>
-      <p:sp>
-        <p:nvSpPr>
-          <p:cNvPr id="4" name="Text Placeholder 3"/>
-          <p:cNvSpPr>
-            <a:spLocks noGrp="1"/>
-          </p:cNvSpPr>
-          <p:nvPr>
-            <p:ph type="body" sz="half" idx="2"/>
-          </p:nvPr>
-        </p:nvSpPr>
+      </p:pic>
+      <p:cxnSp>
+        <p:nvCxnSpPr>
+          <p:cNvPr id="17" name="Straight Connector 16"/>
+          <p:cNvCxnSpPr/>
+          <p:nvPr/>
+        </p:nvCxnSpPr>
         <p:spPr>
           <a:xfrm>
-            <a:off x="419101" y="4953001"/>
-            <a:ext cx="2472017" cy="1246094"/>
+            <a:off x="457200" y="4012165"/>
+            <a:ext cx="8229600" cy="0"/>
           </a:xfrm>
-        </p:spPr>
-        <p:txBody>
-          <a:bodyPr>
-            <a:normAutofit/>
-          </a:bodyPr>
-          <a:lstStyle>
-            <a:lvl1pPr marL="0" indent="0" algn="l">
-              <a:spcBef>
-                <a:spcPts val="0"/>
-              </a:spcBef>
-              <a:buNone/>
-              <a:defRPr sz="1400">
-                <a:solidFill>
-                  <a:schemeClr val="bg1"/>
-                </a:solidFill>
-              </a:defRPr>
-            </a:lvl1pPr>
-            <a:lvl2pPr marL="457200" indent="0">
-              <a:buNone/>
-              <a:defRPr sz="1200"/>
-            </a:lvl2pPr>
-            <a:lvl3pPr marL="914400" indent="0">
-              <a:buNone/>
-              <a:defRPr sz="1000"/>
-            </a:lvl3pPr>
-            <a:lvl4pPr marL="1371600" indent="0">
-              <a:buNone/>
-              <a:defRPr sz="900"/>
-            </a:lvl4pPr>
-            <a:lvl5pPr marL="1828800" indent="0">
-              <a:buNone/>
-              <a:defRPr sz="900"/>
-            </a:lvl5pPr>
-            <a:lvl6pPr marL="2286000" indent="0">
-              <a:buNone/>
-              <a:defRPr sz="900"/>
-            </a:lvl6pPr>
-            <a:lvl7pPr marL="2743200" indent="0">
-              <a:buNone/>
-              <a:defRPr sz="900"/>
-            </a:lvl7pPr>
-            <a:lvl8pPr marL="3200400" indent="0">
-              <a:buNone/>
-              <a:defRPr sz="900"/>
-            </a:lvl8pPr>
-            <a:lvl9pPr marL="3657600" indent="0">
-              <a:buNone/>
-              <a:defRPr sz="900"/>
-            </a:lvl9pPr>
-          </a:lstStyle>
-          <a:p>
-            <a:pPr lvl="0"/>
-            <a:r>
-              <a:rPr lang="en-US" smtClean="0"/>
-              <a:t>Click to edit Master text styles</a:t>
-            </a:r>
-          </a:p>
-        </p:txBody>
-      </p:sp>
-      <p:sp>
-        <p:nvSpPr>
-          <p:cNvPr id="2" name="Title 1"/>
-          <p:cNvSpPr>
-            <a:spLocks noGrp="1"/>
-          </p:cNvSpPr>
-          <p:nvPr>
-            <p:ph type="title"/>
-          </p:nvPr>
-        </p:nvSpPr>
-        <p:spPr>
-          <a:xfrm>
-            <a:off x="410764" y="4419600"/>
-            <a:ext cx="2475395" cy="510988"/>
-          </a:xfrm>
-          <a:noFill/>
-        </p:spPr>
-        <p:txBody>
-          <a:bodyPr anchor="b">
-            <a:normAutofit/>
-          </a:bodyPr>
-          <a:lstStyle>
-            <a:lvl1pPr algn="l">
-              <a:defRPr sz="2000" b="1">
-                <a:solidFill>
-                  <a:schemeClr val="bg1"/>
-                </a:solidFill>
-              </a:defRPr>
-            </a:lvl1pPr>
-          </a:lstStyle>
-          <a:p>
-            <a:r>
-              <a:rPr lang="en-US" smtClean="0"/>
-              <a:t>Click to edit Master title style</a:t>
-            </a:r>
-            <a:endParaRPr/>
-          </a:p>
-        </p:txBody>
-      </p:sp>
-      <p:sp>
-        <p:nvSpPr>
-          <p:cNvPr id="14" name="Picture Placeholder 13"/>
-          <p:cNvSpPr>
-            <a:spLocks noGrp="1"/>
-          </p:cNvSpPr>
-          <p:nvPr>
-            <p:ph type="pic" sz="quarter" idx="13"/>
-          </p:nvPr>
-        </p:nvSpPr>
-        <p:spPr>
-          <a:xfrm>
-            <a:off x="284164" y="594360"/>
-            <a:ext cx="2743200" cy="3675888"/>
-          </a:xfrm>
-        </p:spPr>
-        <p:txBody>
-          <a:bodyPr/>
-          <a:lstStyle>
-            <a:lvl1pPr>
-              <a:buNone/>
-              <a:defRPr/>
-            </a:lvl1pPr>
-          </a:lstStyle>
-          <a:p>
-            <a:r>
-              <a:rPr lang="en-US" smtClean="0"/>
-              <a:t>Drag picture to placeholder or click icon to add</a:t>
-            </a:r>
-            <a:endParaRPr/>
-          </a:p>
-        </p:txBody>
-      </p:sp>
-      <p:grpSp>
-        <p:nvGrpSpPr>
-          <p:cNvPr id="8" name="Group 14"/>
-          <p:cNvGrpSpPr/>
-          <p:nvPr/>
-        </p:nvGrpSpPr>
-        <p:grpSpPr>
-          <a:xfrm>
-            <a:off x="284163" y="461682"/>
-            <a:ext cx="8576373" cy="137411"/>
-            <a:chOff x="284163" y="1759424"/>
-            <a:chExt cx="8576373" cy="137411"/>
-          </a:xfrm>
-        </p:grpSpPr>
-        <p:sp>
-          <p:nvSpPr>
-            <p:cNvPr id="16" name="Rectangle 15"/>
-            <p:cNvSpPr/>
-            <p:nvPr/>
-          </p:nvSpPr>
-          <p:spPr>
-            <a:xfrm>
-              <a:off x="284163" y="1759424"/>
-              <a:ext cx="2743200" cy="137411"/>
-            </a:xfrm>
-            <a:prstGeom prst="rect">
-              <a:avLst/>
-            </a:prstGeom>
-            <a:solidFill>
-              <a:schemeClr val="accent1"/>
-            </a:solidFill>
-            <a:ln>
-              <a:noFill/>
-            </a:ln>
-          </p:spPr>
-          <p:style>
-            <a:lnRef idx="2">
-              <a:schemeClr val="accent1">
-                <a:shade val="50000"/>
-              </a:schemeClr>
-            </a:lnRef>
-            <a:fillRef idx="1">
-              <a:schemeClr val="accent1"/>
-            </a:fillRef>
-            <a:effectRef idx="0">
-              <a:schemeClr val="accent1"/>
-            </a:effectRef>
-            <a:fontRef idx="minor">
-              <a:schemeClr val="lt1"/>
-            </a:fontRef>
-          </p:style>
-          <p:txBody>
-            <a:bodyPr rtlCol="0" anchor="ctr"/>
-            <a:lstStyle/>
-            <a:p>
-              <a:pPr algn="ctr"/>
-              <a:endParaRPr/>
-            </a:p>
-          </p:txBody>
-        </p:sp>
-        <p:sp>
-          <p:nvSpPr>
-            <p:cNvPr id="17" name="Rectangle 16"/>
-            <p:cNvSpPr/>
-            <p:nvPr/>
-          </p:nvSpPr>
-          <p:spPr>
-            <a:xfrm>
-              <a:off x="3026392" y="1759424"/>
-              <a:ext cx="1600200" cy="137411"/>
-            </a:xfrm>
-            <a:prstGeom prst="rect">
-              <a:avLst/>
-            </a:prstGeom>
-            <a:solidFill>
-              <a:schemeClr val="accent2"/>
-            </a:solidFill>
-            <a:ln>
-              <a:noFill/>
-            </a:ln>
-          </p:spPr>
-          <p:style>
-            <a:lnRef idx="2">
-              <a:schemeClr val="accent1">
-                <a:shade val="50000"/>
-              </a:schemeClr>
-            </a:lnRef>
-            <a:fillRef idx="1">
-              <a:schemeClr val="accent1"/>
-            </a:fillRef>
-            <a:effectRef idx="0">
-              <a:schemeClr val="accent1"/>
-            </a:effectRef>
-            <a:fontRef idx="minor">
-              <a:schemeClr val="lt1"/>
-            </a:fontRef>
-          </p:style>
-          <p:txBody>
-            <a:bodyPr rtlCol="0" anchor="ctr"/>
-            <a:lstStyle/>
-            <a:p>
-              <a:pPr algn="ctr"/>
-              <a:endParaRPr/>
-            </a:p>
-          </p:txBody>
-        </p:sp>
-        <p:sp>
-          <p:nvSpPr>
-            <p:cNvPr id="18" name="Rectangle 17"/>
-            <p:cNvSpPr/>
-            <p:nvPr/>
-          </p:nvSpPr>
-          <p:spPr>
-            <a:xfrm>
-              <a:off x="4626864" y="1759424"/>
-              <a:ext cx="4233672" cy="137411"/>
-            </a:xfrm>
-            <a:prstGeom prst="rect">
-              <a:avLst/>
-            </a:prstGeom>
-            <a:solidFill>
-              <a:schemeClr val="accent4"/>
-            </a:solidFill>
-            <a:ln>
-              <a:noFill/>
-            </a:ln>
-          </p:spPr>
-          <p:style>
-            <a:lnRef idx="2">
-              <a:schemeClr val="accent1">
-                <a:shade val="50000"/>
-              </a:schemeClr>
-            </a:lnRef>
-            <a:fillRef idx="1">
-              <a:schemeClr val="accent1"/>
-            </a:fillRef>
-            <a:effectRef idx="0">
-              <a:schemeClr val="accent1"/>
-            </a:effectRef>
-            <a:fontRef idx="minor">
-              <a:schemeClr val="lt1"/>
-            </a:fontRef>
-          </p:style>
-          <p:txBody>
-            <a:bodyPr rtlCol="0" anchor="ctr"/>
-            <a:lstStyle/>
-            <a:p>
-              <a:pPr algn="ctr"/>
-              <a:endParaRPr/>
-            </a:p>
-          </p:txBody>
-        </p:sp>
-      </p:grpSp>
-    </p:spTree>
-  </p:cSld>
-  <p:clrMapOvr>
-    <a:masterClrMapping/>
-  </p:clrMapOvr>
-  <p:timing>
-    <p:tnLst>
-      <p:par>
-        <p:cTn id="1" dur="indefinite" restart="never" nodeType="tmRoot"/>
-      </p:par>
-    </p:tnLst>
-  </p:timing>
-</p:sldLayout>
-</file>
-
-<file path=ppt/slideLayouts/slideLayout14.xml><?xml version="1.0" encoding="utf-8"?>
-<p:sldLayout xmlns:a="http://schemas.openxmlformats.org/drawingml/2006/main" xmlns:r="http://schemas.openxmlformats.org/officeDocument/2006/relationships" xmlns:p="http://schemas.openxmlformats.org/presentationml/2006/main" type="picTx" preserve="1">
-  <p:cSld name="3 Pictures with Caption">
-    <p:spTree>
-      <p:nvGrpSpPr>
-        <p:cNvPr id="1" name=""/>
-        <p:cNvGrpSpPr/>
-        <p:nvPr/>
-      </p:nvGrpSpPr>
-      <p:grpSpPr>
-        <a:xfrm>
-          <a:off x="0" y="0"/>
-          <a:ext cx="0" cy="0"/>
-          <a:chOff x="0" y="0"/>
-          <a:chExt cx="0" cy="0"/>
-        </a:xfrm>
-      </p:grpSpPr>
-      <p:sp>
-        <p:nvSpPr>
-          <p:cNvPr id="8" name="Rectangle 7"/>
-          <p:cNvSpPr/>
-          <p:nvPr/>
-        </p:nvSpPr>
-        <p:spPr>
-          <a:xfrm>
-            <a:off x="3021013" y="4801575"/>
-            <a:ext cx="5837237" cy="1468437"/>
-          </a:xfrm>
-          <a:prstGeom prst="rect">
+          <a:prstGeom prst="line">
             <a:avLst/>
           </a:prstGeom>
-          <a:solidFill>
-            <a:schemeClr val="tx1">
-              <a:lumMod val="85000"/>
-              <a:lumOff val="15000"/>
-              <a:alpha val="85000"/>
-            </a:schemeClr>
-          </a:solidFill>
-        </p:spPr>
-        <p:txBody>
-          <a:bodyPr vert="horz" lIns="91440" tIns="45720" rIns="182880" bIns="365760" rtlCol="0" anchor="b" anchorCtr="0">
-            <a:normAutofit/>
-          </a:bodyPr>
-          <a:lstStyle/>
-          <a:p>
-            <a:pPr algn="l" defTabSz="914400" rtl="0" eaLnBrk="1" latinLnBrk="0" hangingPunct="1">
-              <a:spcBef>
-                <a:spcPct val="0"/>
-              </a:spcBef>
-              <a:buNone/>
-            </a:pPr>
-            <a:endParaRPr sz="4200" kern="1200">
-              <a:solidFill>
-                <a:schemeClr val="bg1"/>
-              </a:solidFill>
-              <a:latin typeface="+mj-lt"/>
-              <a:ea typeface="+mj-ea"/>
-              <a:cs typeface="+mj-cs"/>
-            </a:endParaRPr>
-          </a:p>
-        </p:txBody>
-      </p:sp>
-      <p:grpSp>
-        <p:nvGrpSpPr>
-          <p:cNvPr id="9" name="Group 8"/>
-          <p:cNvGrpSpPr/>
-          <p:nvPr/>
-        </p:nvGrpSpPr>
-        <p:grpSpPr>
-          <a:xfrm>
-            <a:off x="284163" y="6263389"/>
-            <a:ext cx="8576373" cy="137411"/>
-            <a:chOff x="284163" y="1759424"/>
-            <a:chExt cx="8576373" cy="137411"/>
-          </a:xfrm>
-        </p:grpSpPr>
-        <p:sp>
-          <p:nvSpPr>
-            <p:cNvPr id="10" name="Rectangle 9"/>
-            <p:cNvSpPr/>
-            <p:nvPr/>
-          </p:nvSpPr>
-          <p:spPr>
-            <a:xfrm>
-              <a:off x="284163" y="1759424"/>
-              <a:ext cx="2743200" cy="137411"/>
-            </a:xfrm>
-            <a:prstGeom prst="rect">
-              <a:avLst/>
-            </a:prstGeom>
+          <a:ln>
             <a:solidFill>
-              <a:schemeClr val="accent1"/>
+              <a:schemeClr val="tx1"/>
             </a:solidFill>
-            <a:ln>
-              <a:noFill/>
-            </a:ln>
-          </p:spPr>
-          <p:style>
-            <a:lnRef idx="2">
-              <a:schemeClr val="accent1">
-                <a:shade val="50000"/>
-              </a:schemeClr>
-            </a:lnRef>
-            <a:fillRef idx="1">
-              <a:schemeClr val="accent1"/>
-            </a:fillRef>
-            <a:effectRef idx="0">
-              <a:schemeClr val="accent1"/>
-            </a:effectRef>
-            <a:fontRef idx="minor">
-              <a:schemeClr val="lt1"/>
-            </a:fontRef>
-          </p:style>
-          <p:txBody>
-            <a:bodyPr rtlCol="0" anchor="ctr"/>
-            <a:lstStyle/>
-            <a:p>
-              <a:pPr algn="ctr"/>
-              <a:endParaRPr/>
-            </a:p>
-          </p:txBody>
-        </p:sp>
-        <p:sp>
-          <p:nvSpPr>
-            <p:cNvPr id="11" name="Rectangle 10"/>
-            <p:cNvSpPr/>
-            <p:nvPr/>
-          </p:nvSpPr>
-          <p:spPr>
-            <a:xfrm>
-              <a:off x="3026392" y="1759424"/>
-              <a:ext cx="1600200" cy="137411"/>
-            </a:xfrm>
-            <a:prstGeom prst="rect">
-              <a:avLst/>
-            </a:prstGeom>
-            <a:solidFill>
-              <a:schemeClr val="accent2"/>
-            </a:solidFill>
-            <a:ln>
-              <a:noFill/>
-            </a:ln>
-          </p:spPr>
-          <p:style>
-            <a:lnRef idx="2">
-              <a:schemeClr val="accent1">
-                <a:shade val="50000"/>
-              </a:schemeClr>
-            </a:lnRef>
-            <a:fillRef idx="1">
-              <a:schemeClr val="accent1"/>
-            </a:fillRef>
-            <a:effectRef idx="0">
-              <a:schemeClr val="accent1"/>
-            </a:effectRef>
-            <a:fontRef idx="minor">
-              <a:schemeClr val="lt1"/>
-            </a:fontRef>
-          </p:style>
-          <p:txBody>
-            <a:bodyPr rtlCol="0" anchor="ctr"/>
-            <a:lstStyle/>
-            <a:p>
-              <a:pPr algn="ctr"/>
-              <a:endParaRPr/>
-            </a:p>
-          </p:txBody>
-        </p:sp>
-        <p:sp>
-          <p:nvSpPr>
-            <p:cNvPr id="12" name="Rectangle 11"/>
-            <p:cNvSpPr/>
-            <p:nvPr/>
-          </p:nvSpPr>
-          <p:spPr>
-            <a:xfrm>
-              <a:off x="4626864" y="1759424"/>
-              <a:ext cx="4233672" cy="137411"/>
-            </a:xfrm>
-            <a:prstGeom prst="rect">
-              <a:avLst/>
-            </a:prstGeom>
-            <a:solidFill>
-              <a:schemeClr val="accent4"/>
-            </a:solidFill>
-            <a:ln>
-              <a:noFill/>
-            </a:ln>
-          </p:spPr>
-          <p:style>
-            <a:lnRef idx="2">
-              <a:schemeClr val="accent1">
-                <a:shade val="50000"/>
-              </a:schemeClr>
-            </a:lnRef>
-            <a:fillRef idx="1">
-              <a:schemeClr val="accent1"/>
-            </a:fillRef>
-            <a:effectRef idx="0">
-              <a:schemeClr val="accent1"/>
-            </a:effectRef>
-            <a:fontRef idx="minor">
-              <a:schemeClr val="lt1"/>
-            </a:fontRef>
-          </p:style>
-          <p:txBody>
-            <a:bodyPr rtlCol="0" anchor="ctr"/>
-            <a:lstStyle/>
-            <a:p>
-              <a:pPr algn="ctr"/>
-              <a:endParaRPr/>
-            </a:p>
-          </p:txBody>
-        </p:sp>
-      </p:grpSp>
-      <p:sp>
-        <p:nvSpPr>
-          <p:cNvPr id="2" name="Title 1"/>
-          <p:cNvSpPr>
-            <a:spLocks noGrp="1"/>
-          </p:cNvSpPr>
-          <p:nvPr>
-            <p:ph type="title"/>
-          </p:nvPr>
-        </p:nvSpPr>
-        <p:spPr>
-          <a:xfrm>
-            <a:off x="3031661" y="4800600"/>
-            <a:ext cx="5691651" cy="566738"/>
-          </a:xfrm>
-          <a:noFill/>
-        </p:spPr>
-        <p:txBody>
-          <a:bodyPr vert="horz" lIns="91440" tIns="45720" rIns="91440" bIns="45720" rtlCol="0" anchor="b" anchorCtr="0">
-            <a:normAutofit/>
-          </a:bodyPr>
-          <a:lstStyle>
-            <a:lvl1pPr algn="l" defTabSz="914400" rtl="0" eaLnBrk="1" latinLnBrk="0" hangingPunct="1">
-              <a:spcBef>
-                <a:spcPct val="0"/>
-              </a:spcBef>
-              <a:buNone/>
-              <a:defRPr sz="2800" b="0" i="0" kern="1200" cap="none" baseline="0">
-                <a:solidFill>
-                  <a:schemeClr val="bg1"/>
-                </a:solidFill>
-                <a:latin typeface="+mj-lt"/>
-                <a:ea typeface="+mj-ea"/>
-                <a:cs typeface="+mj-cs"/>
-              </a:defRPr>
-            </a:lvl1pPr>
-          </a:lstStyle>
-          <a:p>
-            <a:r>
-              <a:rPr lang="en-US" smtClean="0"/>
-              <a:t>Click to edit Master title style</a:t>
-            </a:r>
-            <a:endParaRPr/>
-          </a:p>
-        </p:txBody>
-      </p:sp>
-      <p:sp>
-        <p:nvSpPr>
-          <p:cNvPr id="3" name="Picture Placeholder 2"/>
-          <p:cNvSpPr>
-            <a:spLocks noGrp="1"/>
-          </p:cNvSpPr>
-          <p:nvPr>
-            <p:ph type="pic" idx="1"/>
-          </p:nvPr>
-        </p:nvSpPr>
-        <p:spPr>
-          <a:xfrm>
-            <a:off x="3021014" y="457199"/>
-            <a:ext cx="5833872" cy="4352544"/>
-          </a:xfrm>
-        </p:spPr>
-        <p:txBody>
-          <a:bodyPr>
-            <a:normAutofit/>
-          </a:bodyPr>
-          <a:lstStyle>
-            <a:lvl1pPr marL="0" indent="0">
-              <a:buNone/>
-              <a:defRPr sz="2400"/>
-            </a:lvl1pPr>
-            <a:lvl2pPr marL="457200" indent="0">
-              <a:buNone/>
-              <a:defRPr sz="2800"/>
-            </a:lvl2pPr>
-            <a:lvl3pPr marL="914400" indent="0">
-              <a:buNone/>
-              <a:defRPr sz="2400"/>
-            </a:lvl3pPr>
-            <a:lvl4pPr marL="1371600" indent="0">
-              <a:buNone/>
-              <a:defRPr sz="2000"/>
-            </a:lvl4pPr>
-            <a:lvl5pPr marL="1828800" indent="0">
-              <a:buNone/>
-              <a:defRPr sz="2000"/>
-            </a:lvl5pPr>
-            <a:lvl6pPr marL="2286000" indent="0">
-              <a:buNone/>
-              <a:defRPr sz="2000"/>
-            </a:lvl6pPr>
-            <a:lvl7pPr marL="2743200" indent="0">
-              <a:buNone/>
-              <a:defRPr sz="2000"/>
-            </a:lvl7pPr>
-            <a:lvl8pPr marL="3200400" indent="0">
-              <a:buNone/>
-              <a:defRPr sz="2000"/>
-            </a:lvl8pPr>
-            <a:lvl9pPr marL="3657600" indent="0">
-              <a:buNone/>
-              <a:defRPr sz="2000"/>
-            </a:lvl9pPr>
-          </a:lstStyle>
-          <a:p>
-            <a:r>
-              <a:rPr lang="en-US" smtClean="0"/>
-              <a:t>Drag picture to placeholder or click icon to add</a:t>
-            </a:r>
-            <a:endParaRPr/>
-          </a:p>
-        </p:txBody>
-      </p:sp>
-      <p:sp>
-        <p:nvSpPr>
-          <p:cNvPr id="4" name="Text Placeholder 3"/>
-          <p:cNvSpPr>
-            <a:spLocks noGrp="1"/>
-          </p:cNvSpPr>
-          <p:nvPr>
-            <p:ph type="body" sz="half" idx="2"/>
-          </p:nvPr>
-        </p:nvSpPr>
-        <p:spPr>
-          <a:xfrm>
-            <a:off x="3069805" y="5367338"/>
-            <a:ext cx="5653507" cy="804862"/>
-          </a:xfrm>
-        </p:spPr>
-        <p:txBody>
-          <a:bodyPr/>
-          <a:lstStyle>
-            <a:lvl1pPr marL="0" indent="0">
-              <a:spcBef>
-                <a:spcPts val="0"/>
-              </a:spcBef>
-              <a:buNone/>
-              <a:defRPr sz="1400">
-                <a:solidFill>
-                  <a:schemeClr val="bg1"/>
-                </a:solidFill>
-              </a:defRPr>
-            </a:lvl1pPr>
-            <a:lvl2pPr marL="457200" indent="0">
-              <a:buNone/>
-              <a:defRPr sz="1200"/>
-            </a:lvl2pPr>
-            <a:lvl3pPr marL="914400" indent="0">
-              <a:buNone/>
-              <a:defRPr sz="1000"/>
-            </a:lvl3pPr>
-            <a:lvl4pPr marL="1371600" indent="0">
-              <a:buNone/>
-              <a:defRPr sz="900"/>
-            </a:lvl4pPr>
-            <a:lvl5pPr marL="1828800" indent="0">
-              <a:buNone/>
-              <a:defRPr sz="900"/>
-            </a:lvl5pPr>
-            <a:lvl6pPr marL="2286000" indent="0">
-              <a:buNone/>
-              <a:defRPr sz="900"/>
-            </a:lvl6pPr>
-            <a:lvl7pPr marL="2743200" indent="0">
-              <a:buNone/>
-              <a:defRPr sz="900"/>
-            </a:lvl7pPr>
-            <a:lvl8pPr marL="3200400" indent="0">
-              <a:buNone/>
-              <a:defRPr sz="900"/>
-            </a:lvl8pPr>
-            <a:lvl9pPr marL="3657600" indent="0">
-              <a:buNone/>
-              <a:defRPr sz="900"/>
-            </a:lvl9pPr>
-          </a:lstStyle>
-          <a:p>
-            <a:pPr lvl="0"/>
-            <a:r>
-              <a:rPr lang="en-US" smtClean="0"/>
-              <a:t>Click to edit Master text styles</a:t>
-            </a:r>
-          </a:p>
-        </p:txBody>
-      </p:sp>
-      <p:sp>
-        <p:nvSpPr>
-          <p:cNvPr id="5" name="Date Placeholder 4"/>
-          <p:cNvSpPr>
-            <a:spLocks noGrp="1"/>
-          </p:cNvSpPr>
-          <p:nvPr>
-            <p:ph type="dt" sz="half" idx="10"/>
-          </p:nvPr>
-        </p:nvSpPr>
-        <p:spPr/>
-        <p:txBody>
-          <a:bodyPr/>
-          <a:lstStyle/>
-          <a:p>
-            <a:fld id="{886FED16-C6B5-9047-B121-942FB4D6A11E}" type="datetime1">
-              <a:rPr lang="en-US" smtClean="0"/>
-              <a:pPr/>
-              <a:t>6/1/2015</a:t>
-            </a:fld>
-            <a:endParaRPr lang="en-US" dirty="0"/>
-          </a:p>
-        </p:txBody>
-      </p:sp>
-      <p:sp>
-        <p:nvSpPr>
-          <p:cNvPr id="6" name="Footer Placeholder 5"/>
-          <p:cNvSpPr>
-            <a:spLocks noGrp="1"/>
-          </p:cNvSpPr>
-          <p:nvPr>
-            <p:ph type="ftr" sz="quarter" idx="11"/>
-          </p:nvPr>
-        </p:nvSpPr>
-        <p:spPr/>
-        <p:txBody>
-          <a:bodyPr/>
-          <a:lstStyle/>
-          <a:p>
-            <a:r>
-              <a:rPr lang="en-US" smtClean="0"/>
-              <a:t>© 2015 EV3Lessons.com, Last edit 4/9/2015</a:t>
-            </a:r>
-            <a:endParaRPr lang="en-US" dirty="0"/>
-          </a:p>
-        </p:txBody>
-      </p:sp>
-      <p:sp>
-        <p:nvSpPr>
-          <p:cNvPr id="7" name="Slide Number Placeholder 6"/>
-          <p:cNvSpPr>
-            <a:spLocks noGrp="1"/>
-          </p:cNvSpPr>
-          <p:nvPr>
-            <p:ph type="sldNum" sz="quarter" idx="12"/>
-          </p:nvPr>
-        </p:nvSpPr>
-        <p:spPr/>
-        <p:txBody>
-          <a:bodyPr/>
-          <a:lstStyle/>
-          <a:p>
-            <a:fld id="{4382A7F7-08BF-4252-8141-63FB96055BBB}" type="slidenum">
-              <a:rPr lang="en-US" smtClean="0"/>
-              <a:pPr/>
-              <a:t>‹#›</a:t>
-            </a:fld>
-            <a:endParaRPr lang="en-US"/>
-          </a:p>
-        </p:txBody>
-      </p:sp>
-      <p:sp>
-        <p:nvSpPr>
-          <p:cNvPr id="13" name="Picture Placeholder 2"/>
-          <p:cNvSpPr>
-            <a:spLocks noGrp="1"/>
-          </p:cNvSpPr>
-          <p:nvPr>
-            <p:ph type="pic" idx="13"/>
-          </p:nvPr>
-        </p:nvSpPr>
-        <p:spPr>
-          <a:xfrm>
-            <a:off x="284164" y="457200"/>
-            <a:ext cx="2736850" cy="2907792"/>
-          </a:xfrm>
-        </p:spPr>
-        <p:txBody>
-          <a:bodyPr>
-            <a:normAutofit/>
-          </a:bodyPr>
-          <a:lstStyle>
-            <a:lvl1pPr marL="0" indent="0">
-              <a:buNone/>
-              <a:defRPr sz="2400"/>
-            </a:lvl1pPr>
-            <a:lvl2pPr marL="457200" indent="0">
-              <a:buNone/>
-              <a:defRPr sz="2800"/>
-            </a:lvl2pPr>
-            <a:lvl3pPr marL="914400" indent="0">
-              <a:buNone/>
-              <a:defRPr sz="2400"/>
-            </a:lvl3pPr>
-            <a:lvl4pPr marL="1371600" indent="0">
-              <a:buNone/>
-              <a:defRPr sz="2000"/>
-            </a:lvl4pPr>
-            <a:lvl5pPr marL="1828800" indent="0">
-              <a:buNone/>
-              <a:defRPr sz="2000"/>
-            </a:lvl5pPr>
-            <a:lvl6pPr marL="2286000" indent="0">
-              <a:buNone/>
-              <a:defRPr sz="2000"/>
-            </a:lvl6pPr>
-            <a:lvl7pPr marL="2743200" indent="0">
-              <a:buNone/>
-              <a:defRPr sz="2000"/>
-            </a:lvl7pPr>
-            <a:lvl8pPr marL="3200400" indent="0">
-              <a:buNone/>
-              <a:defRPr sz="2000"/>
-            </a:lvl8pPr>
-            <a:lvl9pPr marL="3657600" indent="0">
-              <a:buNone/>
-              <a:defRPr sz="2000"/>
-            </a:lvl9pPr>
-          </a:lstStyle>
-          <a:p>
-            <a:r>
-              <a:rPr lang="en-US" smtClean="0"/>
-              <a:t>Drag picture to placeholder or click icon to add</a:t>
-            </a:r>
-            <a:endParaRPr/>
-          </a:p>
-        </p:txBody>
-      </p:sp>
-      <p:sp>
-        <p:nvSpPr>
-          <p:cNvPr id="14" name="Picture Placeholder 2"/>
-          <p:cNvSpPr>
-            <a:spLocks noGrp="1"/>
-          </p:cNvSpPr>
-          <p:nvPr>
-            <p:ph type="pic" idx="14"/>
-          </p:nvPr>
-        </p:nvSpPr>
-        <p:spPr>
-          <a:xfrm>
-            <a:off x="284164" y="3364992"/>
-            <a:ext cx="2736850" cy="2898648"/>
-          </a:xfrm>
-        </p:spPr>
-        <p:txBody>
-          <a:bodyPr>
-            <a:normAutofit/>
-          </a:bodyPr>
-          <a:lstStyle>
-            <a:lvl1pPr marL="0" indent="0">
-              <a:buNone/>
-              <a:defRPr sz="2400"/>
-            </a:lvl1pPr>
-            <a:lvl2pPr marL="457200" indent="0">
-              <a:buNone/>
-              <a:defRPr sz="2800"/>
-            </a:lvl2pPr>
-            <a:lvl3pPr marL="914400" indent="0">
-              <a:buNone/>
-              <a:defRPr sz="2400"/>
-            </a:lvl3pPr>
-            <a:lvl4pPr marL="1371600" indent="0">
-              <a:buNone/>
-              <a:defRPr sz="2000"/>
-            </a:lvl4pPr>
-            <a:lvl5pPr marL="1828800" indent="0">
-              <a:buNone/>
-              <a:defRPr sz="2000"/>
-            </a:lvl5pPr>
-            <a:lvl6pPr marL="2286000" indent="0">
-              <a:buNone/>
-              <a:defRPr sz="2000"/>
-            </a:lvl6pPr>
-            <a:lvl7pPr marL="2743200" indent="0">
-              <a:buNone/>
-              <a:defRPr sz="2000"/>
-            </a:lvl7pPr>
-            <a:lvl8pPr marL="3200400" indent="0">
-              <a:buNone/>
-              <a:defRPr sz="2000"/>
-            </a:lvl8pPr>
-            <a:lvl9pPr marL="3657600" indent="0">
-              <a:buNone/>
-              <a:defRPr sz="2000"/>
-            </a:lvl9pPr>
-          </a:lstStyle>
-          <a:p>
-            <a:r>
-              <a:rPr lang="en-US" smtClean="0"/>
-              <a:t>Drag picture to placeholder or click icon to add</a:t>
-            </a:r>
-            <a:endParaRPr/>
-          </a:p>
-        </p:txBody>
-      </p:sp>
-    </p:spTree>
-  </p:cSld>
-  <p:clrMapOvr>
-    <a:masterClrMapping/>
-  </p:clrMapOvr>
-  <p:timing>
-    <p:tnLst>
-      <p:par>
-        <p:cTn id="1" dur="indefinite" restart="never" nodeType="tmRoot"/>
-      </p:par>
-    </p:tnLst>
-  </p:timing>
-</p:sldLayout>
-</file>
-
-<file path=ppt/slideLayouts/slideLayout15.xml><?xml version="1.0" encoding="utf-8"?>
-<p:sldLayout xmlns:a="http://schemas.openxmlformats.org/drawingml/2006/main" xmlns:r="http://schemas.openxmlformats.org/officeDocument/2006/relationships" xmlns:p="http://schemas.openxmlformats.org/presentationml/2006/main" type="vertTx" preserve="1">
-  <p:cSld name="Title and Vertical Text">
-    <p:spTree>
-      <p:nvGrpSpPr>
-        <p:cNvPr id="1" name=""/>
-        <p:cNvGrpSpPr/>
-        <p:nvPr/>
-      </p:nvGrpSpPr>
-      <p:grpSpPr>
-        <a:xfrm>
-          <a:off x="0" y="0"/>
-          <a:ext cx="0" cy="0"/>
-          <a:chOff x="0" y="0"/>
-          <a:chExt cx="0" cy="0"/>
-        </a:xfrm>
-      </p:grpSpPr>
-      <p:sp>
-        <p:nvSpPr>
-          <p:cNvPr id="7" name="Rectangle 6"/>
-          <p:cNvSpPr/>
-          <p:nvPr/>
-        </p:nvSpPr>
-        <p:spPr>
-          <a:xfrm>
-            <a:off x="284163" y="455773"/>
-            <a:ext cx="8574087" cy="1133949"/>
-          </a:xfrm>
-          <a:prstGeom prst="rect">
-            <a:avLst/>
-          </a:prstGeom>
-          <a:solidFill>
-            <a:schemeClr val="tx1">
-              <a:lumMod val="85000"/>
-              <a:lumOff val="15000"/>
-              <a:alpha val="70000"/>
-            </a:schemeClr>
-          </a:solidFill>
-          <a:ln>
-            <a:noFill/>
           </a:ln>
         </p:spPr>
         <p:style>
           <a:lnRef idx="2">
-            <a:schemeClr val="accent1">
-              <a:shade val="50000"/>
-            </a:schemeClr>
+            <a:schemeClr val="accent1"/>
           </a:lnRef>
-          <a:fillRef idx="1">
+          <a:fillRef idx="0">
             <a:schemeClr val="accent1"/>
           </a:fillRef>
-          <a:effectRef idx="0">
+          <a:effectRef idx="1">
             <a:schemeClr val="accent1"/>
           </a:effectRef>
           <a:fontRef idx="minor">
-            <a:schemeClr val="lt1"/>
+            <a:schemeClr val="tx1"/>
           </a:fontRef>
         </p:style>
-        <p:txBody>
-          <a:bodyPr rtlCol="0" anchor="ctr"/>
-          <a:lstStyle/>
-          <a:p>
-            <a:pPr algn="ctr"/>
-            <a:endParaRPr/>
-          </a:p>
-        </p:txBody>
-      </p:sp>
-      <p:grpSp>
-        <p:nvGrpSpPr>
-          <p:cNvPr id="8" name="Group 7"/>
-          <p:cNvGrpSpPr/>
-          <p:nvPr/>
-        </p:nvGrpSpPr>
-        <p:grpSpPr>
-          <a:xfrm>
-            <a:off x="284163" y="1577847"/>
-            <a:ext cx="8576373" cy="137411"/>
-            <a:chOff x="284163" y="1577847"/>
-            <a:chExt cx="8576373" cy="137411"/>
-          </a:xfrm>
-        </p:grpSpPr>
-        <p:sp>
-          <p:nvSpPr>
-            <p:cNvPr id="9" name="Rectangle 8"/>
-            <p:cNvSpPr/>
-            <p:nvPr/>
-          </p:nvSpPr>
-          <p:spPr>
-            <a:xfrm>
-              <a:off x="284163" y="1577847"/>
-              <a:ext cx="1600200" cy="137411"/>
-            </a:xfrm>
-            <a:prstGeom prst="rect">
-              <a:avLst/>
-            </a:prstGeom>
-            <a:solidFill>
-              <a:schemeClr val="accent1"/>
-            </a:solidFill>
-            <a:ln>
-              <a:noFill/>
-            </a:ln>
-          </p:spPr>
-          <p:style>
-            <a:lnRef idx="2">
-              <a:schemeClr val="accent1">
-                <a:shade val="50000"/>
-              </a:schemeClr>
-            </a:lnRef>
-            <a:fillRef idx="1">
-              <a:schemeClr val="accent1"/>
-            </a:fillRef>
-            <a:effectRef idx="0">
-              <a:schemeClr val="accent1"/>
-            </a:effectRef>
-            <a:fontRef idx="minor">
-              <a:schemeClr val="lt1"/>
-            </a:fontRef>
-          </p:style>
-          <p:txBody>
-            <a:bodyPr rtlCol="0" anchor="ctr"/>
-            <a:lstStyle/>
-            <a:p>
-              <a:pPr algn="ctr"/>
-              <a:endParaRPr/>
-            </a:p>
-          </p:txBody>
-        </p:sp>
-        <p:sp>
-          <p:nvSpPr>
-            <p:cNvPr id="10" name="Rectangle 9"/>
-            <p:cNvSpPr/>
-            <p:nvPr/>
-          </p:nvSpPr>
-          <p:spPr>
-            <a:xfrm>
-              <a:off x="1885174" y="1577847"/>
-              <a:ext cx="2743200" cy="137411"/>
-            </a:xfrm>
-            <a:prstGeom prst="rect">
-              <a:avLst/>
-            </a:prstGeom>
-            <a:solidFill>
-              <a:schemeClr val="accent2"/>
-            </a:solidFill>
-            <a:ln>
-              <a:noFill/>
-            </a:ln>
-          </p:spPr>
-          <p:style>
-            <a:lnRef idx="2">
-              <a:schemeClr val="accent1">
-                <a:shade val="50000"/>
-              </a:schemeClr>
-            </a:lnRef>
-            <a:fillRef idx="1">
-              <a:schemeClr val="accent1"/>
-            </a:fillRef>
-            <a:effectRef idx="0">
-              <a:schemeClr val="accent1"/>
-            </a:effectRef>
-            <a:fontRef idx="minor">
-              <a:schemeClr val="lt1"/>
-            </a:fontRef>
-          </p:style>
-          <p:txBody>
-            <a:bodyPr rtlCol="0" anchor="ctr"/>
-            <a:lstStyle/>
-            <a:p>
-              <a:pPr algn="ctr"/>
-              <a:endParaRPr/>
-            </a:p>
-          </p:txBody>
-        </p:sp>
-        <p:sp>
-          <p:nvSpPr>
-            <p:cNvPr id="11" name="Rectangle 10"/>
-            <p:cNvSpPr/>
-            <p:nvPr/>
-          </p:nvSpPr>
-          <p:spPr>
-            <a:xfrm>
-              <a:off x="4626864" y="1577847"/>
-              <a:ext cx="4233672" cy="137411"/>
-            </a:xfrm>
-            <a:prstGeom prst="rect">
-              <a:avLst/>
-            </a:prstGeom>
-            <a:solidFill>
-              <a:schemeClr val="accent4"/>
-            </a:solidFill>
-            <a:ln>
-              <a:noFill/>
-            </a:ln>
-          </p:spPr>
-          <p:style>
-            <a:lnRef idx="2">
-              <a:schemeClr val="accent1">
-                <a:shade val="50000"/>
-              </a:schemeClr>
-            </a:lnRef>
-            <a:fillRef idx="1">
-              <a:schemeClr val="accent1"/>
-            </a:fillRef>
-            <a:effectRef idx="0">
-              <a:schemeClr val="accent1"/>
-            </a:effectRef>
-            <a:fontRef idx="minor">
-              <a:schemeClr val="lt1"/>
-            </a:fontRef>
-          </p:style>
-          <p:txBody>
-            <a:bodyPr rtlCol="0" anchor="ctr"/>
-            <a:lstStyle/>
-            <a:p>
-              <a:pPr algn="ctr"/>
-              <a:endParaRPr/>
-            </a:p>
-          </p:txBody>
-        </p:sp>
-      </p:grpSp>
-      <p:sp>
-        <p:nvSpPr>
-          <p:cNvPr id="2" name="Title 1"/>
-          <p:cNvSpPr>
-            <a:spLocks noGrp="1"/>
-          </p:cNvSpPr>
-          <p:nvPr>
-            <p:ph type="title"/>
-          </p:nvPr>
-        </p:nvSpPr>
-        <p:spPr/>
-        <p:txBody>
-          <a:bodyPr/>
-          <a:lstStyle/>
-          <a:p>
-            <a:r>
-              <a:rPr lang="en-US" smtClean="0"/>
-              <a:t>Click to edit Master title style</a:t>
-            </a:r>
-            <a:endParaRPr/>
-          </a:p>
-        </p:txBody>
-      </p:sp>
-      <p:sp>
-        <p:nvSpPr>
-          <p:cNvPr id="3" name="Vertical Text Placeholder 2"/>
-          <p:cNvSpPr>
-            <a:spLocks noGrp="1"/>
-          </p:cNvSpPr>
-          <p:nvPr>
-            <p:ph type="body" orient="vert" idx="1"/>
-          </p:nvPr>
-        </p:nvSpPr>
-        <p:spPr>
-          <a:xfrm>
-            <a:off x="284163" y="2133600"/>
-            <a:ext cx="8574087" cy="4013200"/>
-          </a:xfrm>
-        </p:spPr>
-        <p:txBody>
-          <a:bodyPr vert="eaVert"/>
-          <a:lstStyle>
-            <a:lvl5pPr>
-              <a:defRPr/>
-            </a:lvl5pPr>
-          </a:lstStyle>
-          <a:p>
-            <a:pPr lvl="0"/>
-            <a:r>
-              <a:rPr lang="en-US" smtClean="0"/>
-              <a:t>Click to edit Master text styles</a:t>
-            </a:r>
-          </a:p>
-          <a:p>
-            <a:pPr lvl="1"/>
-            <a:r>
-              <a:rPr lang="en-US" smtClean="0"/>
-              <a:t>Second level</a:t>
-            </a:r>
-          </a:p>
-          <a:p>
-            <a:pPr lvl="2"/>
-            <a:r>
-              <a:rPr lang="en-US" smtClean="0"/>
-              <a:t>Third level</a:t>
-            </a:r>
-          </a:p>
-          <a:p>
-            <a:pPr lvl="3"/>
-            <a:r>
-              <a:rPr lang="en-US" smtClean="0"/>
-              <a:t>Fourth level</a:t>
-            </a:r>
-          </a:p>
-          <a:p>
-            <a:pPr lvl="4"/>
-            <a:r>
-              <a:rPr lang="en-US" smtClean="0"/>
-              <a:t>Fifth level</a:t>
-            </a:r>
-            <a:endParaRPr dirty="0"/>
-          </a:p>
-        </p:txBody>
-      </p:sp>
-      <p:sp>
-        <p:nvSpPr>
-          <p:cNvPr id="4" name="Date Placeholder 3"/>
-          <p:cNvSpPr>
-            <a:spLocks noGrp="1"/>
-          </p:cNvSpPr>
-          <p:nvPr>
-            <p:ph type="dt" sz="half" idx="10"/>
-          </p:nvPr>
-        </p:nvSpPr>
-        <p:spPr/>
-        <p:txBody>
-          <a:bodyPr/>
-          <a:lstStyle/>
-          <a:p>
-            <a:fld id="{59BECB69-A21E-B645-918D-F4DE51F44A43}" type="datetime1">
-              <a:rPr lang="en-US" smtClean="0"/>
-              <a:pPr/>
-              <a:t>6/1/2015</a:t>
-            </a:fld>
-            <a:endParaRPr lang="en-US"/>
-          </a:p>
-        </p:txBody>
-      </p:sp>
-      <p:sp>
-        <p:nvSpPr>
-          <p:cNvPr id="5" name="Footer Placeholder 4"/>
-          <p:cNvSpPr>
-            <a:spLocks noGrp="1"/>
-          </p:cNvSpPr>
-          <p:nvPr>
-            <p:ph type="ftr" sz="quarter" idx="11"/>
-          </p:nvPr>
-        </p:nvSpPr>
-        <p:spPr/>
-        <p:txBody>
-          <a:bodyPr/>
-          <a:lstStyle/>
-          <a:p>
-            <a:r>
-              <a:rPr lang="en-US" smtClean="0"/>
-              <a:t>© 2015 EV3Lessons.com, Last edit 4/9/2015</a:t>
-            </a:r>
-            <a:endParaRPr lang="en-US"/>
-          </a:p>
-        </p:txBody>
-      </p:sp>
-      <p:sp>
-        <p:nvSpPr>
-          <p:cNvPr id="6" name="Slide Number Placeholder 5"/>
-          <p:cNvSpPr>
-            <a:spLocks noGrp="1"/>
-          </p:cNvSpPr>
-          <p:nvPr>
-            <p:ph type="sldNum" sz="quarter" idx="12"/>
-          </p:nvPr>
-        </p:nvSpPr>
-        <p:spPr/>
-        <p:txBody>
-          <a:bodyPr/>
-          <a:lstStyle/>
-          <a:p>
-            <a:fld id="{4382A7F7-08BF-4252-8141-63FB96055BBB}" type="slidenum">
-              <a:rPr lang="en-US" smtClean="0"/>
-              <a:pPr/>
-              <a:t>‹#›</a:t>
-            </a:fld>
-            <a:endParaRPr lang="en-US"/>
-          </a:p>
-        </p:txBody>
-      </p:sp>
+      </p:cxnSp>
     </p:spTree>
-  </p:cSld>
-  <p:clrMapOvr>
-    <a:masterClrMapping/>
-  </p:clrMapOvr>
-  <p:timing>
-    <p:tnLst>
-      <p:par>
-        <p:cTn id="1" dur="indefinite" restart="never" nodeType="tmRoot"/>
-      </p:par>
-    </p:tnLst>
-  </p:timing>
-</p:sldLayout>
-</file>
-
-<file path=ppt/slideLayouts/slideLayout16.xml><?xml version="1.0" encoding="utf-8"?>
-<p:sldLayout xmlns:a="http://schemas.openxmlformats.org/drawingml/2006/main" xmlns:r="http://schemas.openxmlformats.org/officeDocument/2006/relationships" xmlns:p="http://schemas.openxmlformats.org/presentationml/2006/main" type="vertTitleAndTx" preserve="1">
-  <p:cSld name="Vertical Title and Text">
-    <p:spTree>
-      <p:nvGrpSpPr>
-        <p:cNvPr id="1" name=""/>
-        <p:cNvGrpSpPr/>
-        <p:nvPr/>
-      </p:nvGrpSpPr>
-      <p:grpSpPr>
-        <a:xfrm>
-          <a:off x="0" y="0"/>
-          <a:ext cx="0" cy="0"/>
-          <a:chOff x="0" y="0"/>
-          <a:chExt cx="0" cy="0"/>
-        </a:xfrm>
-      </p:grpSpPr>
-      <p:sp>
-        <p:nvSpPr>
-          <p:cNvPr id="7" name="Rectangle 6"/>
-          <p:cNvSpPr/>
-          <p:nvPr/>
-        </p:nvSpPr>
-        <p:spPr>
-          <a:xfrm rot="5400000">
-            <a:off x="5313882" y="2857535"/>
-            <a:ext cx="5934615" cy="1133949"/>
-          </a:xfrm>
-          <a:prstGeom prst="rect">
-            <a:avLst/>
-          </a:prstGeom>
-          <a:solidFill>
-            <a:schemeClr val="tx1">
-              <a:lumMod val="85000"/>
-              <a:lumOff val="15000"/>
-              <a:alpha val="70000"/>
-            </a:schemeClr>
-          </a:solidFill>
-          <a:ln>
-            <a:noFill/>
-          </a:ln>
-        </p:spPr>
-        <p:style>
-          <a:lnRef idx="2">
-            <a:schemeClr val="accent1">
-              <a:shade val="50000"/>
-            </a:schemeClr>
-          </a:lnRef>
-          <a:fillRef idx="1">
-            <a:schemeClr val="accent1"/>
-          </a:fillRef>
-          <a:effectRef idx="0">
-            <a:schemeClr val="accent1"/>
-          </a:effectRef>
-          <a:fontRef idx="minor">
-            <a:schemeClr val="lt1"/>
-          </a:fontRef>
-        </p:style>
-        <p:txBody>
-          <a:bodyPr rtlCol="0" anchor="ctr"/>
-          <a:lstStyle/>
-          <a:p>
-            <a:pPr algn="ctr"/>
-            <a:endParaRPr/>
-          </a:p>
-        </p:txBody>
-      </p:sp>
-      <p:sp>
-        <p:nvSpPr>
-          <p:cNvPr id="2" name="Vertical Title 1"/>
-          <p:cNvSpPr>
-            <a:spLocks noGrp="1"/>
-          </p:cNvSpPr>
-          <p:nvPr>
-            <p:ph type="title" orient="vert"/>
-          </p:nvPr>
-        </p:nvSpPr>
-        <p:spPr>
-          <a:xfrm>
-            <a:off x="7695124" y="473075"/>
-            <a:ext cx="969264" cy="5921375"/>
-          </a:xfrm>
-        </p:spPr>
-        <p:txBody>
-          <a:bodyPr vert="eaVert"/>
-          <a:lstStyle>
-            <a:lvl1pPr algn="l">
-              <a:defRPr sz="3400"/>
-            </a:lvl1pPr>
-          </a:lstStyle>
-          <a:p>
-            <a:r>
-              <a:rPr lang="en-US" smtClean="0"/>
-              <a:t>Click to edit Master title style</a:t>
-            </a:r>
-            <a:endParaRPr/>
-          </a:p>
-        </p:txBody>
-      </p:sp>
-      <p:sp>
-        <p:nvSpPr>
-          <p:cNvPr id="3" name="Vertical Text Placeholder 2"/>
-          <p:cNvSpPr>
-            <a:spLocks noGrp="1"/>
-          </p:cNvSpPr>
-          <p:nvPr>
-            <p:ph type="body" orient="vert" idx="1"/>
-          </p:nvPr>
-        </p:nvSpPr>
-        <p:spPr>
-          <a:xfrm>
-            <a:off x="284163" y="457200"/>
-            <a:ext cx="6497637" cy="5937250"/>
-          </a:xfrm>
-        </p:spPr>
-        <p:txBody>
-          <a:bodyPr vert="eaVert"/>
-          <a:lstStyle>
-            <a:lvl5pPr algn="l">
-              <a:defRPr/>
-            </a:lvl5pPr>
-          </a:lstStyle>
-          <a:p>
-            <a:pPr lvl="0"/>
-            <a:r>
-              <a:rPr lang="en-US" smtClean="0"/>
-              <a:t>Click to edit Master text styles</a:t>
-            </a:r>
-          </a:p>
-          <a:p>
-            <a:pPr lvl="1"/>
-            <a:r>
-              <a:rPr lang="en-US" smtClean="0"/>
-              <a:t>Second level</a:t>
-            </a:r>
-          </a:p>
-          <a:p>
-            <a:pPr lvl="2"/>
-            <a:r>
-              <a:rPr lang="en-US" smtClean="0"/>
-              <a:t>Third level</a:t>
-            </a:r>
-          </a:p>
-          <a:p>
-            <a:pPr lvl="3"/>
-            <a:r>
-              <a:rPr lang="en-US" smtClean="0"/>
-              <a:t>Fourth level</a:t>
-            </a:r>
-          </a:p>
-          <a:p>
-            <a:pPr lvl="4"/>
-            <a:r>
-              <a:rPr lang="en-US" smtClean="0"/>
-              <a:t>Fifth level</a:t>
-            </a:r>
-            <a:endParaRPr dirty="0"/>
-          </a:p>
-        </p:txBody>
-      </p:sp>
-      <p:sp>
-        <p:nvSpPr>
-          <p:cNvPr id="4" name="Date Placeholder 3"/>
-          <p:cNvSpPr>
-            <a:spLocks noGrp="1"/>
-          </p:cNvSpPr>
-          <p:nvPr>
-            <p:ph type="dt" sz="half" idx="10"/>
-          </p:nvPr>
-        </p:nvSpPr>
-        <p:spPr/>
-        <p:txBody>
-          <a:bodyPr/>
-          <a:lstStyle/>
-          <a:p>
-            <a:fld id="{88F6D9D5-67B2-D241-AC86-521B4A5982B7}" type="datetime1">
-              <a:rPr lang="en-US" smtClean="0"/>
-              <a:pPr/>
-              <a:t>6/1/2015</a:t>
-            </a:fld>
-            <a:endParaRPr lang="en-US"/>
-          </a:p>
-        </p:txBody>
-      </p:sp>
-      <p:sp>
-        <p:nvSpPr>
-          <p:cNvPr id="5" name="Footer Placeholder 4"/>
-          <p:cNvSpPr>
-            <a:spLocks noGrp="1"/>
-          </p:cNvSpPr>
-          <p:nvPr>
-            <p:ph type="ftr" sz="quarter" idx="11"/>
-          </p:nvPr>
-        </p:nvSpPr>
-        <p:spPr/>
-        <p:txBody>
-          <a:bodyPr/>
-          <a:lstStyle/>
-          <a:p>
-            <a:r>
-              <a:rPr lang="en-US" smtClean="0"/>
-              <a:t>© 2015 EV3Lessons.com, Last edit 4/9/2015</a:t>
-            </a:r>
-            <a:endParaRPr lang="en-US"/>
-          </a:p>
-        </p:txBody>
-      </p:sp>
-      <p:sp>
-        <p:nvSpPr>
-          <p:cNvPr id="6" name="Slide Number Placeholder 5"/>
-          <p:cNvSpPr>
-            <a:spLocks noGrp="1"/>
-          </p:cNvSpPr>
-          <p:nvPr>
-            <p:ph type="sldNum" sz="quarter" idx="12"/>
-          </p:nvPr>
-        </p:nvSpPr>
-        <p:spPr/>
-        <p:txBody>
-          <a:bodyPr/>
-          <a:lstStyle/>
-          <a:p>
-            <a:fld id="{4382A7F7-08BF-4252-8141-63FB96055BBB}" type="slidenum">
-              <a:rPr lang="en-US" smtClean="0"/>
-              <a:pPr/>
-              <a:t>‹#›</a:t>
-            </a:fld>
-            <a:endParaRPr lang="en-US"/>
-          </a:p>
-        </p:txBody>
-      </p:sp>
-      <p:grpSp>
-        <p:nvGrpSpPr>
-          <p:cNvPr id="8" name="Group 7"/>
-          <p:cNvGrpSpPr/>
-          <p:nvPr/>
-        </p:nvGrpSpPr>
-        <p:grpSpPr>
-          <a:xfrm rot="5400000">
-            <a:off x="4658724" y="3355723"/>
-            <a:ext cx="5934456" cy="137411"/>
-            <a:chOff x="284163" y="1577847"/>
-            <a:chExt cx="8576373" cy="137411"/>
-          </a:xfrm>
-        </p:grpSpPr>
-        <p:sp>
-          <p:nvSpPr>
-            <p:cNvPr id="9" name="Rectangle 8"/>
-            <p:cNvSpPr/>
-            <p:nvPr/>
-          </p:nvSpPr>
-          <p:spPr>
-            <a:xfrm>
-              <a:off x="284163" y="1577847"/>
-              <a:ext cx="1600200" cy="137411"/>
-            </a:xfrm>
-            <a:prstGeom prst="rect">
-              <a:avLst/>
-            </a:prstGeom>
-            <a:solidFill>
-              <a:schemeClr val="accent1"/>
-            </a:solidFill>
-            <a:ln>
-              <a:noFill/>
-            </a:ln>
-          </p:spPr>
-          <p:style>
-            <a:lnRef idx="2">
-              <a:schemeClr val="accent1">
-                <a:shade val="50000"/>
-              </a:schemeClr>
-            </a:lnRef>
-            <a:fillRef idx="1">
-              <a:schemeClr val="accent1"/>
-            </a:fillRef>
-            <a:effectRef idx="0">
-              <a:schemeClr val="accent1"/>
-            </a:effectRef>
-            <a:fontRef idx="minor">
-              <a:schemeClr val="lt1"/>
-            </a:fontRef>
-          </p:style>
-          <p:txBody>
-            <a:bodyPr rtlCol="0" anchor="ctr"/>
-            <a:lstStyle/>
-            <a:p>
-              <a:pPr algn="ctr"/>
-              <a:endParaRPr/>
-            </a:p>
-          </p:txBody>
-        </p:sp>
-        <p:sp>
-          <p:nvSpPr>
-            <p:cNvPr id="10" name="Rectangle 9"/>
-            <p:cNvSpPr/>
-            <p:nvPr/>
-          </p:nvSpPr>
-          <p:spPr>
-            <a:xfrm>
-              <a:off x="1885174" y="1577847"/>
-              <a:ext cx="2743200" cy="137411"/>
-            </a:xfrm>
-            <a:prstGeom prst="rect">
-              <a:avLst/>
-            </a:prstGeom>
-            <a:solidFill>
-              <a:schemeClr val="accent2"/>
-            </a:solidFill>
-            <a:ln>
-              <a:noFill/>
-            </a:ln>
-          </p:spPr>
-          <p:style>
-            <a:lnRef idx="2">
-              <a:schemeClr val="accent1">
-                <a:shade val="50000"/>
-              </a:schemeClr>
-            </a:lnRef>
-            <a:fillRef idx="1">
-              <a:schemeClr val="accent1"/>
-            </a:fillRef>
-            <a:effectRef idx="0">
-              <a:schemeClr val="accent1"/>
-            </a:effectRef>
-            <a:fontRef idx="minor">
-              <a:schemeClr val="lt1"/>
-            </a:fontRef>
-          </p:style>
-          <p:txBody>
-            <a:bodyPr rtlCol="0" anchor="ctr"/>
-            <a:lstStyle/>
-            <a:p>
-              <a:pPr algn="ctr"/>
-              <a:endParaRPr/>
-            </a:p>
-          </p:txBody>
-        </p:sp>
-        <p:sp>
-          <p:nvSpPr>
-            <p:cNvPr id="11" name="Rectangle 10"/>
-            <p:cNvSpPr/>
-            <p:nvPr/>
-          </p:nvSpPr>
-          <p:spPr>
-            <a:xfrm>
-              <a:off x="4626864" y="1577847"/>
-              <a:ext cx="4233672" cy="137411"/>
-            </a:xfrm>
-            <a:prstGeom prst="rect">
-              <a:avLst/>
-            </a:prstGeom>
-            <a:solidFill>
-              <a:schemeClr val="accent4"/>
-            </a:solidFill>
-            <a:ln>
-              <a:noFill/>
-            </a:ln>
-          </p:spPr>
-          <p:style>
-            <a:lnRef idx="2">
-              <a:schemeClr val="accent1">
-                <a:shade val="50000"/>
-              </a:schemeClr>
-            </a:lnRef>
-            <a:fillRef idx="1">
-              <a:schemeClr val="accent1"/>
-            </a:fillRef>
-            <a:effectRef idx="0">
-              <a:schemeClr val="accent1"/>
-            </a:effectRef>
-            <a:fontRef idx="minor">
-              <a:schemeClr val="lt1"/>
-            </a:fontRef>
-          </p:style>
-          <p:txBody>
-            <a:bodyPr rtlCol="0" anchor="ctr"/>
-            <a:lstStyle/>
-            <a:p>
-              <a:pPr algn="ctr"/>
-              <a:endParaRPr/>
-            </a:p>
-          </p:txBody>
-        </p:sp>
-      </p:grpSp>
-    </p:spTree>
+    <p:extLst/>
   </p:cSld>
   <p:clrMapOvr>
     <a:masterClrMapping/>
@@ -4681,7 +1393,7 @@
 </file>
 
 <file path=ppt/slideLayouts/slideLayout2.xml><?xml version="1.0" encoding="utf-8"?>
-<p:sldLayout xmlns:a="http://schemas.openxmlformats.org/drawingml/2006/main" xmlns:r="http://schemas.openxmlformats.org/officeDocument/2006/relationships" xmlns:p="http://schemas.openxmlformats.org/presentationml/2006/main" type="obj" preserve="1">
+<p:sldLayout xmlns:a="http://schemas.openxmlformats.org/drawingml/2006/main" xmlns:r="http://schemas.openxmlformats.org/officeDocument/2006/relationships" xmlns:p="http://schemas.openxmlformats.org/presentationml/2006/main" preserve="1">
   <p:cSld name="Title and Content">
     <p:spTree>
       <p:nvGrpSpPr>
@@ -4699,71 +1411,148 @@
       </p:grpSpPr>
       <p:sp>
         <p:nvSpPr>
-          <p:cNvPr id="7" name="Rectangle 6"/>
-          <p:cNvSpPr/>
-          <p:nvPr/>
-        </p:nvSpPr>
-        <p:spPr>
-          <a:xfrm>
-            <a:off x="284163" y="455773"/>
-            <a:ext cx="8574087" cy="1133949"/>
-          </a:xfrm>
-          <a:prstGeom prst="rect">
-            <a:avLst/>
-          </a:prstGeom>
-          <a:solidFill>
-            <a:schemeClr val="tx1">
-              <a:lumMod val="85000"/>
-              <a:lumOff val="15000"/>
-              <a:alpha val="70000"/>
-            </a:schemeClr>
-          </a:solidFill>
-          <a:ln>
-            <a:noFill/>
-          </a:ln>
-        </p:spPr>
-        <p:style>
-          <a:lnRef idx="2">
-            <a:schemeClr val="accent1">
-              <a:shade val="50000"/>
-            </a:schemeClr>
-          </a:lnRef>
-          <a:fillRef idx="1">
-            <a:schemeClr val="accent1"/>
-          </a:fillRef>
-          <a:effectRef idx="0">
-            <a:schemeClr val="accent1"/>
-          </a:effectRef>
-          <a:fontRef idx="minor">
-            <a:schemeClr val="lt1"/>
-          </a:fontRef>
-        </p:style>
-        <p:txBody>
-          <a:bodyPr rtlCol="0" anchor="ctr"/>
-          <a:lstStyle/>
-          <a:p>
-            <a:pPr algn="ctr"/>
-            <a:endParaRPr/>
+          <p:cNvPr id="3" name="Content Placeholder 2"/>
+          <p:cNvSpPr>
+            <a:spLocks noGrp="1"/>
+          </p:cNvSpPr>
+          <p:nvPr>
+            <p:ph idx="1"/>
+          </p:nvPr>
+        </p:nvSpPr>
+        <p:spPr/>
+        <p:txBody>
+          <a:bodyPr/>
+          <a:lstStyle>
+            <a:lvl5pPr>
+              <a:defRPr/>
+            </a:lvl5pPr>
+          </a:lstStyle>
+          <a:p>
+            <a:pPr lvl="0"/>
+            <a:r>
+              <a:rPr lang="en-US" smtClean="0"/>
+              <a:t>Click to edit Master text styles</a:t>
+            </a:r>
+          </a:p>
+          <a:p>
+            <a:pPr lvl="1"/>
+            <a:r>
+              <a:rPr lang="en-US" smtClean="0"/>
+              <a:t>Second level</a:t>
+            </a:r>
+          </a:p>
+          <a:p>
+            <a:pPr lvl="2"/>
+            <a:r>
+              <a:rPr lang="en-US" smtClean="0"/>
+              <a:t>Third level</a:t>
+            </a:r>
+          </a:p>
+          <a:p>
+            <a:pPr lvl="3"/>
+            <a:r>
+              <a:rPr lang="en-US" smtClean="0"/>
+              <a:t>Fourth level</a:t>
+            </a:r>
+          </a:p>
+          <a:p>
+            <a:pPr lvl="4"/>
+            <a:r>
+              <a:rPr lang="en-US" smtClean="0"/>
+              <a:t>Fifth level</a:t>
+            </a:r>
+            <a:endParaRPr dirty="0"/>
+          </a:p>
+        </p:txBody>
+      </p:sp>
+      <p:sp>
+        <p:nvSpPr>
+          <p:cNvPr id="4" name="Date Placeholder 3"/>
+          <p:cNvSpPr>
+            <a:spLocks noGrp="1"/>
+          </p:cNvSpPr>
+          <p:nvPr>
+            <p:ph type="dt" sz="half" idx="10"/>
+          </p:nvPr>
+        </p:nvSpPr>
+        <p:spPr/>
+        <p:txBody>
+          <a:bodyPr/>
+          <a:lstStyle/>
+          <a:p>
+            <a:fld id="{8FC6ACCE-FA0B-6F4C-90C2-9946D1DB8FD8}" type="datetime1">
+              <a:rPr lang="en-US" smtClean="0"/>
+              <a:pPr/>
+              <a:t>2/11/17</a:t>
+            </a:fld>
+            <a:endParaRPr lang="en-US"/>
+          </a:p>
+        </p:txBody>
+      </p:sp>
+      <p:sp>
+        <p:nvSpPr>
+          <p:cNvPr id="5" name="Footer Placeholder 4"/>
+          <p:cNvSpPr>
+            <a:spLocks noGrp="1"/>
+          </p:cNvSpPr>
+          <p:nvPr>
+            <p:ph type="ftr" sz="quarter" idx="11"/>
+          </p:nvPr>
+        </p:nvSpPr>
+        <p:spPr/>
+        <p:txBody>
+          <a:bodyPr/>
+          <a:lstStyle/>
+          <a:p>
+            <a:r>
+              <a:rPr lang="en-US" smtClean="0"/>
+              <a:t>© 2015 EV3Lessons.com, Last edit 4/9/2015</a:t>
+            </a:r>
+            <a:endParaRPr lang="en-US"/>
+          </a:p>
+        </p:txBody>
+      </p:sp>
+      <p:sp>
+        <p:nvSpPr>
+          <p:cNvPr id="6" name="Slide Number Placeholder 5"/>
+          <p:cNvSpPr>
+            <a:spLocks noGrp="1"/>
+          </p:cNvSpPr>
+          <p:nvPr>
+            <p:ph type="sldNum" sz="quarter" idx="12"/>
+          </p:nvPr>
+        </p:nvSpPr>
+        <p:spPr/>
+        <p:txBody>
+          <a:bodyPr/>
+          <a:lstStyle/>
+          <a:p>
+            <a:fld id="{4382A7F7-08BF-4252-8141-63FB96055BBB}" type="slidenum">
+              <a:rPr lang="en-US" smtClean="0"/>
+              <a:pPr/>
+              <a:t>‹#›</a:t>
+            </a:fld>
+            <a:endParaRPr lang="en-US"/>
           </a:p>
         </p:txBody>
       </p:sp>
       <p:grpSp>
         <p:nvGrpSpPr>
-          <p:cNvPr id="8" name="Group 7"/>
+          <p:cNvPr id="12" name="Group 11"/>
           <p:cNvGrpSpPr/>
           <p:nvPr/>
         </p:nvGrpSpPr>
         <p:grpSpPr>
           <a:xfrm>
-            <a:off x="284163" y="1577847"/>
-            <a:ext cx="8576373" cy="137411"/>
+            <a:off x="0" y="1188720"/>
+            <a:ext cx="9144000" cy="137411"/>
             <a:chOff x="284163" y="1577847"/>
             <a:chExt cx="8576373" cy="137411"/>
           </a:xfrm>
         </p:grpSpPr>
         <p:sp>
           <p:nvSpPr>
-            <p:cNvPr id="9" name="Rectangle 8"/>
+            <p:cNvPr id="13" name="Rectangle 12"/>
             <p:cNvSpPr/>
             <p:nvPr/>
           </p:nvSpPr>
@@ -4809,7 +1598,7 @@
         </p:sp>
         <p:sp>
           <p:nvSpPr>
-            <p:cNvPr id="10" name="Rectangle 9"/>
+            <p:cNvPr id="14" name="Rectangle 13"/>
             <p:cNvSpPr/>
             <p:nvPr/>
           </p:nvSpPr>
@@ -4855,7 +1644,7 @@
         </p:sp>
         <p:sp>
           <p:nvSpPr>
-            <p:cNvPr id="11" name="Rectangle 10"/>
+            <p:cNvPr id="15" name="Rectangle 14"/>
             <p:cNvSpPr/>
             <p:nvPr/>
           </p:nvSpPr>
@@ -4902,7 +1691,7 @@
       </p:grpSp>
       <p:sp>
         <p:nvSpPr>
-          <p:cNvPr id="2" name="Title 1"/>
+          <p:cNvPr id="16" name="Title 15"/>
           <p:cNvSpPr>
             <a:spLocks noGrp="1"/>
           </p:cNvSpPr>
@@ -4919,138 +1708,12 @@
               <a:rPr lang="en-US" smtClean="0"/>
               <a:t>Click to edit Master title style</a:t>
             </a:r>
-            <a:endParaRPr/>
-          </a:p>
-        </p:txBody>
-      </p:sp>
-      <p:sp>
-        <p:nvSpPr>
-          <p:cNvPr id="3" name="Content Placeholder 2"/>
-          <p:cNvSpPr>
-            <a:spLocks noGrp="1"/>
-          </p:cNvSpPr>
-          <p:nvPr>
-            <p:ph idx="1"/>
-          </p:nvPr>
-        </p:nvSpPr>
-        <p:spPr/>
-        <p:txBody>
-          <a:bodyPr/>
-          <a:lstStyle>
-            <a:lvl5pPr>
-              <a:defRPr/>
-            </a:lvl5pPr>
-          </a:lstStyle>
-          <a:p>
-            <a:pPr lvl="0"/>
-            <a:r>
-              <a:rPr lang="en-US" smtClean="0"/>
-              <a:t>Click to edit Master text styles</a:t>
-            </a:r>
-          </a:p>
-          <a:p>
-            <a:pPr lvl="1"/>
-            <a:r>
-              <a:rPr lang="en-US" smtClean="0"/>
-              <a:t>Second level</a:t>
-            </a:r>
-          </a:p>
-          <a:p>
-            <a:pPr lvl="2"/>
-            <a:r>
-              <a:rPr lang="en-US" smtClean="0"/>
-              <a:t>Third level</a:t>
-            </a:r>
-          </a:p>
-          <a:p>
-            <a:pPr lvl="3"/>
-            <a:r>
-              <a:rPr lang="en-US" smtClean="0"/>
-              <a:t>Fourth level</a:t>
-            </a:r>
-          </a:p>
-          <a:p>
-            <a:pPr lvl="4"/>
-            <a:r>
-              <a:rPr lang="en-US" smtClean="0"/>
-              <a:t>Fifth level</a:t>
-            </a:r>
-            <a:endParaRPr dirty="0"/>
-          </a:p>
-        </p:txBody>
-      </p:sp>
-      <p:sp>
-        <p:nvSpPr>
-          <p:cNvPr id="4" name="Date Placeholder 3"/>
-          <p:cNvSpPr>
-            <a:spLocks noGrp="1"/>
-          </p:cNvSpPr>
-          <p:nvPr>
-            <p:ph type="dt" sz="half" idx="10"/>
-          </p:nvPr>
-        </p:nvSpPr>
-        <p:spPr/>
-        <p:txBody>
-          <a:bodyPr/>
-          <a:lstStyle/>
-          <a:p>
-            <a:fld id="{8FC6ACCE-FA0B-6F4C-90C2-9946D1DB8FD8}" type="datetime1">
-              <a:rPr lang="en-US" smtClean="0"/>
-              <a:pPr/>
-              <a:t>6/1/2015</a:t>
-            </a:fld>
             <a:endParaRPr lang="en-US"/>
           </a:p>
         </p:txBody>
       </p:sp>
-      <p:sp>
-        <p:nvSpPr>
-          <p:cNvPr id="5" name="Footer Placeholder 4"/>
-          <p:cNvSpPr>
-            <a:spLocks noGrp="1"/>
-          </p:cNvSpPr>
-          <p:nvPr>
-            <p:ph type="ftr" sz="quarter" idx="11"/>
-          </p:nvPr>
-        </p:nvSpPr>
-        <p:spPr/>
-        <p:txBody>
-          <a:bodyPr/>
-          <a:lstStyle/>
-          <a:p>
-            <a:r>
-              <a:rPr lang="en-US" smtClean="0"/>
-              <a:t>© 2015 EV3Lessons.com, Last edit 4/9/2015</a:t>
-            </a:r>
-            <a:endParaRPr lang="en-US"/>
-          </a:p>
-        </p:txBody>
-      </p:sp>
-      <p:sp>
-        <p:nvSpPr>
-          <p:cNvPr id="6" name="Slide Number Placeholder 5"/>
-          <p:cNvSpPr>
-            <a:spLocks noGrp="1"/>
-          </p:cNvSpPr>
-          <p:nvPr>
-            <p:ph type="sldNum" sz="quarter" idx="12"/>
-          </p:nvPr>
-        </p:nvSpPr>
-        <p:spPr/>
-        <p:txBody>
-          <a:bodyPr/>
-          <a:lstStyle/>
-          <a:p>
-            <a:fld id="{4382A7F7-08BF-4252-8141-63FB96055BBB}" type="slidenum">
-              <a:rPr lang="en-US" smtClean="0"/>
-              <a:pPr/>
-              <a:t>‹#›</a:t>
-            </a:fld>
-            <a:endParaRPr lang="en-US"/>
-          </a:p>
-        </p:txBody>
-      </p:sp>
     </p:spTree>
+    <p:extLst/>
   </p:cSld>
   <p:clrMapOvr>
     <a:masterClrMapping/>
@@ -5067,7 +1730,7 @@
 
 <file path=ppt/slideLayouts/slideLayout3.xml><?xml version="1.0" encoding="utf-8"?>
 <p:sldLayout xmlns:a="http://schemas.openxmlformats.org/drawingml/2006/main" xmlns:r="http://schemas.openxmlformats.org/officeDocument/2006/relationships" xmlns:p="http://schemas.openxmlformats.org/presentationml/2006/main" preserve="1">
-  <p:cSld name="Title Slide with Picture">
+  <p:cSld name="Section Header">
     <p:spTree>
       <p:nvGrpSpPr>
         <p:cNvPr id="1" name=""/>
@@ -5084,302 +1747,56 @@
       </p:grpSpPr>
       <p:sp>
         <p:nvSpPr>
-          <p:cNvPr id="18" name="Rectangle 17"/>
-          <p:cNvSpPr/>
-          <p:nvPr/>
+          <p:cNvPr id="20" name="Title 19"/>
+          <p:cNvSpPr>
+            <a:spLocks noGrp="1"/>
+          </p:cNvSpPr>
+          <p:nvPr>
+            <p:ph type="title"/>
+          </p:nvPr>
         </p:nvSpPr>
         <p:spPr>
           <a:xfrm>
-            <a:off x="284163" y="444728"/>
-            <a:ext cx="8574087" cy="1468437"/>
-          </a:xfrm>
-          <a:prstGeom prst="rect">
-            <a:avLst/>
-          </a:prstGeom>
-          <a:solidFill>
-            <a:schemeClr val="tx1">
-              <a:lumMod val="85000"/>
-              <a:lumOff val="15000"/>
-              <a:alpha val="85000"/>
-            </a:schemeClr>
-          </a:solidFill>
-        </p:spPr>
-        <p:txBody>
-          <a:bodyPr vert="horz" lIns="91440" tIns="45720" rIns="182880" bIns="365760" rtlCol="0" anchor="b" anchorCtr="0">
-            <a:normAutofit/>
-          </a:bodyPr>
-          <a:lstStyle/>
-          <a:p>
-            <a:pPr algn="l" defTabSz="914400" rtl="0" eaLnBrk="1" latinLnBrk="0" hangingPunct="1">
-              <a:spcBef>
-                <a:spcPct val="0"/>
-              </a:spcBef>
-              <a:buNone/>
-            </a:pPr>
-            <a:endParaRPr sz="4200" kern="1200">
-              <a:solidFill>
-                <a:schemeClr val="bg1"/>
-              </a:solidFill>
-              <a:latin typeface="+mj-lt"/>
-              <a:ea typeface="+mj-ea"/>
-              <a:cs typeface="+mj-cs"/>
-            </a:endParaRPr>
-          </a:p>
-        </p:txBody>
-      </p:sp>
-      <p:sp>
-        <p:nvSpPr>
-          <p:cNvPr id="4" name="Date Placeholder 3"/>
-          <p:cNvSpPr>
-            <a:spLocks noGrp="1"/>
-          </p:cNvSpPr>
-          <p:nvPr>
-            <p:ph type="dt" sz="half" idx="10"/>
-          </p:nvPr>
-        </p:nvSpPr>
-        <p:spPr/>
-        <p:txBody>
-          <a:bodyPr/>
-          <a:lstStyle/>
-          <a:p>
-            <a:fld id="{FB05BAAA-B7A6-3E4B-8C56-CBB583232FF9}" type="datetime1">
-              <a:rPr lang="en-US" smtClean="0"/>
-              <a:pPr/>
-              <a:t>6/1/2015</a:t>
-            </a:fld>
-            <a:endParaRPr lang="en-US"/>
-          </a:p>
-        </p:txBody>
-      </p:sp>
-      <p:sp>
-        <p:nvSpPr>
-          <p:cNvPr id="5" name="Footer Placeholder 4"/>
-          <p:cNvSpPr>
-            <a:spLocks noGrp="1"/>
-          </p:cNvSpPr>
-          <p:nvPr>
-            <p:ph type="ftr" sz="quarter" idx="11"/>
-          </p:nvPr>
-        </p:nvSpPr>
-        <p:spPr/>
-        <p:txBody>
-          <a:bodyPr/>
-          <a:lstStyle/>
-          <a:p>
-            <a:r>
-              <a:rPr lang="en-US" smtClean="0"/>
-              <a:t>© 2015 EV3Lessons.com, Last edit 4/9/2015</a:t>
-            </a:r>
-            <a:endParaRPr lang="en-US"/>
-          </a:p>
-        </p:txBody>
-      </p:sp>
-      <p:sp>
-        <p:nvSpPr>
-          <p:cNvPr id="6" name="Slide Number Placeholder 5"/>
-          <p:cNvSpPr>
-            <a:spLocks noGrp="1"/>
-          </p:cNvSpPr>
-          <p:nvPr>
-            <p:ph type="sldNum" sz="quarter" idx="12"/>
-          </p:nvPr>
-        </p:nvSpPr>
-        <p:spPr/>
-        <p:txBody>
-          <a:bodyPr/>
-          <a:lstStyle/>
-          <a:p>
-            <a:fld id="{7F5CE407-6216-4202-80E4-A30DC2F709B2}" type="slidenum">
-              <a:rPr lang="en-US" smtClean="0"/>
-              <a:pPr/>
-              <a:t>‹#›</a:t>
-            </a:fld>
-            <a:endParaRPr lang="en-US"/>
-          </a:p>
-        </p:txBody>
-      </p:sp>
-      <p:sp>
-        <p:nvSpPr>
-          <p:cNvPr id="8" name="Picture Placeholder 7"/>
-          <p:cNvSpPr>
-            <a:spLocks noGrp="1"/>
-          </p:cNvSpPr>
-          <p:nvPr>
-            <p:ph type="pic" sz="quarter" idx="13"/>
-          </p:nvPr>
-        </p:nvSpPr>
-        <p:spPr>
-          <a:xfrm>
-            <a:off x="284162" y="2017058"/>
-            <a:ext cx="8574087" cy="4377391"/>
+            <a:off x="0" y="5075171"/>
+            <a:ext cx="9143999" cy="1782829"/>
           </a:xfrm>
         </p:spPr>
         <p:txBody>
           <a:bodyPr/>
-          <a:lstStyle>
-            <a:lvl1pPr>
-              <a:buNone/>
-              <a:defRPr/>
-            </a:lvl1pPr>
-          </a:lstStyle>
-          <a:p>
-            <a:r>
-              <a:rPr lang="en-US" smtClean="0"/>
-              <a:t>Drag picture to placeholder or click icon to add</a:t>
-            </a:r>
-            <a:endParaRPr/>
-          </a:p>
-        </p:txBody>
-      </p:sp>
-      <p:sp>
-        <p:nvSpPr>
-          <p:cNvPr id="3" name="Subtitle 2"/>
-          <p:cNvSpPr>
-            <a:spLocks noGrp="1"/>
-          </p:cNvSpPr>
-          <p:nvPr>
-            <p:ph type="subTitle" idx="1"/>
-          </p:nvPr>
-        </p:nvSpPr>
-        <p:spPr>
-          <a:xfrm>
-            <a:off x="472420" y="1532965"/>
-            <a:ext cx="7754284" cy="484094"/>
-          </a:xfrm>
-        </p:spPr>
-        <p:txBody>
-          <a:bodyPr>
-            <a:normAutofit/>
-          </a:bodyPr>
-          <a:lstStyle>
-            <a:lvl1pPr marL="0" indent="0" algn="l">
-              <a:lnSpc>
-                <a:spcPct val="100000"/>
-              </a:lnSpc>
-              <a:spcBef>
-                <a:spcPts val="0"/>
-              </a:spcBef>
-              <a:buNone/>
-              <a:defRPr sz="1800">
-                <a:solidFill>
-                  <a:schemeClr val="bg1"/>
-                </a:solidFill>
-              </a:defRPr>
-            </a:lvl1pPr>
-            <a:lvl2pPr marL="457200" indent="0" algn="ctr">
-              <a:buNone/>
-              <a:defRPr>
-                <a:solidFill>
-                  <a:schemeClr val="tx1">
-                    <a:tint val="75000"/>
-                  </a:schemeClr>
-                </a:solidFill>
-              </a:defRPr>
-            </a:lvl2pPr>
-            <a:lvl3pPr marL="914400" indent="0" algn="ctr">
-              <a:buNone/>
-              <a:defRPr>
-                <a:solidFill>
-                  <a:schemeClr val="tx1">
-                    <a:tint val="75000"/>
-                  </a:schemeClr>
-                </a:solidFill>
-              </a:defRPr>
-            </a:lvl3pPr>
-            <a:lvl4pPr marL="1371600" indent="0" algn="ctr">
-              <a:buNone/>
-              <a:defRPr>
-                <a:solidFill>
-                  <a:schemeClr val="tx1">
-                    <a:tint val="75000"/>
-                  </a:schemeClr>
-                </a:solidFill>
-              </a:defRPr>
-            </a:lvl4pPr>
-            <a:lvl5pPr marL="1828800" indent="0" algn="ctr">
-              <a:buNone/>
-              <a:defRPr>
-                <a:solidFill>
-                  <a:schemeClr val="tx1">
-                    <a:tint val="75000"/>
-                  </a:schemeClr>
-                </a:solidFill>
-              </a:defRPr>
-            </a:lvl5pPr>
-            <a:lvl6pPr marL="2286000" indent="0" algn="ctr">
-              <a:buNone/>
-              <a:defRPr>
-                <a:solidFill>
-                  <a:schemeClr val="tx1">
-                    <a:tint val="75000"/>
-                  </a:schemeClr>
-                </a:solidFill>
-              </a:defRPr>
-            </a:lvl6pPr>
-            <a:lvl7pPr marL="2743200" indent="0" algn="ctr">
-              <a:buNone/>
-              <a:defRPr>
-                <a:solidFill>
-                  <a:schemeClr val="tx1">
-                    <a:tint val="75000"/>
-                  </a:schemeClr>
-                </a:solidFill>
-              </a:defRPr>
-            </a:lvl7pPr>
-            <a:lvl8pPr marL="3200400" indent="0" algn="ctr">
-              <a:buNone/>
-              <a:defRPr>
-                <a:solidFill>
-                  <a:schemeClr val="tx1">
-                    <a:tint val="75000"/>
-                  </a:schemeClr>
-                </a:solidFill>
-              </a:defRPr>
-            </a:lvl8pPr>
-            <a:lvl9pPr marL="3657600" indent="0" algn="ctr">
-              <a:buNone/>
-              <a:defRPr>
-                <a:solidFill>
-                  <a:schemeClr val="tx1">
-                    <a:tint val="75000"/>
-                  </a:schemeClr>
-                </a:solidFill>
-              </a:defRPr>
-            </a:lvl9pPr>
-          </a:lstStyle>
-          <a:p>
-            <a:r>
-              <a:rPr lang="en-US" smtClean="0"/>
-              <a:t>Click to edit Master subtitle style</a:t>
-            </a:r>
-            <a:endParaRPr dirty="0"/>
+          <a:lstStyle/>
+          <a:p>
+            <a:r>
+              <a:rPr lang="en-US" smtClean="0"/>
+              <a:t>Click to edit Master title style</a:t>
+            </a:r>
+            <a:endParaRPr lang="en-US"/>
           </a:p>
         </p:txBody>
       </p:sp>
       <p:grpSp>
         <p:nvGrpSpPr>
-          <p:cNvPr id="7" name="Group 16"/>
+          <p:cNvPr id="15" name="Group 14"/>
           <p:cNvGrpSpPr/>
           <p:nvPr/>
         </p:nvGrpSpPr>
         <p:grpSpPr>
           <a:xfrm>
-            <a:off x="284163" y="1906542"/>
-            <a:ext cx="8576373" cy="137411"/>
-            <a:chOff x="284163" y="1759424"/>
+            <a:off x="0" y="4937760"/>
+            <a:ext cx="9144000" cy="137411"/>
+            <a:chOff x="284163" y="1577847"/>
             <a:chExt cx="8576373" cy="137411"/>
           </a:xfrm>
         </p:grpSpPr>
         <p:sp>
           <p:nvSpPr>
-            <p:cNvPr id="11" name="Rectangle 10"/>
+            <p:cNvPr id="16" name="Rectangle 15"/>
             <p:cNvSpPr/>
             <p:nvPr/>
           </p:nvSpPr>
           <p:spPr>
             <a:xfrm>
-              <a:off x="284163" y="1759424"/>
-              <a:ext cx="2743200" cy="137411"/>
+              <a:off x="284163" y="1577847"/>
+              <a:ext cx="1600200" cy="137411"/>
             </a:xfrm>
             <a:prstGeom prst="rect">
               <a:avLst/>
@@ -5418,14 +1835,14 @@
         </p:sp>
         <p:sp>
           <p:nvSpPr>
-            <p:cNvPr id="12" name="Rectangle 11"/>
+            <p:cNvPr id="17" name="Rectangle 16"/>
             <p:cNvSpPr/>
             <p:nvPr/>
           </p:nvSpPr>
           <p:spPr>
             <a:xfrm>
-              <a:off x="3026392" y="1759424"/>
-              <a:ext cx="1600200" cy="137411"/>
+              <a:off x="1885174" y="1577847"/>
+              <a:ext cx="2743200" cy="137411"/>
             </a:xfrm>
             <a:prstGeom prst="rect">
               <a:avLst/>
@@ -5464,13 +1881,13 @@
         </p:sp>
         <p:sp>
           <p:nvSpPr>
-            <p:cNvPr id="13" name="Rectangle 12"/>
+            <p:cNvPr id="18" name="Rectangle 17"/>
             <p:cNvSpPr/>
             <p:nvPr/>
           </p:nvSpPr>
           <p:spPr>
             <a:xfrm>
-              <a:off x="4626864" y="1759424"/>
+              <a:off x="4626864" y="1577847"/>
               <a:ext cx="4233672" cy="137411"/>
             </a:xfrm>
             <a:prstGeom prst="rect">
@@ -5511,43 +1928,85 @@
       </p:grpSp>
       <p:sp>
         <p:nvSpPr>
-          <p:cNvPr id="2" name="Title 1"/>
-          <p:cNvSpPr>
-            <a:spLocks noGrp="1"/>
-          </p:cNvSpPr>
-          <p:nvPr>
-            <p:ph type="ctrTitle"/>
-          </p:nvPr>
-        </p:nvSpPr>
-        <p:spPr>
-          <a:xfrm>
-            <a:off x="418633" y="444728"/>
-            <a:ext cx="7810967" cy="1088237"/>
-          </a:xfrm>
-          <a:noFill/>
-        </p:spPr>
-        <p:txBody>
-          <a:bodyPr bIns="45720" anchor="b" anchorCtr="0">
-            <a:normAutofit/>
-          </a:bodyPr>
+          <p:cNvPr id="4" name="Date Placeholder 3"/>
+          <p:cNvSpPr>
+            <a:spLocks noGrp="1"/>
+          </p:cNvSpPr>
+          <p:nvPr>
+            <p:ph type="dt" sz="half" idx="10"/>
+          </p:nvPr>
+        </p:nvSpPr>
+        <p:spPr/>
+        <p:txBody>
+          <a:bodyPr/>
+          <a:lstStyle/>
+          <a:p>
+            <a:fld id="{5F458818-5C58-504C-96C2-18D4B9EBA580}" type="datetime1">
+              <a:rPr lang="en-US" smtClean="0"/>
+              <a:pPr/>
+              <a:t>2/11/17</a:t>
+            </a:fld>
+            <a:endParaRPr lang="en-US" dirty="0"/>
+          </a:p>
+        </p:txBody>
+      </p:sp>
+      <p:sp>
+        <p:nvSpPr>
+          <p:cNvPr id="5" name="Footer Placeholder 4"/>
+          <p:cNvSpPr>
+            <a:spLocks noGrp="1"/>
+          </p:cNvSpPr>
+          <p:nvPr>
+            <p:ph type="ftr" sz="quarter" idx="11"/>
+          </p:nvPr>
+        </p:nvSpPr>
+        <p:spPr/>
+        <p:txBody>
+          <a:bodyPr/>
+          <a:lstStyle/>
+          <a:p>
+            <a:r>
+              <a:rPr lang="en-US" smtClean="0"/>
+              <a:t>© 2015 EV3Lessons.com, Last edit 4/9/2015</a:t>
+            </a:r>
+            <a:endParaRPr lang="en-US" dirty="0"/>
+          </a:p>
+        </p:txBody>
+      </p:sp>
+      <p:sp>
+        <p:nvSpPr>
+          <p:cNvPr id="6" name="Slide Number Placeholder 5"/>
+          <p:cNvSpPr>
+            <a:spLocks noGrp="1"/>
+          </p:cNvSpPr>
+          <p:nvPr>
+            <p:ph type="sldNum" sz="quarter" idx="12"/>
+          </p:nvPr>
+        </p:nvSpPr>
+        <p:spPr/>
+        <p:txBody>
+          <a:bodyPr/>
           <a:lstStyle>
-            <a:lvl1pPr algn="l">
-              <a:lnSpc>
-                <a:spcPts val="4600"/>
-              </a:lnSpc>
-              <a:defRPr/>
+            <a:lvl1pPr>
+              <a:defRPr>
+                <a:solidFill>
+                  <a:schemeClr val="bg1"/>
+                </a:solidFill>
+              </a:defRPr>
             </a:lvl1pPr>
           </a:lstStyle>
           <a:p>
-            <a:r>
-              <a:rPr lang="en-US" smtClean="0"/>
-              <a:t>Click to edit Master title style</a:t>
-            </a:r>
-            <a:endParaRPr/>
+            <a:fld id="{4382A7F7-08BF-4252-8141-63FB96055BBB}" type="slidenum">
+              <a:rPr lang="en-US" smtClean="0"/>
+              <a:pPr/>
+              <a:t>‹#›</a:t>
+            </a:fld>
+            <a:endParaRPr lang="en-US"/>
           </a:p>
         </p:txBody>
       </p:sp>
     </p:spTree>
+    <p:extLst/>
   </p:cSld>
   <p:clrMapOvr>
     <a:masterClrMapping/>
@@ -5559,12 +2018,13 @@
       </p:par>
     </p:tnLst>
   </p:timing>
+  <p:hf hdr="0" dt="0"/>
 </p:sldLayout>
 </file>
 
 <file path=ppt/slideLayouts/slideLayout4.xml><?xml version="1.0" encoding="utf-8"?>
-<p:sldLayout xmlns:a="http://schemas.openxmlformats.org/drawingml/2006/main" xmlns:r="http://schemas.openxmlformats.org/officeDocument/2006/relationships" xmlns:p="http://schemas.openxmlformats.org/presentationml/2006/main" type="secHead" preserve="1">
-  <p:cSld name="Section Header">
+<p:sldLayout xmlns:a="http://schemas.openxmlformats.org/drawingml/2006/main" xmlns:r="http://schemas.openxmlformats.org/officeDocument/2006/relationships" xmlns:p="http://schemas.openxmlformats.org/presentationml/2006/main" preserve="1">
+  <p:cSld name="Two Content">
     <p:spTree>
       <p:nvGrpSpPr>
         <p:cNvPr id="1" name=""/>
@@ -5581,79 +2041,57 @@
       </p:grpSpPr>
       <p:sp>
         <p:nvSpPr>
-          <p:cNvPr id="8" name="Rectangle 7"/>
-          <p:cNvSpPr/>
-          <p:nvPr/>
-        </p:nvSpPr>
-        <p:spPr>
-          <a:xfrm>
-            <a:off x="284163" y="4801575"/>
-            <a:ext cx="8574087" cy="1468437"/>
-          </a:xfrm>
-          <a:prstGeom prst="rect">
-            <a:avLst/>
-          </a:prstGeom>
-          <a:solidFill>
-            <a:schemeClr val="tx1">
-              <a:lumMod val="85000"/>
-              <a:lumOff val="15000"/>
-              <a:alpha val="85000"/>
-            </a:schemeClr>
-          </a:solidFill>
-        </p:spPr>
-        <p:txBody>
-          <a:bodyPr vert="horz" lIns="91440" tIns="45720" rIns="182880" bIns="365760" rtlCol="0" anchor="b" anchorCtr="0">
-            <a:normAutofit/>
-          </a:bodyPr>
-          <a:lstStyle/>
-          <a:p>
-            <a:pPr algn="l" defTabSz="914400" rtl="0" eaLnBrk="1" latinLnBrk="0" hangingPunct="1">
-              <a:spcBef>
-                <a:spcPct val="0"/>
-              </a:spcBef>
-              <a:buNone/>
-            </a:pPr>
-            <a:endParaRPr sz="4200" kern="1200">
-              <a:solidFill>
-                <a:schemeClr val="bg1"/>
-              </a:solidFill>
-              <a:latin typeface="+mj-lt"/>
-              <a:ea typeface="+mj-ea"/>
-              <a:cs typeface="+mj-cs"/>
-            </a:endParaRPr>
+          <p:cNvPr id="6" name="Title 5"/>
+          <p:cNvSpPr>
+            <a:spLocks noGrp="1"/>
+          </p:cNvSpPr>
+          <p:nvPr>
+            <p:ph type="title"/>
+          </p:nvPr>
+        </p:nvSpPr>
+        <p:spPr/>
+        <p:txBody>
+          <a:bodyPr/>
+          <a:lstStyle/>
+          <a:p>
+            <a:r>
+              <a:rPr lang="en-US" smtClean="0"/>
+              <a:t>Click to edit Master title style</a:t>
+            </a:r>
+            <a:endParaRPr lang="en-US"/>
           </a:p>
         </p:txBody>
       </p:sp>
       <p:grpSp>
         <p:nvGrpSpPr>
-          <p:cNvPr id="9" name="Group 8"/>
+          <p:cNvPr id="17" name="Group 16"/>
           <p:cNvGrpSpPr/>
           <p:nvPr/>
         </p:nvGrpSpPr>
         <p:grpSpPr>
           <a:xfrm>
-            <a:off x="284163" y="6263389"/>
-            <a:ext cx="8576373" cy="137411"/>
-            <a:chOff x="284163" y="1759424"/>
+            <a:off x="0" y="1188720"/>
+            <a:ext cx="9144000" cy="137411"/>
+            <a:chOff x="284163" y="1577847"/>
             <a:chExt cx="8576373" cy="137411"/>
           </a:xfrm>
         </p:grpSpPr>
         <p:sp>
           <p:nvSpPr>
-            <p:cNvPr id="10" name="Rectangle 9"/>
+            <p:cNvPr id="18" name="Rectangle 17"/>
             <p:cNvSpPr/>
             <p:nvPr/>
           </p:nvSpPr>
           <p:spPr>
             <a:xfrm>
-              <a:off x="284163" y="1759424"/>
-              <a:ext cx="2743200" cy="137411"/>
+              <a:off x="284163" y="1577847"/>
+              <a:ext cx="1600200" cy="137411"/>
             </a:xfrm>
             <a:prstGeom prst="rect">
               <a:avLst/>
             </a:prstGeom>
             <a:solidFill>
-              <a:schemeClr val="accent1"/>
+              <a:srgbClr val="7030A0"/>
             </a:solidFill>
             <a:ln>
               <a:noFill/>
@@ -5686,20 +2124,20 @@
         </p:sp>
         <p:sp>
           <p:nvSpPr>
-            <p:cNvPr id="11" name="Rectangle 10"/>
+            <p:cNvPr id="19" name="Rectangle 18"/>
             <p:cNvSpPr/>
             <p:nvPr/>
           </p:nvSpPr>
           <p:spPr>
             <a:xfrm>
-              <a:off x="3026392" y="1759424"/>
-              <a:ext cx="1600200" cy="137411"/>
+              <a:off x="1885174" y="1577847"/>
+              <a:ext cx="2743200" cy="137411"/>
             </a:xfrm>
             <a:prstGeom prst="rect">
               <a:avLst/>
             </a:prstGeom>
             <a:solidFill>
-              <a:schemeClr val="accent2"/>
+              <a:srgbClr val="00B050"/>
             </a:solidFill>
             <a:ln>
               <a:noFill/>
@@ -5732,20 +2170,20 @@
         </p:sp>
         <p:sp>
           <p:nvSpPr>
-            <p:cNvPr id="12" name="Rectangle 11"/>
+            <p:cNvPr id="20" name="Rectangle 19"/>
             <p:cNvSpPr/>
             <p:nvPr/>
           </p:nvSpPr>
           <p:spPr>
             <a:xfrm>
-              <a:off x="4626864" y="1759424"/>
+              <a:off x="4626864" y="1577847"/>
               <a:ext cx="4233672" cy="137411"/>
             </a:xfrm>
             <a:prstGeom prst="rect">
               <a:avLst/>
             </a:prstGeom>
             <a:solidFill>
-              <a:schemeClr val="accent4"/>
+              <a:srgbClr val="0070C0"/>
             </a:solidFill>
             <a:ln>
               <a:noFill/>
@@ -5779,298 +2217,366 @@
       </p:grpSp>
       <p:sp>
         <p:nvSpPr>
-          <p:cNvPr id="13" name="TextBox 12"/>
-          <p:cNvSpPr txBox="1"/>
-          <p:nvPr/>
+          <p:cNvPr id="3" name="Content Placeholder 2"/>
+          <p:cNvSpPr>
+            <a:spLocks noGrp="1"/>
+          </p:cNvSpPr>
+          <p:nvPr>
+            <p:ph sz="half" idx="1"/>
+          </p:nvPr>
         </p:nvSpPr>
         <p:spPr>
           <a:xfrm>
-            <a:off x="8230889" y="4801575"/>
-            <a:ext cx="587020" cy="646331"/>
+            <a:off x="403412" y="2151063"/>
+            <a:ext cx="3931920" cy="3975100"/>
+          </a:xfrm>
+        </p:spPr>
+        <p:txBody>
+          <a:bodyPr>
+            <a:normAutofit/>
+          </a:bodyPr>
+          <a:lstStyle>
+            <a:lvl1pPr>
+              <a:defRPr sz="2200"/>
+            </a:lvl1pPr>
+            <a:lvl2pPr>
+              <a:defRPr sz="2000"/>
+            </a:lvl2pPr>
+            <a:lvl3pPr>
+              <a:defRPr sz="1800"/>
+            </a:lvl3pPr>
+            <a:lvl4pPr>
+              <a:defRPr sz="1800"/>
+            </a:lvl4pPr>
+            <a:lvl5pPr>
+              <a:defRPr sz="1800"/>
+            </a:lvl5pPr>
+            <a:lvl6pPr>
+              <a:defRPr sz="1800"/>
+            </a:lvl6pPr>
+            <a:lvl7pPr>
+              <a:defRPr sz="1800"/>
+            </a:lvl7pPr>
+            <a:lvl8pPr>
+              <a:defRPr sz="1800"/>
+            </a:lvl8pPr>
+            <a:lvl9pPr>
+              <a:defRPr sz="1800"/>
+            </a:lvl9pPr>
+          </a:lstStyle>
+          <a:p>
+            <a:pPr lvl="0"/>
+            <a:r>
+              <a:rPr lang="en-US" smtClean="0"/>
+              <a:t>Click to edit Master text styles</a:t>
+            </a:r>
+          </a:p>
+          <a:p>
+            <a:pPr lvl="1"/>
+            <a:r>
+              <a:rPr lang="en-US" smtClean="0"/>
+              <a:t>Second level</a:t>
+            </a:r>
+          </a:p>
+          <a:p>
+            <a:pPr lvl="2"/>
+            <a:r>
+              <a:rPr lang="en-US" smtClean="0"/>
+              <a:t>Third level</a:t>
+            </a:r>
+          </a:p>
+          <a:p>
+            <a:pPr lvl="3"/>
+            <a:r>
+              <a:rPr lang="en-US" smtClean="0"/>
+              <a:t>Fourth level</a:t>
+            </a:r>
+          </a:p>
+          <a:p>
+            <a:pPr lvl="4"/>
+            <a:r>
+              <a:rPr lang="en-US" smtClean="0"/>
+              <a:t>Fifth level</a:t>
+            </a:r>
+            <a:endParaRPr dirty="0"/>
+          </a:p>
+        </p:txBody>
+      </p:sp>
+      <p:sp>
+        <p:nvSpPr>
+          <p:cNvPr id="4" name="Content Placeholder 3"/>
+          <p:cNvSpPr>
+            <a:spLocks noGrp="1"/>
+          </p:cNvSpPr>
+          <p:nvPr>
+            <p:ph sz="half" idx="2"/>
+          </p:nvPr>
+        </p:nvSpPr>
+        <p:spPr>
+          <a:xfrm>
+            <a:off x="4778188" y="2151063"/>
+            <a:ext cx="3931920" cy="3975100"/>
+          </a:xfrm>
+        </p:spPr>
+        <p:txBody>
+          <a:bodyPr>
+            <a:normAutofit/>
+          </a:bodyPr>
+          <a:lstStyle>
+            <a:lvl1pPr>
+              <a:defRPr sz="2200"/>
+            </a:lvl1pPr>
+            <a:lvl2pPr>
+              <a:defRPr sz="2000"/>
+            </a:lvl2pPr>
+            <a:lvl3pPr>
+              <a:defRPr sz="1800"/>
+            </a:lvl3pPr>
+            <a:lvl4pPr>
+              <a:defRPr sz="1800"/>
+            </a:lvl4pPr>
+            <a:lvl5pPr>
+              <a:defRPr sz="1800"/>
+            </a:lvl5pPr>
+            <a:lvl6pPr>
+              <a:defRPr sz="1800"/>
+            </a:lvl6pPr>
+            <a:lvl7pPr>
+              <a:defRPr sz="1800"/>
+            </a:lvl7pPr>
+            <a:lvl8pPr>
+              <a:defRPr sz="1800"/>
+            </a:lvl8pPr>
+            <a:lvl9pPr>
+              <a:defRPr sz="1800"/>
+            </a:lvl9pPr>
+          </a:lstStyle>
+          <a:p>
+            <a:pPr lvl="0"/>
+            <a:r>
+              <a:rPr lang="en-US" smtClean="0"/>
+              <a:t>Click to edit Master text styles</a:t>
+            </a:r>
+          </a:p>
+          <a:p>
+            <a:pPr lvl="1"/>
+            <a:r>
+              <a:rPr lang="en-US" smtClean="0"/>
+              <a:t>Second level</a:t>
+            </a:r>
+          </a:p>
+          <a:p>
+            <a:pPr lvl="2"/>
+            <a:r>
+              <a:rPr lang="en-US" smtClean="0"/>
+              <a:t>Third level</a:t>
+            </a:r>
+          </a:p>
+          <a:p>
+            <a:pPr lvl="3"/>
+            <a:r>
+              <a:rPr lang="en-US" smtClean="0"/>
+              <a:t>Fourth level</a:t>
+            </a:r>
+          </a:p>
+          <a:p>
+            <a:pPr lvl="4"/>
+            <a:r>
+              <a:rPr lang="en-US" smtClean="0"/>
+              <a:t>Fifth level</a:t>
+            </a:r>
+            <a:endParaRPr dirty="0"/>
+          </a:p>
+        </p:txBody>
+      </p:sp>
+      <p:sp>
+        <p:nvSpPr>
+          <p:cNvPr id="5" name="Date Placeholder 4"/>
+          <p:cNvSpPr>
+            <a:spLocks noGrp="1"/>
+          </p:cNvSpPr>
+          <p:nvPr>
+            <p:ph type="dt" sz="half" idx="10"/>
+          </p:nvPr>
+        </p:nvSpPr>
+        <p:spPr/>
+        <p:txBody>
+          <a:bodyPr/>
+          <a:lstStyle/>
+          <a:p>
+            <a:fld id="{659959B3-57F9-7548-8139-6ECD6B121118}" type="datetime1">
+              <a:rPr lang="en-US" smtClean="0"/>
+              <a:pPr/>
+              <a:t>2/11/17</a:t>
+            </a:fld>
+            <a:endParaRPr lang="en-US"/>
+          </a:p>
+        </p:txBody>
+      </p:sp>
+      <p:sp>
+        <p:nvSpPr>
+          <p:cNvPr id="7" name="Slide Number Placeholder 6"/>
+          <p:cNvSpPr>
+            <a:spLocks noGrp="1"/>
+          </p:cNvSpPr>
+          <p:nvPr>
+            <p:ph type="sldNum" sz="quarter" idx="12"/>
+          </p:nvPr>
+        </p:nvSpPr>
+        <p:spPr/>
+        <p:txBody>
+          <a:bodyPr/>
+          <a:lstStyle/>
+          <a:p>
+            <a:fld id="{4382A7F7-08BF-4252-8141-63FB96055BBB}" type="slidenum">
+              <a:rPr lang="en-US" smtClean="0"/>
+              <a:pPr/>
+              <a:t>‹#›</a:t>
+            </a:fld>
+            <a:endParaRPr lang="en-US"/>
+          </a:p>
+        </p:txBody>
+      </p:sp>
+      <p:sp>
+        <p:nvSpPr>
+          <p:cNvPr id="11" name="Rectangle 10"/>
+          <p:cNvSpPr/>
+          <p:nvPr/>
+        </p:nvSpPr>
+        <p:spPr>
+          <a:xfrm>
+            <a:off x="284163" y="1577847"/>
+            <a:ext cx="1600200" cy="137411"/>
           </a:xfrm>
           <a:prstGeom prst="rect">
             <a:avLst/>
           </a:prstGeom>
-          <a:noFill/>
+          <a:solidFill>
+            <a:srgbClr val="7030A0"/>
+          </a:solidFill>
+          <a:ln>
+            <a:noFill/>
+          </a:ln>
         </p:spPr>
-        <p:txBody>
-          <a:bodyPr wrap="none" rtlCol="0">
-            <a:spAutoFit/>
-          </a:bodyPr>
-          <a:lstStyle/>
-          <a:p>
-            <a:r>
-              <a:rPr sz="3600">
-                <a:solidFill>
-                  <a:schemeClr val="bg1"/>
-                </a:solidFill>
-                <a:sym typeface="Wingdings"/>
-              </a:rPr>
-              <a:t></a:t>
-            </a:r>
-            <a:endParaRPr sz="3600">
-              <a:solidFill>
-                <a:schemeClr val="bg1"/>
-              </a:solidFill>
-            </a:endParaRPr>
-          </a:p>
-        </p:txBody>
-      </p:sp>
-      <p:sp>
-        <p:nvSpPr>
-          <p:cNvPr id="2" name="Title 1"/>
-          <p:cNvSpPr>
-            <a:spLocks noGrp="1"/>
-          </p:cNvSpPr>
-          <p:nvPr>
-            <p:ph type="title"/>
-          </p:nvPr>
+        <p:style>
+          <a:lnRef idx="2">
+            <a:schemeClr val="accent1">
+              <a:shade val="50000"/>
+            </a:schemeClr>
+          </a:lnRef>
+          <a:fillRef idx="1">
+            <a:schemeClr val="accent1"/>
+          </a:fillRef>
+          <a:effectRef idx="0">
+            <a:schemeClr val="accent1"/>
+          </a:effectRef>
+          <a:fontRef idx="minor">
+            <a:schemeClr val="lt1"/>
+          </a:fontRef>
+        </p:style>
+        <p:txBody>
+          <a:bodyPr rtlCol="0" anchor="ctr"/>
+          <a:lstStyle/>
+          <a:p>
+            <a:pPr algn="ctr"/>
+            <a:endParaRPr/>
+          </a:p>
+        </p:txBody>
+      </p:sp>
+      <p:sp>
+        <p:nvSpPr>
+          <p:cNvPr id="12" name="Rectangle 11"/>
+          <p:cNvSpPr/>
+          <p:nvPr/>
         </p:nvSpPr>
         <p:spPr>
           <a:xfrm>
-            <a:off x="429768" y="4814125"/>
-            <a:ext cx="7772400" cy="1051560"/>
+            <a:off x="1885174" y="1577847"/>
+            <a:ext cx="2743200" cy="137411"/>
           </a:xfrm>
-          <a:noFill/>
+          <a:prstGeom prst="rect">
+            <a:avLst/>
+          </a:prstGeom>
+          <a:solidFill>
+            <a:srgbClr val="00B050"/>
+          </a:solidFill>
+          <a:ln>
+            <a:noFill/>
+          </a:ln>
         </p:spPr>
-        <p:txBody>
-          <a:bodyPr vert="horz" lIns="91440" tIns="45720" rIns="91440" bIns="45720" rtlCol="0" anchor="b" anchorCtr="0">
-            <a:normAutofit/>
-          </a:bodyPr>
-          <a:lstStyle>
-            <a:lvl1pPr algn="l" defTabSz="914400" rtl="0" eaLnBrk="1" latinLnBrk="0" hangingPunct="1">
-              <a:spcBef>
-                <a:spcPct val="0"/>
-              </a:spcBef>
-              <a:buNone/>
-              <a:defRPr sz="4200" b="0" i="0" kern="1200" cap="none" baseline="0">
-                <a:solidFill>
-                  <a:schemeClr val="bg1"/>
-                </a:solidFill>
-                <a:latin typeface="+mj-lt"/>
-                <a:ea typeface="+mj-ea"/>
-                <a:cs typeface="+mj-cs"/>
-              </a:defRPr>
-            </a:lvl1pPr>
-          </a:lstStyle>
-          <a:p>
-            <a:r>
-              <a:rPr lang="en-US" smtClean="0"/>
-              <a:t>Click to edit Master title style</a:t>
-            </a:r>
+        <p:style>
+          <a:lnRef idx="2">
+            <a:schemeClr val="accent1">
+              <a:shade val="50000"/>
+            </a:schemeClr>
+          </a:lnRef>
+          <a:fillRef idx="1">
+            <a:schemeClr val="accent1"/>
+          </a:fillRef>
+          <a:effectRef idx="0">
+            <a:schemeClr val="accent1"/>
+          </a:effectRef>
+          <a:fontRef idx="minor">
+            <a:schemeClr val="lt1"/>
+          </a:fontRef>
+        </p:style>
+        <p:txBody>
+          <a:bodyPr rtlCol="0" anchor="ctr"/>
+          <a:lstStyle/>
+          <a:p>
+            <a:pPr algn="ctr"/>
             <a:endParaRPr/>
           </a:p>
         </p:txBody>
       </p:sp>
       <p:sp>
         <p:nvSpPr>
-          <p:cNvPr id="3" name="Text Placeholder 2"/>
-          <p:cNvSpPr>
-            <a:spLocks noGrp="1"/>
-          </p:cNvSpPr>
-          <p:nvPr>
-            <p:ph type="body" idx="1"/>
-          </p:nvPr>
+          <p:cNvPr id="13" name="Rectangle 12"/>
+          <p:cNvSpPr/>
+          <p:nvPr/>
         </p:nvSpPr>
         <p:spPr>
           <a:xfrm>
-            <a:off x="475488" y="5861304"/>
-            <a:ext cx="7735824" cy="402336"/>
+            <a:off x="4626864" y="1577847"/>
+            <a:ext cx="4233672" cy="137411"/>
           </a:xfrm>
+          <a:prstGeom prst="rect">
+            <a:avLst/>
+          </a:prstGeom>
+          <a:solidFill>
+            <a:srgbClr val="0070C0"/>
+          </a:solidFill>
+          <a:ln>
+            <a:noFill/>
+          </a:ln>
         </p:spPr>
-        <p:txBody>
-          <a:bodyPr vert="horz" lIns="91440" tIns="45720" rIns="91440" bIns="45720" rtlCol="0" anchor="t" anchorCtr="0">
-            <a:normAutofit/>
-          </a:bodyPr>
-          <a:lstStyle>
-            <a:lvl1pPr marL="0" indent="0">
-              <a:spcBef>
-                <a:spcPts val="0"/>
-              </a:spcBef>
-              <a:buNone/>
-              <a:defRPr sz="1800" kern="1200">
-                <a:solidFill>
-                  <a:schemeClr val="bg1"/>
-                </a:solidFill>
-                <a:latin typeface="+mn-lt"/>
-                <a:ea typeface="+mn-ea"/>
-                <a:cs typeface="+mn-cs"/>
-              </a:defRPr>
-            </a:lvl1pPr>
-            <a:lvl2pPr marL="457200" indent="0">
-              <a:buNone/>
-              <a:defRPr sz="1800">
-                <a:solidFill>
-                  <a:schemeClr val="tx1">
-                    <a:tint val="75000"/>
-                  </a:schemeClr>
-                </a:solidFill>
-              </a:defRPr>
-            </a:lvl2pPr>
-            <a:lvl3pPr marL="914400" indent="0">
-              <a:buNone/>
-              <a:defRPr sz="1600">
-                <a:solidFill>
-                  <a:schemeClr val="tx1">
-                    <a:tint val="75000"/>
-                  </a:schemeClr>
-                </a:solidFill>
-              </a:defRPr>
-            </a:lvl3pPr>
-            <a:lvl4pPr marL="1371600" indent="0">
-              <a:buNone/>
-              <a:defRPr sz="1400">
-                <a:solidFill>
-                  <a:schemeClr val="tx1">
-                    <a:tint val="75000"/>
-                  </a:schemeClr>
-                </a:solidFill>
-              </a:defRPr>
-            </a:lvl4pPr>
-            <a:lvl5pPr marL="1828800" indent="0">
-              <a:buNone/>
-              <a:defRPr sz="1400">
-                <a:solidFill>
-                  <a:schemeClr val="tx1">
-                    <a:tint val="75000"/>
-                  </a:schemeClr>
-                </a:solidFill>
-              </a:defRPr>
-            </a:lvl5pPr>
-            <a:lvl6pPr marL="2286000" indent="0">
-              <a:buNone/>
-              <a:defRPr sz="1400">
-                <a:solidFill>
-                  <a:schemeClr val="tx1">
-                    <a:tint val="75000"/>
-                  </a:schemeClr>
-                </a:solidFill>
-              </a:defRPr>
-            </a:lvl6pPr>
-            <a:lvl7pPr marL="2743200" indent="0">
-              <a:buNone/>
-              <a:defRPr sz="1400">
-                <a:solidFill>
-                  <a:schemeClr val="tx1">
-                    <a:tint val="75000"/>
-                  </a:schemeClr>
-                </a:solidFill>
-              </a:defRPr>
-            </a:lvl7pPr>
-            <a:lvl8pPr marL="3200400" indent="0">
-              <a:buNone/>
-              <a:defRPr sz="1400">
-                <a:solidFill>
-                  <a:schemeClr val="tx1">
-                    <a:tint val="75000"/>
-                  </a:schemeClr>
-                </a:solidFill>
-              </a:defRPr>
-            </a:lvl8pPr>
-            <a:lvl9pPr marL="3657600" indent="0">
-              <a:buNone/>
-              <a:defRPr sz="1400">
-                <a:solidFill>
-                  <a:schemeClr val="tx1">
-                    <a:tint val="75000"/>
-                  </a:schemeClr>
-                </a:solidFill>
-              </a:defRPr>
-            </a:lvl9pPr>
-          </a:lstStyle>
-          <a:p>
-            <a:pPr marL="0" lvl="0" indent="0" algn="l" defTabSz="914400" rtl="0" eaLnBrk="1" latinLnBrk="0" hangingPunct="1">
-              <a:spcBef>
-                <a:spcPts val="2000"/>
-              </a:spcBef>
-              <a:buClr>
-                <a:schemeClr val="bg1">
-                  <a:lumMod val="65000"/>
-                </a:schemeClr>
-              </a:buClr>
-              <a:buSzPct val="90000"/>
-              <a:buFont typeface="Wingdings" pitchFamily="2" charset="2"/>
-              <a:buNone/>
-            </a:pPr>
-            <a:r>
-              <a:rPr lang="en-US" smtClean="0"/>
-              <a:t>Click to edit Master text styles</a:t>
-            </a:r>
-          </a:p>
-        </p:txBody>
-      </p:sp>
-      <p:sp>
-        <p:nvSpPr>
-          <p:cNvPr id="4" name="Date Placeholder 3"/>
-          <p:cNvSpPr>
-            <a:spLocks noGrp="1"/>
-          </p:cNvSpPr>
-          <p:nvPr>
-            <p:ph type="dt" sz="half" idx="10"/>
-          </p:nvPr>
-        </p:nvSpPr>
-        <p:spPr/>
-        <p:txBody>
-          <a:bodyPr/>
-          <a:lstStyle/>
-          <a:p>
-            <a:fld id="{6A6C4F02-B784-8148-B77E-41CDBD329E20}" type="datetime1">
-              <a:rPr lang="en-US" smtClean="0"/>
-              <a:pPr/>
-              <a:t>6/1/2015</a:t>
-            </a:fld>
-            <a:endParaRPr lang="en-US"/>
-          </a:p>
-        </p:txBody>
-      </p:sp>
-      <p:sp>
-        <p:nvSpPr>
-          <p:cNvPr id="5" name="Footer Placeholder 4"/>
-          <p:cNvSpPr>
-            <a:spLocks noGrp="1"/>
-          </p:cNvSpPr>
-          <p:nvPr>
-            <p:ph type="ftr" sz="quarter" idx="11"/>
-          </p:nvPr>
-        </p:nvSpPr>
-        <p:spPr/>
-        <p:txBody>
-          <a:bodyPr/>
-          <a:lstStyle/>
-          <a:p>
-            <a:r>
-              <a:rPr lang="en-US" smtClean="0"/>
-              <a:t>© 2015 EV3Lessons.com, Last edit 4/9/2015</a:t>
-            </a:r>
-            <a:endParaRPr lang="en-US"/>
-          </a:p>
-        </p:txBody>
-      </p:sp>
-      <p:sp>
-        <p:nvSpPr>
-          <p:cNvPr id="6" name="Slide Number Placeholder 5"/>
-          <p:cNvSpPr>
-            <a:spLocks noGrp="1"/>
-          </p:cNvSpPr>
-          <p:nvPr>
-            <p:ph type="sldNum" sz="quarter" idx="12"/>
-          </p:nvPr>
-        </p:nvSpPr>
-        <p:spPr/>
-        <p:txBody>
-          <a:bodyPr/>
-          <a:lstStyle/>
-          <a:p>
-            <a:fld id="{162F1D00-BD13-4404-86B0-79703945A0A7}" type="slidenum">
-              <a:rPr lang="en-US" smtClean="0"/>
-              <a:pPr/>
-              <a:t>‹#›</a:t>
-            </a:fld>
-            <a:endParaRPr lang="en-US"/>
+        <p:style>
+          <a:lnRef idx="2">
+            <a:schemeClr val="accent1">
+              <a:shade val="50000"/>
+            </a:schemeClr>
+          </a:lnRef>
+          <a:fillRef idx="1">
+            <a:schemeClr val="accent1"/>
+          </a:fillRef>
+          <a:effectRef idx="0">
+            <a:schemeClr val="accent1"/>
+          </a:effectRef>
+          <a:fontRef idx="minor">
+            <a:schemeClr val="lt1"/>
+          </a:fontRef>
+        </p:style>
+        <p:txBody>
+          <a:bodyPr rtlCol="0" anchor="ctr"/>
+          <a:lstStyle/>
+          <a:p>
+            <a:pPr algn="ctr"/>
+            <a:endParaRPr/>
           </a:p>
         </p:txBody>
       </p:sp>
     </p:spTree>
+    <p:extLst/>
   </p:cSld>
   <p:clrMapOvr>
     <a:masterClrMapping/>
@@ -6087,7 +2593,7 @@
 
 <file path=ppt/slideLayouts/slideLayout5.xml><?xml version="1.0" encoding="utf-8"?>
 <p:sldLayout xmlns:a="http://schemas.openxmlformats.org/drawingml/2006/main" xmlns:r="http://schemas.openxmlformats.org/officeDocument/2006/relationships" xmlns:p="http://schemas.openxmlformats.org/presentationml/2006/main" preserve="1">
-  <p:cSld name="Section with Picture">
+  <p:cSld name="Comparison">
     <p:spTree>
       <p:nvGrpSpPr>
         <p:cNvPr id="1" name=""/>
@@ -6104,160 +2610,57 @@
       </p:grpSpPr>
       <p:sp>
         <p:nvSpPr>
-          <p:cNvPr id="13" name="Picture Placeholder 7"/>
-          <p:cNvSpPr>
-            <a:spLocks noGrp="1"/>
-          </p:cNvSpPr>
-          <p:nvPr>
-            <p:ph type="pic" sz="quarter" idx="13"/>
-          </p:nvPr>
-        </p:nvSpPr>
-        <p:spPr>
-          <a:xfrm>
-            <a:off x="284162" y="443754"/>
-            <a:ext cx="8574087" cy="4370293"/>
-          </a:xfrm>
-        </p:spPr>
+          <p:cNvPr id="11" name="Title 10"/>
+          <p:cNvSpPr>
+            <a:spLocks noGrp="1"/>
+          </p:cNvSpPr>
+          <p:nvPr>
+            <p:ph type="title"/>
+          </p:nvPr>
+        </p:nvSpPr>
+        <p:spPr/>
         <p:txBody>
           <a:bodyPr/>
-          <a:lstStyle>
-            <a:lvl1pPr>
-              <a:buNone/>
-              <a:defRPr/>
-            </a:lvl1pPr>
-          </a:lstStyle>
-          <a:p>
-            <a:r>
-              <a:rPr lang="en-US" smtClean="0"/>
-              <a:t>Drag picture to placeholder or click icon to add</a:t>
-            </a:r>
-            <a:endParaRPr/>
-          </a:p>
-        </p:txBody>
-      </p:sp>
-      <p:sp>
-        <p:nvSpPr>
-          <p:cNvPr id="4" name="Date Placeholder 3"/>
-          <p:cNvSpPr>
-            <a:spLocks noGrp="1"/>
-          </p:cNvSpPr>
-          <p:nvPr>
-            <p:ph type="dt" sz="half" idx="10"/>
-          </p:nvPr>
-        </p:nvSpPr>
-        <p:spPr/>
-        <p:txBody>
-          <a:bodyPr/>
-          <a:lstStyle/>
-          <a:p>
-            <a:fld id="{F594D733-C8B9-5D44-92F8-4144A81CD44F}" type="datetime1">
-              <a:rPr lang="en-US" smtClean="0"/>
-              <a:pPr/>
-              <a:t>6/1/2015</a:t>
-            </a:fld>
-            <a:endParaRPr lang="en-US" dirty="0"/>
-          </a:p>
-        </p:txBody>
-      </p:sp>
-      <p:sp>
-        <p:nvSpPr>
-          <p:cNvPr id="6" name="Slide Number Placeholder 5"/>
-          <p:cNvSpPr>
-            <a:spLocks noGrp="1"/>
-          </p:cNvSpPr>
-          <p:nvPr>
-            <p:ph type="sldNum" sz="quarter" idx="12"/>
-          </p:nvPr>
-        </p:nvSpPr>
-        <p:spPr/>
-        <p:txBody>
-          <a:bodyPr/>
-          <a:lstStyle/>
-          <a:p>
-            <a:fld id="{4382A7F7-08BF-4252-8141-63FB96055BBB}" type="slidenum">
-              <a:rPr lang="en-US" smtClean="0"/>
-              <a:pPr/>
-              <a:t>‹#›</a:t>
-            </a:fld>
+          <a:lstStyle/>
+          <a:p>
+            <a:r>
+              <a:rPr lang="en-US" smtClean="0"/>
+              <a:t>Click to edit Master title style</a:t>
+            </a:r>
             <a:endParaRPr lang="en-US"/>
-          </a:p>
-        </p:txBody>
-      </p:sp>
-      <p:sp>
-        <p:nvSpPr>
-          <p:cNvPr id="7" name="Rectangle 6"/>
-          <p:cNvSpPr/>
-          <p:nvPr/>
-        </p:nvSpPr>
-        <p:spPr>
-          <a:xfrm>
-            <a:off x="284163" y="4801575"/>
-            <a:ext cx="8574087" cy="1468437"/>
-          </a:xfrm>
-          <a:prstGeom prst="rect">
-            <a:avLst/>
-          </a:prstGeom>
-          <a:solidFill>
-            <a:schemeClr val="tx1">
-              <a:lumMod val="85000"/>
-              <a:lumOff val="15000"/>
-              <a:alpha val="85000"/>
-            </a:schemeClr>
-          </a:solidFill>
-        </p:spPr>
-        <p:txBody>
-          <a:bodyPr vert="horz" lIns="91440" tIns="45720" rIns="182880" bIns="365760" rtlCol="0" anchor="b" anchorCtr="0">
-            <a:normAutofit/>
-          </a:bodyPr>
-          <a:lstStyle/>
-          <a:p>
-            <a:pPr algn="l" defTabSz="914400" rtl="0" eaLnBrk="1" latinLnBrk="0" hangingPunct="1">
-              <a:spcBef>
-                <a:spcPct val="0"/>
-              </a:spcBef>
-              <a:buNone/>
-            </a:pPr>
-            <a:endParaRPr sz="4200" kern="1200">
-              <a:solidFill>
-                <a:schemeClr val="bg1"/>
-              </a:solidFill>
-              <a:latin typeface="+mj-lt"/>
-              <a:ea typeface="+mj-ea"/>
-              <a:cs typeface="+mj-cs"/>
-            </a:endParaRPr>
           </a:p>
         </p:txBody>
       </p:sp>
       <p:grpSp>
         <p:nvGrpSpPr>
-          <p:cNvPr id="8" name="Group 7"/>
+          <p:cNvPr id="20" name="Group 19"/>
           <p:cNvGrpSpPr/>
           <p:nvPr/>
         </p:nvGrpSpPr>
         <p:grpSpPr>
           <a:xfrm>
-            <a:off x="284163" y="6263389"/>
-            <a:ext cx="8576373" cy="137411"/>
-            <a:chOff x="284163" y="1759424"/>
+            <a:off x="0" y="1188720"/>
+            <a:ext cx="9144000" cy="137411"/>
+            <a:chOff x="284163" y="1577847"/>
             <a:chExt cx="8576373" cy="137411"/>
           </a:xfrm>
         </p:grpSpPr>
         <p:sp>
           <p:nvSpPr>
-            <p:cNvPr id="9" name="Rectangle 8"/>
+            <p:cNvPr id="21" name="Rectangle 20"/>
             <p:cNvSpPr/>
             <p:nvPr/>
           </p:nvSpPr>
           <p:spPr>
             <a:xfrm>
-              <a:off x="284163" y="1759424"/>
-              <a:ext cx="2743200" cy="137411"/>
+              <a:off x="284163" y="1577847"/>
+              <a:ext cx="1600200" cy="137411"/>
             </a:xfrm>
             <a:prstGeom prst="rect">
               <a:avLst/>
             </a:prstGeom>
             <a:solidFill>
-              <a:schemeClr val="accent1"/>
+              <a:srgbClr val="7030A0"/>
             </a:solidFill>
             <a:ln>
               <a:noFill/>
@@ -6290,20 +2693,20 @@
         </p:sp>
         <p:sp>
           <p:nvSpPr>
-            <p:cNvPr id="10" name="Rectangle 9"/>
+            <p:cNvPr id="22" name="Rectangle 21"/>
             <p:cNvSpPr/>
             <p:nvPr/>
           </p:nvSpPr>
           <p:spPr>
             <a:xfrm>
-              <a:off x="3026392" y="1759424"/>
-              <a:ext cx="1600200" cy="137411"/>
+              <a:off x="1885174" y="1577847"/>
+              <a:ext cx="2743200" cy="137411"/>
             </a:xfrm>
             <a:prstGeom prst="rect">
               <a:avLst/>
             </a:prstGeom>
             <a:solidFill>
-              <a:schemeClr val="accent2"/>
+              <a:srgbClr val="00B050"/>
             </a:solidFill>
             <a:ln>
               <a:noFill/>
@@ -6336,20 +2739,20 @@
         </p:sp>
         <p:sp>
           <p:nvSpPr>
-            <p:cNvPr id="11" name="Rectangle 10"/>
+            <p:cNvPr id="23" name="Rectangle 22"/>
             <p:cNvSpPr/>
             <p:nvPr/>
           </p:nvSpPr>
           <p:spPr>
             <a:xfrm>
-              <a:off x="4626864" y="1759424"/>
+              <a:off x="4626864" y="1577847"/>
               <a:ext cx="4233672" cy="137411"/>
             </a:xfrm>
             <a:prstGeom prst="rect">
               <a:avLst/>
             </a:prstGeom>
             <a:solidFill>
-              <a:schemeClr val="accent4"/>
+              <a:srgbClr val="0070C0"/>
             </a:solidFill>
             <a:ln>
               <a:noFill/>
@@ -6381,944 +2784,6 @@
           </p:txBody>
         </p:sp>
       </p:grpSp>
-      <p:sp>
-        <p:nvSpPr>
-          <p:cNvPr id="12" name="TextBox 11"/>
-          <p:cNvSpPr txBox="1"/>
-          <p:nvPr/>
-        </p:nvSpPr>
-        <p:spPr>
-          <a:xfrm>
-            <a:off x="8230889" y="4801575"/>
-            <a:ext cx="587020" cy="646331"/>
-          </a:xfrm>
-          <a:prstGeom prst="rect">
-            <a:avLst/>
-          </a:prstGeom>
-          <a:noFill/>
-        </p:spPr>
-        <p:txBody>
-          <a:bodyPr wrap="none" rtlCol="0">
-            <a:spAutoFit/>
-          </a:bodyPr>
-          <a:lstStyle/>
-          <a:p>
-            <a:r>
-              <a:rPr sz="3600">
-                <a:solidFill>
-                  <a:schemeClr val="bg1"/>
-                </a:solidFill>
-                <a:sym typeface="Wingdings"/>
-              </a:rPr>
-              <a:t></a:t>
-            </a:r>
-            <a:endParaRPr sz="3600">
-              <a:solidFill>
-                <a:schemeClr val="bg1"/>
-              </a:solidFill>
-            </a:endParaRPr>
-          </a:p>
-        </p:txBody>
-      </p:sp>
-      <p:sp>
-        <p:nvSpPr>
-          <p:cNvPr id="2" name="Title 1"/>
-          <p:cNvSpPr>
-            <a:spLocks noGrp="1"/>
-          </p:cNvSpPr>
-          <p:nvPr>
-            <p:ph type="title"/>
-          </p:nvPr>
-        </p:nvSpPr>
-        <p:spPr>
-          <a:xfrm>
-            <a:off x="430306" y="4814047"/>
-            <a:ext cx="7772400" cy="1048871"/>
-          </a:xfrm>
-          <a:noFill/>
-        </p:spPr>
-        <p:txBody>
-          <a:bodyPr anchor="b" anchorCtr="0">
-            <a:normAutofit/>
-          </a:bodyPr>
-          <a:lstStyle>
-            <a:lvl1pPr algn="l">
-              <a:defRPr sz="4200" b="0" i="0" cap="none" baseline="0"/>
-            </a:lvl1pPr>
-          </a:lstStyle>
-          <a:p>
-            <a:r>
-              <a:rPr lang="en-US" smtClean="0"/>
-              <a:t>Click to edit Master title style</a:t>
-            </a:r>
-            <a:endParaRPr/>
-          </a:p>
-        </p:txBody>
-      </p:sp>
-      <p:sp>
-        <p:nvSpPr>
-          <p:cNvPr id="3" name="Text Placeholder 2"/>
-          <p:cNvSpPr>
-            <a:spLocks noGrp="1"/>
-          </p:cNvSpPr>
-          <p:nvPr>
-            <p:ph type="body" idx="1"/>
-          </p:nvPr>
-        </p:nvSpPr>
-        <p:spPr>
-          <a:xfrm>
-            <a:off x="470647" y="5862918"/>
-            <a:ext cx="7732059" cy="403412"/>
-          </a:xfrm>
-        </p:spPr>
-        <p:txBody>
-          <a:bodyPr anchor="t" anchorCtr="0">
-            <a:normAutofit/>
-          </a:bodyPr>
-          <a:lstStyle>
-            <a:lvl1pPr marL="0" indent="0">
-              <a:spcBef>
-                <a:spcPts val="0"/>
-              </a:spcBef>
-              <a:buNone/>
-              <a:defRPr sz="1800">
-                <a:solidFill>
-                  <a:schemeClr val="bg1"/>
-                </a:solidFill>
-              </a:defRPr>
-            </a:lvl1pPr>
-            <a:lvl2pPr marL="457200" indent="0">
-              <a:buNone/>
-              <a:defRPr sz="1800">
-                <a:solidFill>
-                  <a:schemeClr val="tx1">
-                    <a:tint val="75000"/>
-                  </a:schemeClr>
-                </a:solidFill>
-              </a:defRPr>
-            </a:lvl2pPr>
-            <a:lvl3pPr marL="914400" indent="0">
-              <a:buNone/>
-              <a:defRPr sz="1600">
-                <a:solidFill>
-                  <a:schemeClr val="tx1">
-                    <a:tint val="75000"/>
-                  </a:schemeClr>
-                </a:solidFill>
-              </a:defRPr>
-            </a:lvl3pPr>
-            <a:lvl4pPr marL="1371600" indent="0">
-              <a:buNone/>
-              <a:defRPr sz="1400">
-                <a:solidFill>
-                  <a:schemeClr val="tx1">
-                    <a:tint val="75000"/>
-                  </a:schemeClr>
-                </a:solidFill>
-              </a:defRPr>
-            </a:lvl4pPr>
-            <a:lvl5pPr marL="1828800" indent="0">
-              <a:buNone/>
-              <a:defRPr sz="1400">
-                <a:solidFill>
-                  <a:schemeClr val="tx1">
-                    <a:tint val="75000"/>
-                  </a:schemeClr>
-                </a:solidFill>
-              </a:defRPr>
-            </a:lvl5pPr>
-            <a:lvl6pPr marL="2286000" indent="0">
-              <a:buNone/>
-              <a:defRPr sz="1400">
-                <a:solidFill>
-                  <a:schemeClr val="tx1">
-                    <a:tint val="75000"/>
-                  </a:schemeClr>
-                </a:solidFill>
-              </a:defRPr>
-            </a:lvl6pPr>
-            <a:lvl7pPr marL="2743200" indent="0">
-              <a:buNone/>
-              <a:defRPr sz="1400">
-                <a:solidFill>
-                  <a:schemeClr val="tx1">
-                    <a:tint val="75000"/>
-                  </a:schemeClr>
-                </a:solidFill>
-              </a:defRPr>
-            </a:lvl7pPr>
-            <a:lvl8pPr marL="3200400" indent="0">
-              <a:buNone/>
-              <a:defRPr sz="1400">
-                <a:solidFill>
-                  <a:schemeClr val="tx1">
-                    <a:tint val="75000"/>
-                  </a:schemeClr>
-                </a:solidFill>
-              </a:defRPr>
-            </a:lvl8pPr>
-            <a:lvl9pPr marL="3657600" indent="0">
-              <a:buNone/>
-              <a:defRPr sz="1400">
-                <a:solidFill>
-                  <a:schemeClr val="tx1">
-                    <a:tint val="75000"/>
-                  </a:schemeClr>
-                </a:solidFill>
-              </a:defRPr>
-            </a:lvl9pPr>
-          </a:lstStyle>
-          <a:p>
-            <a:pPr lvl="0"/>
-            <a:r>
-              <a:rPr lang="en-US" smtClean="0"/>
-              <a:t>Click to edit Master text styles</a:t>
-            </a:r>
-          </a:p>
-        </p:txBody>
-      </p:sp>
-    </p:spTree>
-  </p:cSld>
-  <p:clrMapOvr>
-    <a:masterClrMapping/>
-  </p:clrMapOvr>
-  <p:timing>
-    <p:tnLst>
-      <p:par>
-        <p:cTn id="1" dur="indefinite" restart="never" nodeType="tmRoot"/>
-      </p:par>
-    </p:tnLst>
-  </p:timing>
-</p:sldLayout>
-</file>
-
-<file path=ppt/slideLayouts/slideLayout6.xml><?xml version="1.0" encoding="utf-8"?>
-<p:sldLayout xmlns:a="http://schemas.openxmlformats.org/drawingml/2006/main" xmlns:r="http://schemas.openxmlformats.org/officeDocument/2006/relationships" xmlns:p="http://schemas.openxmlformats.org/presentationml/2006/main" type="twoObj" preserve="1">
-  <p:cSld name="Two Content">
-    <p:spTree>
-      <p:nvGrpSpPr>
-        <p:cNvPr id="1" name=""/>
-        <p:cNvGrpSpPr/>
-        <p:nvPr/>
-      </p:nvGrpSpPr>
-      <p:grpSpPr>
-        <a:xfrm>
-          <a:off x="0" y="0"/>
-          <a:ext cx="0" cy="0"/>
-          <a:chOff x="0" y="0"/>
-          <a:chExt cx="0" cy="0"/>
-        </a:xfrm>
-      </p:grpSpPr>
-      <p:sp>
-        <p:nvSpPr>
-          <p:cNvPr id="8" name="Rectangle 7"/>
-          <p:cNvSpPr/>
-          <p:nvPr/>
-        </p:nvSpPr>
-        <p:spPr>
-          <a:xfrm>
-            <a:off x="284163" y="455773"/>
-            <a:ext cx="8574087" cy="1133949"/>
-          </a:xfrm>
-          <a:prstGeom prst="rect">
-            <a:avLst/>
-          </a:prstGeom>
-          <a:solidFill>
-            <a:schemeClr val="tx1">
-              <a:lumMod val="85000"/>
-              <a:lumOff val="15000"/>
-              <a:alpha val="70000"/>
-            </a:schemeClr>
-          </a:solidFill>
-          <a:ln>
-            <a:noFill/>
-          </a:ln>
-        </p:spPr>
-        <p:style>
-          <a:lnRef idx="2">
-            <a:schemeClr val="accent1">
-              <a:shade val="50000"/>
-            </a:schemeClr>
-          </a:lnRef>
-          <a:fillRef idx="1">
-            <a:schemeClr val="accent1"/>
-          </a:fillRef>
-          <a:effectRef idx="0">
-            <a:schemeClr val="accent1"/>
-          </a:effectRef>
-          <a:fontRef idx="minor">
-            <a:schemeClr val="lt1"/>
-          </a:fontRef>
-        </p:style>
-        <p:txBody>
-          <a:bodyPr rtlCol="0" anchor="ctr"/>
-          <a:lstStyle/>
-          <a:p>
-            <a:pPr algn="ctr"/>
-            <a:endParaRPr/>
-          </a:p>
-        </p:txBody>
-      </p:sp>
-      <p:grpSp>
-        <p:nvGrpSpPr>
-          <p:cNvPr id="9" name="Group 8"/>
-          <p:cNvGrpSpPr/>
-          <p:nvPr/>
-        </p:nvGrpSpPr>
-        <p:grpSpPr>
-          <a:xfrm>
-            <a:off x="284163" y="1577847"/>
-            <a:ext cx="8576373" cy="137411"/>
-            <a:chOff x="284163" y="1577847"/>
-            <a:chExt cx="8576373" cy="137411"/>
-          </a:xfrm>
-        </p:grpSpPr>
-        <p:sp>
-          <p:nvSpPr>
-            <p:cNvPr id="10" name="Rectangle 9"/>
-            <p:cNvSpPr/>
-            <p:nvPr/>
-          </p:nvSpPr>
-          <p:spPr>
-            <a:xfrm>
-              <a:off x="284163" y="1577847"/>
-              <a:ext cx="1600200" cy="137411"/>
-            </a:xfrm>
-            <a:prstGeom prst="rect">
-              <a:avLst/>
-            </a:prstGeom>
-            <a:solidFill>
-              <a:schemeClr val="accent1"/>
-            </a:solidFill>
-            <a:ln>
-              <a:noFill/>
-            </a:ln>
-          </p:spPr>
-          <p:style>
-            <a:lnRef idx="2">
-              <a:schemeClr val="accent1">
-                <a:shade val="50000"/>
-              </a:schemeClr>
-            </a:lnRef>
-            <a:fillRef idx="1">
-              <a:schemeClr val="accent1"/>
-            </a:fillRef>
-            <a:effectRef idx="0">
-              <a:schemeClr val="accent1"/>
-            </a:effectRef>
-            <a:fontRef idx="minor">
-              <a:schemeClr val="lt1"/>
-            </a:fontRef>
-          </p:style>
-          <p:txBody>
-            <a:bodyPr rtlCol="0" anchor="ctr"/>
-            <a:lstStyle/>
-            <a:p>
-              <a:pPr algn="ctr"/>
-              <a:endParaRPr/>
-            </a:p>
-          </p:txBody>
-        </p:sp>
-        <p:sp>
-          <p:nvSpPr>
-            <p:cNvPr id="11" name="Rectangle 10"/>
-            <p:cNvSpPr/>
-            <p:nvPr/>
-          </p:nvSpPr>
-          <p:spPr>
-            <a:xfrm>
-              <a:off x="1885174" y="1577847"/>
-              <a:ext cx="2743200" cy="137411"/>
-            </a:xfrm>
-            <a:prstGeom prst="rect">
-              <a:avLst/>
-            </a:prstGeom>
-            <a:solidFill>
-              <a:schemeClr val="accent2"/>
-            </a:solidFill>
-            <a:ln>
-              <a:noFill/>
-            </a:ln>
-          </p:spPr>
-          <p:style>
-            <a:lnRef idx="2">
-              <a:schemeClr val="accent1">
-                <a:shade val="50000"/>
-              </a:schemeClr>
-            </a:lnRef>
-            <a:fillRef idx="1">
-              <a:schemeClr val="accent1"/>
-            </a:fillRef>
-            <a:effectRef idx="0">
-              <a:schemeClr val="accent1"/>
-            </a:effectRef>
-            <a:fontRef idx="minor">
-              <a:schemeClr val="lt1"/>
-            </a:fontRef>
-          </p:style>
-          <p:txBody>
-            <a:bodyPr rtlCol="0" anchor="ctr"/>
-            <a:lstStyle/>
-            <a:p>
-              <a:pPr algn="ctr"/>
-              <a:endParaRPr/>
-            </a:p>
-          </p:txBody>
-        </p:sp>
-        <p:sp>
-          <p:nvSpPr>
-            <p:cNvPr id="12" name="Rectangle 11"/>
-            <p:cNvSpPr/>
-            <p:nvPr/>
-          </p:nvSpPr>
-          <p:spPr>
-            <a:xfrm>
-              <a:off x="4626864" y="1577847"/>
-              <a:ext cx="4233672" cy="137411"/>
-            </a:xfrm>
-            <a:prstGeom prst="rect">
-              <a:avLst/>
-            </a:prstGeom>
-            <a:solidFill>
-              <a:schemeClr val="accent4"/>
-            </a:solidFill>
-            <a:ln>
-              <a:noFill/>
-            </a:ln>
-          </p:spPr>
-          <p:style>
-            <a:lnRef idx="2">
-              <a:schemeClr val="accent1">
-                <a:shade val="50000"/>
-              </a:schemeClr>
-            </a:lnRef>
-            <a:fillRef idx="1">
-              <a:schemeClr val="accent1"/>
-            </a:fillRef>
-            <a:effectRef idx="0">
-              <a:schemeClr val="accent1"/>
-            </a:effectRef>
-            <a:fontRef idx="minor">
-              <a:schemeClr val="lt1"/>
-            </a:fontRef>
-          </p:style>
-          <p:txBody>
-            <a:bodyPr rtlCol="0" anchor="ctr"/>
-            <a:lstStyle/>
-            <a:p>
-              <a:pPr algn="ctr"/>
-              <a:endParaRPr/>
-            </a:p>
-          </p:txBody>
-        </p:sp>
-      </p:grpSp>
-      <p:sp>
-        <p:nvSpPr>
-          <p:cNvPr id="2" name="Title 1"/>
-          <p:cNvSpPr>
-            <a:spLocks noGrp="1"/>
-          </p:cNvSpPr>
-          <p:nvPr>
-            <p:ph type="title"/>
-          </p:nvPr>
-        </p:nvSpPr>
-        <p:spPr/>
-        <p:txBody>
-          <a:bodyPr/>
-          <a:lstStyle/>
-          <a:p>
-            <a:r>
-              <a:rPr lang="en-US" smtClean="0"/>
-              <a:t>Click to edit Master title style</a:t>
-            </a:r>
-            <a:endParaRPr/>
-          </a:p>
-        </p:txBody>
-      </p:sp>
-      <p:sp>
-        <p:nvSpPr>
-          <p:cNvPr id="3" name="Content Placeholder 2"/>
-          <p:cNvSpPr>
-            <a:spLocks noGrp="1"/>
-          </p:cNvSpPr>
-          <p:nvPr>
-            <p:ph sz="half" idx="1"/>
-          </p:nvPr>
-        </p:nvSpPr>
-        <p:spPr>
-          <a:xfrm>
-            <a:off x="403412" y="2151063"/>
-            <a:ext cx="3931920" cy="3975100"/>
-          </a:xfrm>
-        </p:spPr>
-        <p:txBody>
-          <a:bodyPr>
-            <a:normAutofit/>
-          </a:bodyPr>
-          <a:lstStyle>
-            <a:lvl1pPr>
-              <a:defRPr sz="2200"/>
-            </a:lvl1pPr>
-            <a:lvl2pPr>
-              <a:defRPr sz="2000"/>
-            </a:lvl2pPr>
-            <a:lvl3pPr>
-              <a:defRPr sz="1800"/>
-            </a:lvl3pPr>
-            <a:lvl4pPr>
-              <a:defRPr sz="1800"/>
-            </a:lvl4pPr>
-            <a:lvl5pPr>
-              <a:defRPr sz="1800"/>
-            </a:lvl5pPr>
-            <a:lvl6pPr>
-              <a:defRPr sz="1800"/>
-            </a:lvl6pPr>
-            <a:lvl7pPr>
-              <a:defRPr sz="1800"/>
-            </a:lvl7pPr>
-            <a:lvl8pPr>
-              <a:defRPr sz="1800"/>
-            </a:lvl8pPr>
-            <a:lvl9pPr>
-              <a:defRPr sz="1800"/>
-            </a:lvl9pPr>
-          </a:lstStyle>
-          <a:p>
-            <a:pPr lvl="0"/>
-            <a:r>
-              <a:rPr lang="en-US" smtClean="0"/>
-              <a:t>Click to edit Master text styles</a:t>
-            </a:r>
-          </a:p>
-          <a:p>
-            <a:pPr lvl="1"/>
-            <a:r>
-              <a:rPr lang="en-US" smtClean="0"/>
-              <a:t>Second level</a:t>
-            </a:r>
-          </a:p>
-          <a:p>
-            <a:pPr lvl="2"/>
-            <a:r>
-              <a:rPr lang="en-US" smtClean="0"/>
-              <a:t>Third level</a:t>
-            </a:r>
-          </a:p>
-          <a:p>
-            <a:pPr lvl="3"/>
-            <a:r>
-              <a:rPr lang="en-US" smtClean="0"/>
-              <a:t>Fourth level</a:t>
-            </a:r>
-          </a:p>
-          <a:p>
-            <a:pPr lvl="4"/>
-            <a:r>
-              <a:rPr lang="en-US" smtClean="0"/>
-              <a:t>Fifth level</a:t>
-            </a:r>
-            <a:endParaRPr dirty="0"/>
-          </a:p>
-        </p:txBody>
-      </p:sp>
-      <p:sp>
-        <p:nvSpPr>
-          <p:cNvPr id="4" name="Content Placeholder 3"/>
-          <p:cNvSpPr>
-            <a:spLocks noGrp="1"/>
-          </p:cNvSpPr>
-          <p:nvPr>
-            <p:ph sz="half" idx="2"/>
-          </p:nvPr>
-        </p:nvSpPr>
-        <p:spPr>
-          <a:xfrm>
-            <a:off x="4778188" y="2151063"/>
-            <a:ext cx="3931920" cy="3975100"/>
-          </a:xfrm>
-        </p:spPr>
-        <p:txBody>
-          <a:bodyPr>
-            <a:normAutofit/>
-          </a:bodyPr>
-          <a:lstStyle>
-            <a:lvl1pPr>
-              <a:defRPr sz="2200"/>
-            </a:lvl1pPr>
-            <a:lvl2pPr>
-              <a:defRPr sz="2000"/>
-            </a:lvl2pPr>
-            <a:lvl3pPr>
-              <a:defRPr sz="1800"/>
-            </a:lvl3pPr>
-            <a:lvl4pPr>
-              <a:defRPr sz="1800"/>
-            </a:lvl4pPr>
-            <a:lvl5pPr>
-              <a:defRPr sz="1800"/>
-            </a:lvl5pPr>
-            <a:lvl6pPr>
-              <a:defRPr sz="1800"/>
-            </a:lvl6pPr>
-            <a:lvl7pPr>
-              <a:defRPr sz="1800"/>
-            </a:lvl7pPr>
-            <a:lvl8pPr>
-              <a:defRPr sz="1800"/>
-            </a:lvl8pPr>
-            <a:lvl9pPr>
-              <a:defRPr sz="1800"/>
-            </a:lvl9pPr>
-          </a:lstStyle>
-          <a:p>
-            <a:pPr lvl="0"/>
-            <a:r>
-              <a:rPr lang="en-US" smtClean="0"/>
-              <a:t>Click to edit Master text styles</a:t>
-            </a:r>
-          </a:p>
-          <a:p>
-            <a:pPr lvl="1"/>
-            <a:r>
-              <a:rPr lang="en-US" smtClean="0"/>
-              <a:t>Second level</a:t>
-            </a:r>
-          </a:p>
-          <a:p>
-            <a:pPr lvl="2"/>
-            <a:r>
-              <a:rPr lang="en-US" smtClean="0"/>
-              <a:t>Third level</a:t>
-            </a:r>
-          </a:p>
-          <a:p>
-            <a:pPr lvl="3"/>
-            <a:r>
-              <a:rPr lang="en-US" smtClean="0"/>
-              <a:t>Fourth level</a:t>
-            </a:r>
-          </a:p>
-          <a:p>
-            <a:pPr lvl="4"/>
-            <a:r>
-              <a:rPr lang="en-US" smtClean="0"/>
-              <a:t>Fifth level</a:t>
-            </a:r>
-            <a:endParaRPr dirty="0"/>
-          </a:p>
-        </p:txBody>
-      </p:sp>
-      <p:sp>
-        <p:nvSpPr>
-          <p:cNvPr id="5" name="Date Placeholder 4"/>
-          <p:cNvSpPr>
-            <a:spLocks noGrp="1"/>
-          </p:cNvSpPr>
-          <p:nvPr>
-            <p:ph type="dt" sz="half" idx="10"/>
-          </p:nvPr>
-        </p:nvSpPr>
-        <p:spPr/>
-        <p:txBody>
-          <a:bodyPr/>
-          <a:lstStyle/>
-          <a:p>
-            <a:fld id="{659959B3-57F9-7548-8139-6ECD6B121118}" type="datetime1">
-              <a:rPr lang="en-US" smtClean="0"/>
-              <a:pPr/>
-              <a:t>6/1/2015</a:t>
-            </a:fld>
-            <a:endParaRPr lang="en-US"/>
-          </a:p>
-        </p:txBody>
-      </p:sp>
-      <p:sp>
-        <p:nvSpPr>
-          <p:cNvPr id="7" name="Slide Number Placeholder 6"/>
-          <p:cNvSpPr>
-            <a:spLocks noGrp="1"/>
-          </p:cNvSpPr>
-          <p:nvPr>
-            <p:ph type="sldNum" sz="quarter" idx="12"/>
-          </p:nvPr>
-        </p:nvSpPr>
-        <p:spPr/>
-        <p:txBody>
-          <a:bodyPr/>
-          <a:lstStyle/>
-          <a:p>
-            <a:fld id="{4382A7F7-08BF-4252-8141-63FB96055BBB}" type="slidenum">
-              <a:rPr lang="en-US" smtClean="0"/>
-              <a:pPr/>
-              <a:t>‹#›</a:t>
-            </a:fld>
-            <a:endParaRPr lang="en-US"/>
-          </a:p>
-        </p:txBody>
-      </p:sp>
-    </p:spTree>
-  </p:cSld>
-  <p:clrMapOvr>
-    <a:masterClrMapping/>
-  </p:clrMapOvr>
-  <p:timing>
-    <p:tnLst>
-      <p:par>
-        <p:cTn id="1" dur="indefinite" restart="never" nodeType="tmRoot"/>
-      </p:par>
-    </p:tnLst>
-  </p:timing>
-</p:sldLayout>
-</file>
-
-<file path=ppt/slideLayouts/slideLayout7.xml><?xml version="1.0" encoding="utf-8"?>
-<p:sldLayout xmlns:a="http://schemas.openxmlformats.org/drawingml/2006/main" xmlns:r="http://schemas.openxmlformats.org/officeDocument/2006/relationships" xmlns:p="http://schemas.openxmlformats.org/presentationml/2006/main" type="twoTxTwoObj" preserve="1">
-  <p:cSld name="Comparison">
-    <p:spTree>
-      <p:nvGrpSpPr>
-        <p:cNvPr id="1" name=""/>
-        <p:cNvGrpSpPr/>
-        <p:nvPr/>
-      </p:nvGrpSpPr>
-      <p:grpSpPr>
-        <a:xfrm>
-          <a:off x="0" y="0"/>
-          <a:ext cx="0" cy="0"/>
-          <a:chOff x="0" y="0"/>
-          <a:chExt cx="0" cy="0"/>
-        </a:xfrm>
-      </p:grpSpPr>
-      <p:sp>
-        <p:nvSpPr>
-          <p:cNvPr id="10" name="Rectangle 9"/>
-          <p:cNvSpPr/>
-          <p:nvPr/>
-        </p:nvSpPr>
-        <p:spPr>
-          <a:xfrm>
-            <a:off x="284163" y="455773"/>
-            <a:ext cx="8574087" cy="1133949"/>
-          </a:xfrm>
-          <a:prstGeom prst="rect">
-            <a:avLst/>
-          </a:prstGeom>
-          <a:solidFill>
-            <a:schemeClr val="tx1">
-              <a:lumMod val="85000"/>
-              <a:lumOff val="15000"/>
-              <a:alpha val="70000"/>
-            </a:schemeClr>
-          </a:solidFill>
-          <a:ln>
-            <a:noFill/>
-          </a:ln>
-        </p:spPr>
-        <p:style>
-          <a:lnRef idx="2">
-            <a:schemeClr val="accent1">
-              <a:shade val="50000"/>
-            </a:schemeClr>
-          </a:lnRef>
-          <a:fillRef idx="1">
-            <a:schemeClr val="accent1"/>
-          </a:fillRef>
-          <a:effectRef idx="0">
-            <a:schemeClr val="accent1"/>
-          </a:effectRef>
-          <a:fontRef idx="minor">
-            <a:schemeClr val="lt1"/>
-          </a:fontRef>
-        </p:style>
-        <p:txBody>
-          <a:bodyPr rtlCol="0" anchor="ctr"/>
-          <a:lstStyle/>
-          <a:p>
-            <a:pPr algn="ctr"/>
-            <a:endParaRPr/>
-          </a:p>
-        </p:txBody>
-      </p:sp>
-      <p:grpSp>
-        <p:nvGrpSpPr>
-          <p:cNvPr id="11" name="Group 10"/>
-          <p:cNvGrpSpPr/>
-          <p:nvPr/>
-        </p:nvGrpSpPr>
-        <p:grpSpPr>
-          <a:xfrm>
-            <a:off x="284163" y="1577847"/>
-            <a:ext cx="8576373" cy="137411"/>
-            <a:chOff x="284163" y="1577847"/>
-            <a:chExt cx="8576373" cy="137411"/>
-          </a:xfrm>
-        </p:grpSpPr>
-        <p:sp>
-          <p:nvSpPr>
-            <p:cNvPr id="12" name="Rectangle 11"/>
-            <p:cNvSpPr/>
-            <p:nvPr/>
-          </p:nvSpPr>
-          <p:spPr>
-            <a:xfrm>
-              <a:off x="284163" y="1577847"/>
-              <a:ext cx="1600200" cy="137411"/>
-            </a:xfrm>
-            <a:prstGeom prst="rect">
-              <a:avLst/>
-            </a:prstGeom>
-            <a:solidFill>
-              <a:schemeClr val="accent1"/>
-            </a:solidFill>
-            <a:ln>
-              <a:noFill/>
-            </a:ln>
-          </p:spPr>
-          <p:style>
-            <a:lnRef idx="2">
-              <a:schemeClr val="accent1">
-                <a:shade val="50000"/>
-              </a:schemeClr>
-            </a:lnRef>
-            <a:fillRef idx="1">
-              <a:schemeClr val="accent1"/>
-            </a:fillRef>
-            <a:effectRef idx="0">
-              <a:schemeClr val="accent1"/>
-            </a:effectRef>
-            <a:fontRef idx="minor">
-              <a:schemeClr val="lt1"/>
-            </a:fontRef>
-          </p:style>
-          <p:txBody>
-            <a:bodyPr rtlCol="0" anchor="ctr"/>
-            <a:lstStyle/>
-            <a:p>
-              <a:pPr algn="ctr"/>
-              <a:endParaRPr/>
-            </a:p>
-          </p:txBody>
-        </p:sp>
-        <p:sp>
-          <p:nvSpPr>
-            <p:cNvPr id="13" name="Rectangle 12"/>
-            <p:cNvSpPr/>
-            <p:nvPr/>
-          </p:nvSpPr>
-          <p:spPr>
-            <a:xfrm>
-              <a:off x="1885174" y="1577847"/>
-              <a:ext cx="2743200" cy="137411"/>
-            </a:xfrm>
-            <a:prstGeom prst="rect">
-              <a:avLst/>
-            </a:prstGeom>
-            <a:solidFill>
-              <a:schemeClr val="accent2"/>
-            </a:solidFill>
-            <a:ln>
-              <a:noFill/>
-            </a:ln>
-          </p:spPr>
-          <p:style>
-            <a:lnRef idx="2">
-              <a:schemeClr val="accent1">
-                <a:shade val="50000"/>
-              </a:schemeClr>
-            </a:lnRef>
-            <a:fillRef idx="1">
-              <a:schemeClr val="accent1"/>
-            </a:fillRef>
-            <a:effectRef idx="0">
-              <a:schemeClr val="accent1"/>
-            </a:effectRef>
-            <a:fontRef idx="minor">
-              <a:schemeClr val="lt1"/>
-            </a:fontRef>
-          </p:style>
-          <p:txBody>
-            <a:bodyPr rtlCol="0" anchor="ctr"/>
-            <a:lstStyle/>
-            <a:p>
-              <a:pPr algn="ctr"/>
-              <a:endParaRPr/>
-            </a:p>
-          </p:txBody>
-        </p:sp>
-        <p:sp>
-          <p:nvSpPr>
-            <p:cNvPr id="14" name="Rectangle 13"/>
-            <p:cNvSpPr/>
-            <p:nvPr/>
-          </p:nvSpPr>
-          <p:spPr>
-            <a:xfrm>
-              <a:off x="4626864" y="1577847"/>
-              <a:ext cx="4233672" cy="137411"/>
-            </a:xfrm>
-            <a:prstGeom prst="rect">
-              <a:avLst/>
-            </a:prstGeom>
-            <a:solidFill>
-              <a:schemeClr val="accent4"/>
-            </a:solidFill>
-            <a:ln>
-              <a:noFill/>
-            </a:ln>
-          </p:spPr>
-          <p:style>
-            <a:lnRef idx="2">
-              <a:schemeClr val="accent1">
-                <a:shade val="50000"/>
-              </a:schemeClr>
-            </a:lnRef>
-            <a:fillRef idx="1">
-              <a:schemeClr val="accent1"/>
-            </a:fillRef>
-            <a:effectRef idx="0">
-              <a:schemeClr val="accent1"/>
-            </a:effectRef>
-            <a:fontRef idx="minor">
-              <a:schemeClr val="lt1"/>
-            </a:fontRef>
-          </p:style>
-          <p:txBody>
-            <a:bodyPr rtlCol="0" anchor="ctr"/>
-            <a:lstStyle/>
-            <a:p>
-              <a:pPr algn="ctr"/>
-              <a:endParaRPr/>
-            </a:p>
-          </p:txBody>
-        </p:sp>
-      </p:grpSp>
-      <p:sp>
-        <p:nvSpPr>
-          <p:cNvPr id="2" name="Title 1"/>
-          <p:cNvSpPr>
-            <a:spLocks noGrp="1"/>
-          </p:cNvSpPr>
-          <p:nvPr>
-            <p:ph type="title"/>
-          </p:nvPr>
-        </p:nvSpPr>
-        <p:spPr/>
-        <p:txBody>
-          <a:bodyPr/>
-          <a:lstStyle>
-            <a:lvl1pPr>
-              <a:defRPr/>
-            </a:lvl1pPr>
-          </a:lstStyle>
-          <a:p>
-            <a:r>
-              <a:rPr lang="en-US" smtClean="0"/>
-              <a:t>Click to edit Master title style</a:t>
-            </a:r>
-            <a:endParaRPr/>
-          </a:p>
-        </p:txBody>
-      </p:sp>
       <p:sp>
         <p:nvSpPr>
           <p:cNvPr id="3" name="Text Placeholder 2"/>
@@ -7665,7 +3130,7 @@
             <a:fld id="{896FED5C-D759-6E42-B05E-072BCFCA1FBC}" type="datetime1">
               <a:rPr lang="en-US" smtClean="0"/>
               <a:pPr/>
-              <a:t>6/1/2015</a:t>
+              <a:t>2/11/17</a:t>
             </a:fld>
             <a:endParaRPr lang="en-US"/>
           </a:p>
@@ -7719,6 +3184,7 @@
         </p:txBody>
       </p:sp>
     </p:spTree>
+    <p:extLst/>
   </p:cSld>
   <p:clrMapOvr>
     <a:masterClrMapping/>
@@ -7733,8 +3199,8 @@
 </p:sldLayout>
 </file>
 
-<file path=ppt/slideLayouts/slideLayout8.xml><?xml version="1.0" encoding="utf-8"?>
-<p:sldLayout xmlns:a="http://schemas.openxmlformats.org/drawingml/2006/main" xmlns:r="http://schemas.openxmlformats.org/officeDocument/2006/relationships" xmlns:p="http://schemas.openxmlformats.org/presentationml/2006/main" type="titleOnly" preserve="1">
+<file path=ppt/slideLayouts/slideLayout6.xml><?xml version="1.0" encoding="utf-8"?>
+<p:sldLayout xmlns:a="http://schemas.openxmlformats.org/drawingml/2006/main" xmlns:r="http://schemas.openxmlformats.org/officeDocument/2006/relationships" xmlns:p="http://schemas.openxmlformats.org/presentationml/2006/main" preserve="1">
   <p:cSld name="Title Only">
     <p:spTree>
       <p:nvGrpSpPr>
@@ -7752,71 +3218,44 @@
       </p:grpSpPr>
       <p:sp>
         <p:nvSpPr>
-          <p:cNvPr id="6" name="Rectangle 5"/>
-          <p:cNvSpPr/>
-          <p:nvPr/>
-        </p:nvSpPr>
-        <p:spPr>
-          <a:xfrm>
-            <a:off x="284163" y="455773"/>
-            <a:ext cx="8574087" cy="1133949"/>
-          </a:xfrm>
-          <a:prstGeom prst="rect">
-            <a:avLst/>
-          </a:prstGeom>
-          <a:solidFill>
-            <a:schemeClr val="tx1">
-              <a:lumMod val="85000"/>
-              <a:lumOff val="15000"/>
-              <a:alpha val="70000"/>
-            </a:schemeClr>
-          </a:solidFill>
-          <a:ln>
-            <a:noFill/>
-          </a:ln>
-        </p:spPr>
-        <p:style>
-          <a:lnRef idx="2">
-            <a:schemeClr val="accent1">
-              <a:shade val="50000"/>
-            </a:schemeClr>
-          </a:lnRef>
-          <a:fillRef idx="1">
-            <a:schemeClr val="accent1"/>
-          </a:fillRef>
-          <a:effectRef idx="0">
-            <a:schemeClr val="accent1"/>
-          </a:effectRef>
-          <a:fontRef idx="minor">
-            <a:schemeClr val="lt1"/>
-          </a:fontRef>
-        </p:style>
-        <p:txBody>
-          <a:bodyPr rtlCol="0" anchor="ctr"/>
-          <a:lstStyle/>
-          <a:p>
-            <a:pPr algn="ctr"/>
-            <a:endParaRPr/>
+          <p:cNvPr id="8" name="Title 7"/>
+          <p:cNvSpPr>
+            <a:spLocks noGrp="1"/>
+          </p:cNvSpPr>
+          <p:nvPr>
+            <p:ph type="title"/>
+          </p:nvPr>
+        </p:nvSpPr>
+        <p:spPr/>
+        <p:txBody>
+          <a:bodyPr/>
+          <a:lstStyle/>
+          <a:p>
+            <a:r>
+              <a:rPr lang="en-US" smtClean="0"/>
+              <a:t>Click to edit Master title style</a:t>
+            </a:r>
+            <a:endParaRPr lang="en-US"/>
           </a:p>
         </p:txBody>
       </p:sp>
       <p:grpSp>
         <p:nvGrpSpPr>
-          <p:cNvPr id="7" name="Group 6"/>
+          <p:cNvPr id="16" name="Group 15"/>
           <p:cNvGrpSpPr/>
           <p:nvPr/>
         </p:nvGrpSpPr>
         <p:grpSpPr>
           <a:xfrm>
-            <a:off x="284163" y="1577847"/>
-            <a:ext cx="8576373" cy="137411"/>
+            <a:off x="0" y="1188720"/>
+            <a:ext cx="9144000" cy="137411"/>
             <a:chOff x="284163" y="1577847"/>
             <a:chExt cx="8576373" cy="137411"/>
           </a:xfrm>
         </p:grpSpPr>
         <p:sp>
           <p:nvSpPr>
-            <p:cNvPr id="8" name="Rectangle 7"/>
+            <p:cNvPr id="17" name="Rectangle 16"/>
             <p:cNvSpPr/>
             <p:nvPr/>
           </p:nvSpPr>
@@ -7829,7 +3268,7 @@
               <a:avLst/>
             </a:prstGeom>
             <a:solidFill>
-              <a:schemeClr val="accent1"/>
+              <a:srgbClr val="7030A0"/>
             </a:solidFill>
             <a:ln>
               <a:noFill/>
@@ -7862,7 +3301,7 @@
         </p:sp>
         <p:sp>
           <p:nvSpPr>
-            <p:cNvPr id="9" name="Rectangle 8"/>
+            <p:cNvPr id="18" name="Rectangle 17"/>
             <p:cNvSpPr/>
             <p:nvPr/>
           </p:nvSpPr>
@@ -7875,7 +3314,7 @@
               <a:avLst/>
             </a:prstGeom>
             <a:solidFill>
-              <a:schemeClr val="accent2"/>
+              <a:srgbClr val="00B050"/>
             </a:solidFill>
             <a:ln>
               <a:noFill/>
@@ -7908,7 +3347,7 @@
         </p:sp>
         <p:sp>
           <p:nvSpPr>
-            <p:cNvPr id="10" name="Rectangle 9"/>
+            <p:cNvPr id="19" name="Rectangle 18"/>
             <p:cNvSpPr/>
             <p:nvPr/>
           </p:nvSpPr>
@@ -7921,7 +3360,7 @@
               <a:avLst/>
             </a:prstGeom>
             <a:solidFill>
-              <a:schemeClr val="accent4"/>
+              <a:srgbClr val="0070C0"/>
             </a:solidFill>
             <a:ln>
               <a:noFill/>
@@ -7955,12 +3394,12 @@
       </p:grpSp>
       <p:sp>
         <p:nvSpPr>
-          <p:cNvPr id="2" name="Title 1"/>
-          <p:cNvSpPr>
-            <a:spLocks noGrp="1"/>
-          </p:cNvSpPr>
-          <p:nvPr>
-            <p:ph type="title"/>
+          <p:cNvPr id="3" name="Date Placeholder 2"/>
+          <p:cNvSpPr>
+            <a:spLocks noGrp="1"/>
+          </p:cNvSpPr>
+          <p:nvPr>
+            <p:ph type="dt" sz="half" idx="10"/>
           </p:nvPr>
         </p:nvSpPr>
         <p:spPr/>
@@ -7968,33 +3407,10 @@
           <a:bodyPr/>
           <a:lstStyle/>
           <a:p>
-            <a:r>
-              <a:rPr lang="en-US" smtClean="0"/>
-              <a:t>Click to edit Master title style</a:t>
-            </a:r>
-            <a:endParaRPr/>
-          </a:p>
-        </p:txBody>
-      </p:sp>
-      <p:sp>
-        <p:nvSpPr>
-          <p:cNvPr id="3" name="Date Placeholder 2"/>
-          <p:cNvSpPr>
-            <a:spLocks noGrp="1"/>
-          </p:cNvSpPr>
-          <p:nvPr>
-            <p:ph type="dt" sz="half" idx="10"/>
-          </p:nvPr>
-        </p:nvSpPr>
-        <p:spPr/>
-        <p:txBody>
-          <a:bodyPr/>
-          <a:lstStyle/>
-          <a:p>
             <a:fld id="{A394C3B6-BD2D-B44D-8134-913F96550191}" type="datetime1">
               <a:rPr lang="en-US" smtClean="0"/>
               <a:pPr/>
-              <a:t>6/1/2015</a:t>
+              <a:t>2/11/17</a:t>
             </a:fld>
             <a:endParaRPr lang="en-US"/>
           </a:p>
@@ -8048,6 +3464,7 @@
         </p:txBody>
       </p:sp>
     </p:spTree>
+    <p:extLst/>
   </p:cSld>
   <p:clrMapOvr>
     <a:masterClrMapping/>
@@ -8062,9 +3479,9 @@
 </p:sldLayout>
 </file>
 
-<file path=ppt/slideLayouts/slideLayout9.xml><?xml version="1.0" encoding="utf-8"?>
-<p:sldLayout xmlns:a="http://schemas.openxmlformats.org/drawingml/2006/main" xmlns:r="http://schemas.openxmlformats.org/officeDocument/2006/relationships" xmlns:p="http://schemas.openxmlformats.org/presentationml/2006/main" type="blank" preserve="1">
-  <p:cSld name="Blank">
+<file path=ppt/slideLayouts/slideLayout7.xml><?xml version="1.0" encoding="utf-8"?>
+<p:sldLayout xmlns:a="http://schemas.openxmlformats.org/drawingml/2006/main" xmlns:r="http://schemas.openxmlformats.org/officeDocument/2006/relationships" xmlns:p="http://schemas.openxmlformats.org/presentationml/2006/main" preserve="1">
+  <p:cSld name="Title and Vertical Text">
     <p:spTree>
       <p:nvGrpSpPr>
         <p:cNvPr id="1" name=""/>
@@ -8079,94 +3496,23 @@
           <a:chExt cx="0" cy="0"/>
         </a:xfrm>
       </p:grpSpPr>
-      <p:sp>
-        <p:nvSpPr>
-          <p:cNvPr id="2" name="Date Placeholder 1"/>
-          <p:cNvSpPr>
-            <a:spLocks noGrp="1"/>
-          </p:cNvSpPr>
-          <p:nvPr>
-            <p:ph type="dt" sz="half" idx="10"/>
-          </p:nvPr>
-        </p:nvSpPr>
-        <p:spPr/>
-        <p:txBody>
-          <a:bodyPr/>
-          <a:lstStyle/>
-          <a:p>
-            <a:fld id="{FFAA4830-A217-2C4A-A75B-DFB68F2E875F}" type="datetime1">
-              <a:rPr lang="en-US" smtClean="0"/>
-              <a:pPr/>
-              <a:t>6/1/2015</a:t>
-            </a:fld>
-            <a:endParaRPr lang="en-US"/>
-          </a:p>
-        </p:txBody>
-      </p:sp>
-      <p:sp>
-        <p:nvSpPr>
-          <p:cNvPr id="3" name="Footer Placeholder 2"/>
-          <p:cNvSpPr>
-            <a:spLocks noGrp="1"/>
-          </p:cNvSpPr>
-          <p:nvPr>
-            <p:ph type="ftr" sz="quarter" idx="11"/>
-          </p:nvPr>
-        </p:nvSpPr>
-        <p:spPr/>
-        <p:txBody>
-          <a:bodyPr/>
-          <a:lstStyle/>
-          <a:p>
-            <a:r>
-              <a:rPr lang="en-US" smtClean="0"/>
-              <a:t>© 2015 EV3Lessons.com, Last edit 4/9/2015</a:t>
-            </a:r>
-            <a:endParaRPr lang="en-US"/>
-          </a:p>
-        </p:txBody>
-      </p:sp>
-      <p:sp>
-        <p:nvSpPr>
-          <p:cNvPr id="4" name="Slide Number Placeholder 3"/>
-          <p:cNvSpPr>
-            <a:spLocks noGrp="1"/>
-          </p:cNvSpPr>
-          <p:nvPr>
-            <p:ph type="sldNum" sz="quarter" idx="12"/>
-          </p:nvPr>
-        </p:nvSpPr>
-        <p:spPr/>
-        <p:txBody>
-          <a:bodyPr/>
-          <a:lstStyle/>
-          <a:p>
-            <a:fld id="{4382A7F7-08BF-4252-8141-63FB96055BBB}" type="slidenum">
-              <a:rPr lang="en-US" smtClean="0"/>
-              <a:pPr/>
-              <a:t>‹#›</a:t>
-            </a:fld>
-            <a:endParaRPr lang="en-US"/>
-          </a:p>
-        </p:txBody>
-      </p:sp>
       <p:grpSp>
         <p:nvGrpSpPr>
-          <p:cNvPr id="5" name="Group 4"/>
+          <p:cNvPr id="13" name="Group 12"/>
           <p:cNvGrpSpPr/>
           <p:nvPr/>
         </p:nvGrpSpPr>
         <p:grpSpPr>
           <a:xfrm>
-            <a:off x="284163" y="452718"/>
-            <a:ext cx="8576373" cy="137411"/>
+            <a:off x="0" y="1188720"/>
+            <a:ext cx="9144000" cy="137411"/>
             <a:chOff x="284163" y="1577847"/>
             <a:chExt cx="8576373" cy="137411"/>
           </a:xfrm>
         </p:grpSpPr>
         <p:sp>
           <p:nvSpPr>
-            <p:cNvPr id="6" name="Rectangle 5"/>
+            <p:cNvPr id="14" name="Rectangle 13"/>
             <p:cNvSpPr/>
             <p:nvPr/>
           </p:nvSpPr>
@@ -8179,7 +3525,7 @@
               <a:avLst/>
             </a:prstGeom>
             <a:solidFill>
-              <a:schemeClr val="accent1"/>
+              <a:srgbClr val="7030A0"/>
             </a:solidFill>
             <a:ln>
               <a:noFill/>
@@ -8212,7 +3558,7 @@
         </p:sp>
         <p:sp>
           <p:nvSpPr>
-            <p:cNvPr id="7" name="Rectangle 6"/>
+            <p:cNvPr id="15" name="Rectangle 14"/>
             <p:cNvSpPr/>
             <p:nvPr/>
           </p:nvSpPr>
@@ -8225,7 +3571,7 @@
               <a:avLst/>
             </a:prstGeom>
             <a:solidFill>
-              <a:schemeClr val="accent2"/>
+              <a:srgbClr val="00B050"/>
             </a:solidFill>
             <a:ln>
               <a:noFill/>
@@ -8258,7 +3604,7 @@
         </p:sp>
         <p:sp>
           <p:nvSpPr>
-            <p:cNvPr id="8" name="Rectangle 7"/>
+            <p:cNvPr id="16" name="Rectangle 15"/>
             <p:cNvSpPr/>
             <p:nvPr/>
           </p:nvSpPr>
@@ -8271,7 +3617,524 @@
               <a:avLst/>
             </a:prstGeom>
             <a:solidFill>
-              <a:schemeClr val="accent4"/>
+              <a:srgbClr val="0070C0"/>
+            </a:solidFill>
+            <a:ln>
+              <a:noFill/>
+            </a:ln>
+          </p:spPr>
+          <p:style>
+            <a:lnRef idx="2">
+              <a:schemeClr val="accent1">
+                <a:shade val="50000"/>
+              </a:schemeClr>
+            </a:lnRef>
+            <a:fillRef idx="1">
+              <a:schemeClr val="accent1"/>
+            </a:fillRef>
+            <a:effectRef idx="0">
+              <a:schemeClr val="accent1"/>
+            </a:effectRef>
+            <a:fontRef idx="minor">
+              <a:schemeClr val="lt1"/>
+            </a:fontRef>
+          </p:style>
+          <p:txBody>
+            <a:bodyPr rtlCol="0" anchor="ctr"/>
+            <a:lstStyle/>
+            <a:p>
+              <a:pPr algn="ctr"/>
+              <a:endParaRPr/>
+            </a:p>
+          </p:txBody>
+        </p:sp>
+      </p:grpSp>
+      <p:sp>
+        <p:nvSpPr>
+          <p:cNvPr id="3" name="Vertical Text Placeholder 2"/>
+          <p:cNvSpPr>
+            <a:spLocks noGrp="1"/>
+          </p:cNvSpPr>
+          <p:nvPr>
+            <p:ph type="body" orient="vert" idx="1"/>
+          </p:nvPr>
+        </p:nvSpPr>
+        <p:spPr>
+          <a:xfrm>
+            <a:off x="284163" y="2133600"/>
+            <a:ext cx="8574087" cy="4013200"/>
+          </a:xfrm>
+        </p:spPr>
+        <p:txBody>
+          <a:bodyPr vert="eaVert"/>
+          <a:lstStyle>
+            <a:lvl5pPr>
+              <a:defRPr/>
+            </a:lvl5pPr>
+          </a:lstStyle>
+          <a:p>
+            <a:pPr lvl="0"/>
+            <a:r>
+              <a:rPr lang="en-US" smtClean="0"/>
+              <a:t>Click to edit Master text styles</a:t>
+            </a:r>
+          </a:p>
+          <a:p>
+            <a:pPr lvl="1"/>
+            <a:r>
+              <a:rPr lang="en-US" smtClean="0"/>
+              <a:t>Second level</a:t>
+            </a:r>
+          </a:p>
+          <a:p>
+            <a:pPr lvl="2"/>
+            <a:r>
+              <a:rPr lang="en-US" smtClean="0"/>
+              <a:t>Third level</a:t>
+            </a:r>
+          </a:p>
+          <a:p>
+            <a:pPr lvl="3"/>
+            <a:r>
+              <a:rPr lang="en-US" smtClean="0"/>
+              <a:t>Fourth level</a:t>
+            </a:r>
+          </a:p>
+          <a:p>
+            <a:pPr lvl="4"/>
+            <a:r>
+              <a:rPr lang="en-US" smtClean="0"/>
+              <a:t>Fifth level</a:t>
+            </a:r>
+            <a:endParaRPr dirty="0"/>
+          </a:p>
+        </p:txBody>
+      </p:sp>
+      <p:sp>
+        <p:nvSpPr>
+          <p:cNvPr id="4" name="Date Placeholder 3"/>
+          <p:cNvSpPr>
+            <a:spLocks noGrp="1"/>
+          </p:cNvSpPr>
+          <p:nvPr>
+            <p:ph type="dt" sz="half" idx="10"/>
+          </p:nvPr>
+        </p:nvSpPr>
+        <p:spPr/>
+        <p:txBody>
+          <a:bodyPr/>
+          <a:lstStyle/>
+          <a:p>
+            <a:fld id="{59BECB69-A21E-B645-918D-F4DE51F44A43}" type="datetime1">
+              <a:rPr lang="en-US" smtClean="0"/>
+              <a:pPr/>
+              <a:t>2/11/17</a:t>
+            </a:fld>
+            <a:endParaRPr lang="en-US"/>
+          </a:p>
+        </p:txBody>
+      </p:sp>
+      <p:sp>
+        <p:nvSpPr>
+          <p:cNvPr id="5" name="Footer Placeholder 4"/>
+          <p:cNvSpPr>
+            <a:spLocks noGrp="1"/>
+          </p:cNvSpPr>
+          <p:nvPr>
+            <p:ph type="ftr" sz="quarter" idx="11"/>
+          </p:nvPr>
+        </p:nvSpPr>
+        <p:spPr/>
+        <p:txBody>
+          <a:bodyPr/>
+          <a:lstStyle/>
+          <a:p>
+            <a:r>
+              <a:rPr lang="en-US" smtClean="0"/>
+              <a:t>© 2015 EV3Lessons.com, Last edit 4/9/2015</a:t>
+            </a:r>
+            <a:endParaRPr lang="en-US"/>
+          </a:p>
+        </p:txBody>
+      </p:sp>
+      <p:sp>
+        <p:nvSpPr>
+          <p:cNvPr id="6" name="Slide Number Placeholder 5"/>
+          <p:cNvSpPr>
+            <a:spLocks noGrp="1"/>
+          </p:cNvSpPr>
+          <p:nvPr>
+            <p:ph type="sldNum" sz="quarter" idx="12"/>
+          </p:nvPr>
+        </p:nvSpPr>
+        <p:spPr/>
+        <p:txBody>
+          <a:bodyPr/>
+          <a:lstStyle/>
+          <a:p>
+            <a:fld id="{4382A7F7-08BF-4252-8141-63FB96055BBB}" type="slidenum">
+              <a:rPr lang="en-US" smtClean="0"/>
+              <a:pPr/>
+              <a:t>‹#›</a:t>
+            </a:fld>
+            <a:endParaRPr lang="en-US"/>
+          </a:p>
+        </p:txBody>
+      </p:sp>
+      <p:sp>
+        <p:nvSpPr>
+          <p:cNvPr id="17" name="Title 16"/>
+          <p:cNvSpPr>
+            <a:spLocks noGrp="1"/>
+          </p:cNvSpPr>
+          <p:nvPr>
+            <p:ph type="title"/>
+          </p:nvPr>
+        </p:nvSpPr>
+        <p:spPr/>
+        <p:txBody>
+          <a:bodyPr/>
+          <a:lstStyle/>
+          <a:p>
+            <a:r>
+              <a:rPr lang="en-US" smtClean="0"/>
+              <a:t>Click to edit Master title style</a:t>
+            </a:r>
+            <a:endParaRPr lang="en-US"/>
+          </a:p>
+        </p:txBody>
+      </p:sp>
+    </p:spTree>
+    <p:extLst/>
+  </p:cSld>
+  <p:clrMapOvr>
+    <a:masterClrMapping/>
+  </p:clrMapOvr>
+  <p:timing>
+    <p:tnLst>
+      <p:par>
+        <p:cTn id="1" dur="indefinite" restart="never" nodeType="tmRoot"/>
+      </p:par>
+    </p:tnLst>
+  </p:timing>
+</p:sldLayout>
+</file>
+
+<file path=ppt/slideLayouts/slideLayout8.xml><?xml version="1.0" encoding="utf-8"?>
+<p:sldLayout xmlns:a="http://schemas.openxmlformats.org/drawingml/2006/main" xmlns:r="http://schemas.openxmlformats.org/officeDocument/2006/relationships" xmlns:p="http://schemas.openxmlformats.org/presentationml/2006/main" preserve="1">
+  <p:cSld name="Vertical Title and Text">
+    <p:spTree>
+      <p:nvGrpSpPr>
+        <p:cNvPr id="1" name=""/>
+        <p:cNvGrpSpPr/>
+        <p:nvPr/>
+      </p:nvGrpSpPr>
+      <p:grpSpPr>
+        <a:xfrm>
+          <a:off x="0" y="0"/>
+          <a:ext cx="0" cy="0"/>
+          <a:chOff x="0" y="0"/>
+          <a:chExt cx="0" cy="0"/>
+        </a:xfrm>
+      </p:grpSpPr>
+      <p:sp>
+        <p:nvSpPr>
+          <p:cNvPr id="16" name="Title 15"/>
+          <p:cNvSpPr>
+            <a:spLocks noGrp="1"/>
+          </p:cNvSpPr>
+          <p:nvPr>
+            <p:ph type="title"/>
+          </p:nvPr>
+        </p:nvSpPr>
+        <p:spPr>
+          <a:xfrm rot="5400000">
+            <a:off x="5257800" y="2965449"/>
+            <a:ext cx="6858000" cy="914400"/>
+          </a:xfrm>
+        </p:spPr>
+        <p:txBody>
+          <a:bodyPr>
+            <a:normAutofit/>
+          </a:bodyPr>
+          <a:lstStyle>
+            <a:lvl1pPr algn="ctr">
+              <a:defRPr sz="3600"/>
+            </a:lvl1pPr>
+          </a:lstStyle>
+          <a:p>
+            <a:r>
+              <a:rPr lang="en-US" smtClean="0"/>
+              <a:t>Click to edit Master title style</a:t>
+            </a:r>
+            <a:endParaRPr lang="en-US"/>
+          </a:p>
+        </p:txBody>
+      </p:sp>
+      <p:sp>
+        <p:nvSpPr>
+          <p:cNvPr id="3" name="Vertical Text Placeholder 2"/>
+          <p:cNvSpPr>
+            <a:spLocks noGrp="1"/>
+          </p:cNvSpPr>
+          <p:nvPr>
+            <p:ph type="body" orient="vert" idx="1"/>
+          </p:nvPr>
+        </p:nvSpPr>
+        <p:spPr>
+          <a:xfrm>
+            <a:off x="284163" y="457200"/>
+            <a:ext cx="6497637" cy="5937250"/>
+          </a:xfrm>
+        </p:spPr>
+        <p:txBody>
+          <a:bodyPr vert="eaVert"/>
+          <a:lstStyle>
+            <a:lvl5pPr algn="l">
+              <a:defRPr/>
+            </a:lvl5pPr>
+          </a:lstStyle>
+          <a:p>
+            <a:pPr lvl="0"/>
+            <a:r>
+              <a:rPr lang="en-US" smtClean="0"/>
+              <a:t>Click to edit Master text styles</a:t>
+            </a:r>
+          </a:p>
+          <a:p>
+            <a:pPr lvl="1"/>
+            <a:r>
+              <a:rPr lang="en-US" smtClean="0"/>
+              <a:t>Second level</a:t>
+            </a:r>
+          </a:p>
+          <a:p>
+            <a:pPr lvl="2"/>
+            <a:r>
+              <a:rPr lang="en-US" smtClean="0"/>
+              <a:t>Third level</a:t>
+            </a:r>
+          </a:p>
+          <a:p>
+            <a:pPr lvl="3"/>
+            <a:r>
+              <a:rPr lang="en-US" smtClean="0"/>
+              <a:t>Fourth level</a:t>
+            </a:r>
+          </a:p>
+          <a:p>
+            <a:pPr lvl="4"/>
+            <a:r>
+              <a:rPr lang="en-US" smtClean="0"/>
+              <a:t>Fifth level</a:t>
+            </a:r>
+            <a:endParaRPr dirty="0"/>
+          </a:p>
+        </p:txBody>
+      </p:sp>
+      <p:sp>
+        <p:nvSpPr>
+          <p:cNvPr id="4" name="Date Placeholder 3"/>
+          <p:cNvSpPr>
+            <a:spLocks noGrp="1"/>
+          </p:cNvSpPr>
+          <p:nvPr>
+            <p:ph type="dt" sz="half" idx="10"/>
+          </p:nvPr>
+        </p:nvSpPr>
+        <p:spPr>
+          <a:xfrm>
+            <a:off x="3679924" y="6437032"/>
+            <a:ext cx="2133600" cy="365125"/>
+          </a:xfrm>
+        </p:spPr>
+        <p:txBody>
+          <a:bodyPr/>
+          <a:lstStyle/>
+          <a:p>
+            <a:fld id="{88F6D9D5-67B2-D241-AC86-521B4A5982B7}" type="datetime1">
+              <a:rPr lang="en-US" smtClean="0"/>
+              <a:pPr/>
+              <a:t>2/11/17</a:t>
+            </a:fld>
+            <a:endParaRPr lang="en-US"/>
+          </a:p>
+        </p:txBody>
+      </p:sp>
+      <p:sp>
+        <p:nvSpPr>
+          <p:cNvPr id="5" name="Footer Placeholder 4"/>
+          <p:cNvSpPr>
+            <a:spLocks noGrp="1"/>
+          </p:cNvSpPr>
+          <p:nvPr>
+            <p:ph type="ftr" sz="quarter" idx="11"/>
+          </p:nvPr>
+        </p:nvSpPr>
+        <p:spPr/>
+        <p:txBody>
+          <a:bodyPr/>
+          <a:lstStyle/>
+          <a:p>
+            <a:r>
+              <a:rPr lang="en-US" smtClean="0"/>
+              <a:t>© 2015 EV3Lessons.com, Last edit 4/9/2015</a:t>
+            </a:r>
+            <a:endParaRPr lang="en-US"/>
+          </a:p>
+        </p:txBody>
+      </p:sp>
+      <p:sp>
+        <p:nvSpPr>
+          <p:cNvPr id="6" name="Slide Number Placeholder 5"/>
+          <p:cNvSpPr>
+            <a:spLocks noGrp="1"/>
+          </p:cNvSpPr>
+          <p:nvPr>
+            <p:ph type="sldNum" sz="quarter" idx="12"/>
+          </p:nvPr>
+        </p:nvSpPr>
+        <p:spPr>
+          <a:xfrm>
+            <a:off x="7477031" y="6439714"/>
+            <a:ext cx="630621" cy="359760"/>
+          </a:xfrm>
+        </p:spPr>
+        <p:txBody>
+          <a:bodyPr/>
+          <a:lstStyle/>
+          <a:p>
+            <a:fld id="{4382A7F7-08BF-4252-8141-63FB96055BBB}" type="slidenum">
+              <a:rPr lang="en-US" smtClean="0"/>
+              <a:pPr/>
+              <a:t>‹#›</a:t>
+            </a:fld>
+            <a:endParaRPr lang="en-US"/>
+          </a:p>
+        </p:txBody>
+      </p:sp>
+      <p:grpSp>
+        <p:nvGrpSpPr>
+          <p:cNvPr id="12" name="Group 11"/>
+          <p:cNvGrpSpPr/>
+          <p:nvPr/>
+        </p:nvGrpSpPr>
+        <p:grpSpPr>
+          <a:xfrm rot="5400000">
+            <a:off x="4753323" y="3358675"/>
+            <a:ext cx="6861177" cy="137475"/>
+            <a:chOff x="284163" y="1577847"/>
+            <a:chExt cx="8576373" cy="137411"/>
+          </a:xfrm>
+        </p:grpSpPr>
+        <p:sp>
+          <p:nvSpPr>
+            <p:cNvPr id="13" name="Rectangle 12"/>
+            <p:cNvSpPr/>
+            <p:nvPr/>
+          </p:nvSpPr>
+          <p:spPr>
+            <a:xfrm>
+              <a:off x="284163" y="1577847"/>
+              <a:ext cx="1600200" cy="137411"/>
+            </a:xfrm>
+            <a:prstGeom prst="rect">
+              <a:avLst/>
+            </a:prstGeom>
+            <a:solidFill>
+              <a:srgbClr val="7030A0"/>
+            </a:solidFill>
+            <a:ln>
+              <a:noFill/>
+            </a:ln>
+          </p:spPr>
+          <p:style>
+            <a:lnRef idx="2">
+              <a:schemeClr val="accent1">
+                <a:shade val="50000"/>
+              </a:schemeClr>
+            </a:lnRef>
+            <a:fillRef idx="1">
+              <a:schemeClr val="accent1"/>
+            </a:fillRef>
+            <a:effectRef idx="0">
+              <a:schemeClr val="accent1"/>
+            </a:effectRef>
+            <a:fontRef idx="minor">
+              <a:schemeClr val="lt1"/>
+            </a:fontRef>
+          </p:style>
+          <p:txBody>
+            <a:bodyPr rtlCol="0" anchor="ctr"/>
+            <a:lstStyle/>
+            <a:p>
+              <a:pPr algn="ctr"/>
+              <a:endParaRPr/>
+            </a:p>
+          </p:txBody>
+        </p:sp>
+        <p:sp>
+          <p:nvSpPr>
+            <p:cNvPr id="14" name="Rectangle 13"/>
+            <p:cNvSpPr/>
+            <p:nvPr/>
+          </p:nvSpPr>
+          <p:spPr>
+            <a:xfrm>
+              <a:off x="1885174" y="1577847"/>
+              <a:ext cx="2743200" cy="137411"/>
+            </a:xfrm>
+            <a:prstGeom prst="rect">
+              <a:avLst/>
+            </a:prstGeom>
+            <a:solidFill>
+              <a:srgbClr val="00B050"/>
+            </a:solidFill>
+            <a:ln>
+              <a:noFill/>
+            </a:ln>
+          </p:spPr>
+          <p:style>
+            <a:lnRef idx="2">
+              <a:schemeClr val="accent1">
+                <a:shade val="50000"/>
+              </a:schemeClr>
+            </a:lnRef>
+            <a:fillRef idx="1">
+              <a:schemeClr val="accent1"/>
+            </a:fillRef>
+            <a:effectRef idx="0">
+              <a:schemeClr val="accent1"/>
+            </a:effectRef>
+            <a:fontRef idx="minor">
+              <a:schemeClr val="lt1"/>
+            </a:fontRef>
+          </p:style>
+          <p:txBody>
+            <a:bodyPr rtlCol="0" anchor="ctr"/>
+            <a:lstStyle/>
+            <a:p>
+              <a:pPr algn="ctr"/>
+              <a:endParaRPr/>
+            </a:p>
+          </p:txBody>
+        </p:sp>
+        <p:sp>
+          <p:nvSpPr>
+            <p:cNvPr id="15" name="Rectangle 14"/>
+            <p:cNvSpPr/>
+            <p:nvPr/>
+          </p:nvSpPr>
+          <p:spPr>
+            <a:xfrm>
+              <a:off x="4626864" y="1577847"/>
+              <a:ext cx="4233672" cy="137411"/>
+            </a:xfrm>
+            <a:prstGeom prst="rect">
+              <a:avLst/>
+            </a:prstGeom>
+            <a:solidFill>
+              <a:srgbClr val="0070C0"/>
             </a:solidFill>
             <a:ln>
               <a:noFill/>
@@ -8304,6 +4167,7 @@
         </p:sp>
       </p:grpSp>
     </p:spTree>
+    <p:extLst/>
   </p:cSld>
   <p:clrMapOvr>
     <a:masterClrMapping/>
@@ -8318,13 +4182,194 @@
 </p:sldLayout>
 </file>
 
+<file path=ppt/slideLayouts/slideLayout9.xml><?xml version="1.0" encoding="utf-8"?>
+<p:sldLayout xmlns:a="http://schemas.openxmlformats.org/drawingml/2006/main" xmlns:r="http://schemas.openxmlformats.org/officeDocument/2006/relationships" xmlns:p="http://schemas.openxmlformats.org/presentationml/2006/main" preserve="1">
+  <p:cSld name="Custom Layout">
+    <p:spTree>
+      <p:nvGrpSpPr>
+        <p:cNvPr id="1" name=""/>
+        <p:cNvGrpSpPr/>
+        <p:nvPr/>
+      </p:nvGrpSpPr>
+      <p:grpSpPr>
+        <a:xfrm>
+          <a:off x="0" y="0"/>
+          <a:ext cx="0" cy="0"/>
+          <a:chOff x="0" y="0"/>
+          <a:chExt cx="0" cy="0"/>
+        </a:xfrm>
+      </p:grpSpPr>
+      <p:sp>
+        <p:nvSpPr>
+          <p:cNvPr id="2" name="Title 1"/>
+          <p:cNvSpPr>
+            <a:spLocks noGrp="1"/>
+          </p:cNvSpPr>
+          <p:nvPr>
+            <p:ph type="title"/>
+          </p:nvPr>
+        </p:nvSpPr>
+        <p:spPr/>
+        <p:txBody>
+          <a:bodyPr/>
+          <a:lstStyle/>
+          <a:p>
+            <a:r>
+              <a:rPr lang="en-US" smtClean="0"/>
+              <a:t>Click to edit Master title style</a:t>
+            </a:r>
+            <a:endParaRPr lang="en-US"/>
+          </a:p>
+        </p:txBody>
+      </p:sp>
+      <p:sp>
+        <p:nvSpPr>
+          <p:cNvPr id="3" name="Date Placeholder 2"/>
+          <p:cNvSpPr>
+            <a:spLocks noGrp="1"/>
+          </p:cNvSpPr>
+          <p:nvPr>
+            <p:ph type="dt" sz="half" idx="10"/>
+          </p:nvPr>
+        </p:nvSpPr>
+        <p:spPr/>
+        <p:txBody>
+          <a:bodyPr/>
+          <a:lstStyle/>
+          <a:p>
+            <a:fld id="{5F458818-5C58-504C-96C2-18D4B9EBA580}" type="datetime1">
+              <a:rPr lang="en-US" smtClean="0"/>
+              <a:pPr/>
+              <a:t>2/11/17</a:t>
+            </a:fld>
+            <a:endParaRPr lang="en-US" dirty="0"/>
+          </a:p>
+        </p:txBody>
+      </p:sp>
+      <p:sp>
+        <p:nvSpPr>
+          <p:cNvPr id="4" name="Footer Placeholder 3"/>
+          <p:cNvSpPr>
+            <a:spLocks noGrp="1"/>
+          </p:cNvSpPr>
+          <p:nvPr>
+            <p:ph type="ftr" sz="quarter" idx="11"/>
+          </p:nvPr>
+        </p:nvSpPr>
+        <p:spPr/>
+        <p:txBody>
+          <a:bodyPr/>
+          <a:lstStyle/>
+          <a:p>
+            <a:r>
+              <a:rPr lang="en-US" smtClean="0"/>
+              <a:t>© 2015 EV3Lessons.com, Last edit 4/9/2015</a:t>
+            </a:r>
+            <a:endParaRPr lang="en-US" dirty="0"/>
+          </a:p>
+        </p:txBody>
+      </p:sp>
+      <p:sp>
+        <p:nvSpPr>
+          <p:cNvPr id="5" name="Slide Number Placeholder 4"/>
+          <p:cNvSpPr>
+            <a:spLocks noGrp="1"/>
+          </p:cNvSpPr>
+          <p:nvPr>
+            <p:ph type="sldNum" sz="quarter" idx="12"/>
+          </p:nvPr>
+        </p:nvSpPr>
+        <p:spPr/>
+        <p:txBody>
+          <a:bodyPr/>
+          <a:lstStyle/>
+          <a:p>
+            <a:fld id="{4382A7F7-08BF-4252-8141-63FB96055BBB}" type="slidenum">
+              <a:rPr lang="en-US" smtClean="0"/>
+              <a:pPr/>
+              <a:t>‹#›</a:t>
+            </a:fld>
+            <a:endParaRPr lang="en-US"/>
+          </a:p>
+        </p:txBody>
+      </p:sp>
+      <p:sp>
+        <p:nvSpPr>
+          <p:cNvPr id="7" name="Text Placeholder 6"/>
+          <p:cNvSpPr>
+            <a:spLocks noGrp="1"/>
+          </p:cNvSpPr>
+          <p:nvPr>
+            <p:ph type="body" sz="quarter" idx="13"/>
+          </p:nvPr>
+        </p:nvSpPr>
+        <p:spPr>
+          <a:xfrm>
+            <a:off x="199698" y="1554163"/>
+            <a:ext cx="8737927" cy="4741862"/>
+          </a:xfrm>
+        </p:spPr>
+        <p:txBody>
+          <a:bodyPr/>
+          <a:lstStyle/>
+          <a:p>
+            <a:pPr lvl="0"/>
+            <a:r>
+              <a:rPr lang="en-US" smtClean="0"/>
+              <a:t>Click to edit Master text styles</a:t>
+            </a:r>
+          </a:p>
+          <a:p>
+            <a:pPr lvl="1"/>
+            <a:r>
+              <a:rPr lang="en-US" smtClean="0"/>
+              <a:t>Second level</a:t>
+            </a:r>
+          </a:p>
+          <a:p>
+            <a:pPr lvl="2"/>
+            <a:r>
+              <a:rPr lang="en-US" smtClean="0"/>
+              <a:t>Third level</a:t>
+            </a:r>
+          </a:p>
+          <a:p>
+            <a:pPr lvl="3"/>
+            <a:r>
+              <a:rPr lang="en-US" smtClean="0"/>
+              <a:t>Fourth level</a:t>
+            </a:r>
+          </a:p>
+          <a:p>
+            <a:pPr lvl="4"/>
+            <a:r>
+              <a:rPr lang="en-US" smtClean="0"/>
+              <a:t>Fifth level</a:t>
+            </a:r>
+            <a:endParaRPr lang="en-US"/>
+          </a:p>
+        </p:txBody>
+      </p:sp>
+    </p:spTree>
+    <p:extLst/>
+  </p:cSld>
+  <p:clrMapOvr>
+    <a:masterClrMapping/>
+  </p:clrMapOvr>
+  <p:hf hdr="0" dt="0"/>
+</p:sldLayout>
+</file>
+
 <file path=ppt/slideMasters/slideMaster1.xml><?xml version="1.0" encoding="utf-8"?>
 <p:sldMaster xmlns:a="http://schemas.openxmlformats.org/drawingml/2006/main" xmlns:r="http://schemas.openxmlformats.org/officeDocument/2006/relationships" xmlns:p="http://schemas.openxmlformats.org/presentationml/2006/main">
   <p:cSld>
     <p:bg>
-      <p:bgRef idx="1001">
-        <a:schemeClr val="bg1"/>
-      </p:bgRef>
+      <p:bgPr>
+        <a:solidFill>
+          <a:schemeClr val="bg1"/>
+        </a:solidFill>
+        <a:effectLst/>
+      </p:bgPr>
     </p:bg>
     <p:spTree>
       <p:nvGrpSpPr>
@@ -8352,8 +4397,8 @@
         </p:nvSpPr>
         <p:spPr>
           <a:xfrm>
-            <a:off x="1781503" y="2133600"/>
-            <a:ext cx="7076747" cy="3992563"/>
+            <a:off x="284163" y="1818870"/>
+            <a:ext cx="8574087" cy="4307294"/>
           </a:xfrm>
           <a:prstGeom prst="rect">
             <a:avLst/>
@@ -8414,7 +4459,7 @@
         </p:nvSpPr>
         <p:spPr>
           <a:xfrm>
-            <a:off x="6794936" y="6437032"/>
+            <a:off x="2784041" y="6434349"/>
             <a:ext cx="2133600" cy="365125"/>
           </a:xfrm>
           <a:prstGeom prst="rect">
@@ -8438,7 +4483,7 @@
             <a:fld id="{5F458818-5C58-504C-96C2-18D4B9EBA580}" type="datetime1">
               <a:rPr lang="en-US" smtClean="0"/>
               <a:pPr/>
-              <a:t>6/1/2015</a:t>
+              <a:t>2/11/17</a:t>
             </a:fld>
             <a:endParaRPr lang="en-US" dirty="0"/>
           </a:p>
@@ -8487,22 +4532,63 @@
       </p:sp>
       <p:sp>
         <p:nvSpPr>
-          <p:cNvPr id="6" name="Slide Number Placeholder 5"/>
-          <p:cNvSpPr>
-            <a:spLocks noGrp="1"/>
-          </p:cNvSpPr>
-          <p:nvPr>
-            <p:ph type="sldNum" sz="quarter" idx="4"/>
+          <p:cNvPr id="2" name="Title Placeholder 1"/>
+          <p:cNvSpPr>
+            <a:spLocks noGrp="1"/>
+          </p:cNvSpPr>
+          <p:nvPr>
+            <p:ph type="title"/>
           </p:nvPr>
         </p:nvSpPr>
         <p:spPr>
           <a:xfrm>
-            <a:off x="8306459" y="167347"/>
+            <a:off x="0" y="0"/>
+            <a:ext cx="9143999" cy="1188720"/>
+          </a:xfrm>
+          <a:prstGeom prst="rect">
+            <a:avLst/>
+          </a:prstGeom>
+          <a:solidFill>
+            <a:schemeClr val="bg2">
+              <a:lumMod val="25000"/>
+            </a:schemeClr>
+          </a:solidFill>
+        </p:spPr>
+        <p:txBody>
+          <a:bodyPr vert="horz" lIns="91440" tIns="45720" rIns="91440" bIns="45720" rtlCol="0" anchor="ctr">
+            <a:normAutofit/>
+          </a:bodyPr>
+          <a:lstStyle/>
+          <a:p>
+            <a:r>
+              <a:rPr lang="en-US" smtClean="0"/>
+              <a:t>Click to edit Master title style</a:t>
+            </a:r>
+            <a:endParaRPr dirty="0"/>
+          </a:p>
+        </p:txBody>
+      </p:sp>
+      <p:sp>
+        <p:nvSpPr>
+          <p:cNvPr id="6" name="Slide Number Placeholder 5"/>
+          <p:cNvSpPr>
+            <a:spLocks noGrp="1"/>
+          </p:cNvSpPr>
+          <p:nvPr>
+            <p:ph type="sldNum" sz="quarter" idx="4"/>
+          </p:nvPr>
+        </p:nvSpPr>
+        <p:spPr>
+          <a:xfrm>
+            <a:off x="8297915" y="6439714"/>
             <a:ext cx="630621" cy="359760"/>
           </a:xfrm>
           <a:prstGeom prst="rect">
             <a:avLst/>
           </a:prstGeom>
+          <a:ln>
+            <a:noFill/>
+          </a:ln>
         </p:spPr>
         <p:txBody>
           <a:bodyPr vert="horz" lIns="91440" tIns="45720" rIns="91440" bIns="45720" rtlCol="0" anchor="ctr"/>
@@ -8510,10 +4596,7 @@
             <a:lvl1pPr algn="r">
               <a:defRPr sz="1400" b="1">
                 <a:solidFill>
-                  <a:schemeClr val="tx1">
-                    <a:lumMod val="85000"/>
-                    <a:lumOff val="15000"/>
-                  </a:schemeClr>
+                  <a:schemeClr val="tx1"/>
                 </a:solidFill>
               </a:defRPr>
             </a:lvl1pPr>
@@ -8528,66 +4611,24 @@
           </a:p>
         </p:txBody>
       </p:sp>
-      <p:sp>
-        <p:nvSpPr>
-          <p:cNvPr id="2" name="Title Placeholder 1"/>
-          <p:cNvSpPr>
-            <a:spLocks noGrp="1"/>
-          </p:cNvSpPr>
-          <p:nvPr>
-            <p:ph type="title"/>
-          </p:nvPr>
-        </p:nvSpPr>
-        <p:spPr>
-          <a:xfrm>
-            <a:off x="284163" y="630382"/>
-            <a:ext cx="8574087" cy="967840"/>
-          </a:xfrm>
-          <a:prstGeom prst="rect">
-            <a:avLst/>
-          </a:prstGeom>
-          <a:solidFill>
-            <a:schemeClr val="tx1">
-              <a:lumMod val="85000"/>
-              <a:lumOff val="15000"/>
-              <a:alpha val="70000"/>
-            </a:schemeClr>
-          </a:solidFill>
-        </p:spPr>
-        <p:txBody>
-          <a:bodyPr vert="horz" lIns="91440" tIns="45720" rIns="91440" bIns="45720" rtlCol="0" anchor="ctr">
-            <a:normAutofit/>
-          </a:bodyPr>
-          <a:lstStyle/>
-          <a:p>
-            <a:r>
-              <a:rPr lang="en-US" smtClean="0"/>
-              <a:t>Click to edit Master title style</a:t>
-            </a:r>
-            <a:endParaRPr/>
-          </a:p>
-        </p:txBody>
-      </p:sp>
     </p:spTree>
+    <p:extLst>
+      <p:ext uri="{BB962C8B-B14F-4D97-AF65-F5344CB8AC3E}">
+        <p14:creationId xmlns:p14="http://schemas.microsoft.com/office/powerpoint/2010/main" val="978784860"/>
+      </p:ext>
+    </p:extLst>
   </p:cSld>
   <p:clrMap bg1="lt1" tx1="dk1" bg2="lt2" tx2="dk2" accent1="accent1" accent2="accent2" accent3="accent3" accent4="accent4" accent5="accent5" accent6="accent6" hlink="hlink" folHlink="folHlink"/>
   <p:sldLayoutIdLst>
-    <p:sldLayoutId id="2147483819" r:id="rId1"/>
-    <p:sldLayoutId id="2147483820" r:id="rId2"/>
-    <p:sldLayoutId id="2147483821" r:id="rId3"/>
-    <p:sldLayoutId id="2147483822" r:id="rId4"/>
-    <p:sldLayoutId id="2147483823" r:id="rId5"/>
-    <p:sldLayoutId id="2147483824" r:id="rId6"/>
-    <p:sldLayoutId id="2147483825" r:id="rId7"/>
-    <p:sldLayoutId id="2147483826" r:id="rId8"/>
-    <p:sldLayoutId id="2147483827" r:id="rId9"/>
-    <p:sldLayoutId id="2147483828" r:id="rId10"/>
-    <p:sldLayoutId id="2147483829" r:id="rId11"/>
-    <p:sldLayoutId id="2147483830" r:id="rId12"/>
-    <p:sldLayoutId id="2147483831" r:id="rId13"/>
-    <p:sldLayoutId id="2147483832" r:id="rId14"/>
-    <p:sldLayoutId id="2147483833" r:id="rId15"/>
-    <p:sldLayoutId id="2147483834" r:id="rId16"/>
+    <p:sldLayoutId id="2147483836" r:id="rId1"/>
+    <p:sldLayoutId id="2147483837" r:id="rId2"/>
+    <p:sldLayoutId id="2147483838" r:id="rId3"/>
+    <p:sldLayoutId id="2147483839" r:id="rId4"/>
+    <p:sldLayoutId id="2147483840" r:id="rId5"/>
+    <p:sldLayoutId id="2147483841" r:id="rId6"/>
+    <p:sldLayoutId id="2147483842" r:id="rId7"/>
+    <p:sldLayoutId id="2147483843" r:id="rId8"/>
+    <p:sldLayoutId id="2147483844" r:id="rId9"/>
   </p:sldLayoutIdLst>
   <p:timing>
     <p:tnLst>
@@ -8599,18 +4640,19 @@
   <p:hf hdr="0" dt="0"/>
   <p:txStyles>
     <p:titleStyle>
-      <a:lvl1pPr algn="r" defTabSz="914400" rtl="0" eaLnBrk="1" latinLnBrk="0" hangingPunct="1">
+      <a:lvl1pPr marL="231775" indent="3175" algn="l" defTabSz="914400" rtl="0" eaLnBrk="1" latinLnBrk="0" hangingPunct="1">
         <a:spcBef>
           <a:spcPct val="0"/>
         </a:spcBef>
         <a:buNone/>
+        <a:tabLst/>
         <a:defRPr sz="4200" kern="1200">
           <a:solidFill>
             <a:schemeClr val="bg1"/>
           </a:solidFill>
-          <a:latin typeface="+mj-lt"/>
-          <a:ea typeface="+mj-ea"/>
-          <a:cs typeface="+mj-cs"/>
+          <a:latin typeface="Calibri" charset="0"/>
+          <a:ea typeface="Calibri" charset="0"/>
+          <a:cs typeface="Calibri" charset="0"/>
         </a:defRPr>
       </a:lvl1pPr>
     </p:titleStyle>
@@ -8952,261 +4994,105 @@
           <a:chExt cx="0" cy="0"/>
         </a:xfrm>
       </p:grpSpPr>
+      <p:sp>
+        <p:nvSpPr>
+          <p:cNvPr id="2" name="Title 1"/>
+          <p:cNvSpPr>
+            <a:spLocks noGrp="1"/>
+          </p:cNvSpPr>
+          <p:nvPr>
+            <p:ph type="ctrTitle"/>
+          </p:nvPr>
+        </p:nvSpPr>
+        <p:spPr/>
+        <p:txBody>
+          <a:bodyPr/>
+          <a:lstStyle/>
+          <a:p>
+            <a:r>
+              <a:rPr lang="es-ES" dirty="0">
+                <a:solidFill>
+                  <a:schemeClr val="tx1">
+                    <a:lumMod val="75000"/>
+                    <a:lumOff val="25000"/>
+                  </a:schemeClr>
+                </a:solidFill>
+              </a:rPr>
+              <a:t>Sincronización de vigas en paralelo</a:t>
+            </a:r>
+            <a:endParaRPr lang="en-US" dirty="0">
+              <a:solidFill>
+                <a:schemeClr val="tx1">
+                  <a:lumMod val="75000"/>
+                  <a:lumOff val="25000"/>
+                </a:schemeClr>
+              </a:solidFill>
+            </a:endParaRPr>
+          </a:p>
+        </p:txBody>
+      </p:sp>
+      <p:sp>
+        <p:nvSpPr>
+          <p:cNvPr id="3" name="Subtitle 2"/>
+          <p:cNvSpPr>
+            <a:spLocks noGrp="1"/>
+          </p:cNvSpPr>
+          <p:nvPr>
+            <p:ph type="subTitle" idx="1"/>
+          </p:nvPr>
+        </p:nvSpPr>
+        <p:spPr/>
+        <p:txBody>
+          <a:bodyPr/>
+          <a:lstStyle/>
+          <a:p>
+            <a:r>
+              <a:rPr lang="en-US" dirty="0" smtClean="0"/>
+              <a:t>By Sanjay and Arvind Seshan</a:t>
+            </a:r>
+            <a:endParaRPr lang="en-US" dirty="0"/>
+          </a:p>
+        </p:txBody>
+      </p:sp>
       <p:pic>
         <p:nvPicPr>
-          <p:cNvPr id="6" name="Picture Placeholder 5" descr="Droidslogo2.png"/>
+          <p:cNvPr id="4" name="Picture 3"/>
           <p:cNvPicPr>
-            <a:picLocks noGrp="1" noChangeAspect="1"/>
+            <a:picLocks noChangeAspect="1"/>
           </p:cNvPicPr>
-          <p:nvPr>
-            <p:ph type="pic" sz="quarter" idx="13"/>
-          </p:nvPr>
+          <p:nvPr/>
         </p:nvPicPr>
-        <p:blipFill>
-          <a:blip r:embed="rId3" cstate="email">
+        <p:blipFill rotWithShape="1">
+          <a:blip r:embed="rId2">
             <a:extLst>
               <a:ext uri="{28A0092B-C50C-407E-A947-70E740481C1C}">
                 <a14:useLocalDpi xmlns:a14="http://schemas.microsoft.com/office/drawing/2010/main" val="0"/>
               </a:ext>
             </a:extLst>
           </a:blip>
-          <a:srcRect t="2627" b="2627"/>
-          <a:stretch>
-            <a:fillRect/>
-          </a:stretch>
+          <a:srcRect l="4523" t="17619" r="3095" b="25000"/>
+          <a:stretch/>
         </p:blipFill>
         <p:spPr>
           <a:xfrm>
-            <a:off x="247673" y="5252598"/>
-            <a:ext cx="1209338" cy="1145791"/>
-          </a:xfrm>
-        </p:spPr>
-      </p:pic>
-      <p:sp>
-        <p:nvSpPr>
-          <p:cNvPr id="4" name="Subtitle 3"/>
-          <p:cNvSpPr>
-            <a:spLocks noGrp="1"/>
-          </p:cNvSpPr>
-          <p:nvPr>
-            <p:ph type="subTitle" idx="1"/>
-          </p:nvPr>
-        </p:nvSpPr>
-        <p:spPr>
-          <a:xfrm>
-            <a:off x="1576397" y="5252598"/>
-            <a:ext cx="3749229" cy="484094"/>
-          </a:xfrm>
-        </p:spPr>
-        <p:txBody>
-          <a:bodyPr/>
-          <a:lstStyle/>
-          <a:p>
-            <a:r>
-              <a:rPr lang="en-US" dirty="0" err="1" smtClean="0">
-                <a:solidFill>
-                  <a:schemeClr val="tx1"/>
-                </a:solidFill>
-              </a:rPr>
-              <a:t>Por</a:t>
-            </a:r>
-            <a:r>
-              <a:rPr lang="en-US" dirty="0" smtClean="0">
-                <a:solidFill>
-                  <a:schemeClr val="tx1"/>
-                </a:solidFill>
-              </a:rPr>
-              <a:t> Droids Robotics</a:t>
-            </a:r>
-            <a:endParaRPr lang="en-US" dirty="0">
-              <a:solidFill>
-                <a:schemeClr val="tx1"/>
-              </a:solidFill>
-            </a:endParaRPr>
-          </a:p>
-        </p:txBody>
-      </p:sp>
-      <p:sp>
-        <p:nvSpPr>
-          <p:cNvPr id="2" name="Title 1"/>
-          <p:cNvSpPr>
-            <a:spLocks noGrp="1"/>
-          </p:cNvSpPr>
-          <p:nvPr>
-            <p:ph type="ctrTitle"/>
-          </p:nvPr>
-        </p:nvSpPr>
-        <p:spPr>
-          <a:xfrm>
-            <a:off x="199698" y="2974369"/>
-            <a:ext cx="7810967" cy="1088237"/>
-          </a:xfrm>
-        </p:spPr>
-        <p:txBody>
-          <a:bodyPr>
-            <a:normAutofit fontScale="90000"/>
-          </a:bodyPr>
-          <a:lstStyle/>
-          <a:p>
-            <a:r>
-              <a:rPr lang="es-ES" sz="6600" dirty="0" smtClean="0">
-                <a:solidFill>
-                  <a:srgbClr val="FF0000"/>
-                </a:solidFill>
-              </a:rPr>
-              <a:t>Sincronización de vigas en paralelo</a:t>
-            </a:r>
-            <a:endParaRPr lang="es-ES" dirty="0">
-              <a:solidFill>
-                <a:srgbClr val="FF0000"/>
-              </a:solidFill>
-            </a:endParaRPr>
-          </a:p>
-        </p:txBody>
-      </p:sp>
-      <p:sp>
-        <p:nvSpPr>
-          <p:cNvPr id="3" name="TextBox 2"/>
-          <p:cNvSpPr txBox="1"/>
-          <p:nvPr/>
-        </p:nvSpPr>
-        <p:spPr>
-          <a:xfrm>
-            <a:off x="329321" y="353342"/>
-            <a:ext cx="7754284" cy="1569660"/>
+            <a:off x="3459013" y="4560129"/>
+            <a:ext cx="2225974" cy="1382629"/>
           </a:xfrm>
           <a:prstGeom prst="rect">
             <a:avLst/>
           </a:prstGeom>
-          <a:noFill/>
-        </p:spPr>
-        <p:txBody>
-          <a:bodyPr wrap="square" rtlCol="0">
-            <a:spAutoFit/>
-          </a:bodyPr>
-          <a:lstStyle/>
-          <a:p>
-            <a:r>
-              <a:rPr lang="en-US" sz="4800" dirty="0" smtClean="0">
-                <a:solidFill>
-                  <a:schemeClr val="bg1"/>
-                </a:solidFill>
-              </a:rPr>
-              <a:t>LECCIÓN AVANZADA DE PROGRAMACIÓN EV3</a:t>
-            </a:r>
-            <a:endParaRPr lang="en-US" sz="4800" dirty="0">
-              <a:solidFill>
-                <a:schemeClr val="bg1"/>
-              </a:solidFill>
-            </a:endParaRPr>
-          </a:p>
-        </p:txBody>
-      </p:sp>
-      <p:sp>
-        <p:nvSpPr>
-          <p:cNvPr id="10" name="Footer Placeholder 9"/>
-          <p:cNvSpPr>
-            <a:spLocks noGrp="1"/>
-          </p:cNvSpPr>
-          <p:nvPr>
-            <p:ph type="ftr" sz="quarter" idx="11"/>
-          </p:nvPr>
-        </p:nvSpPr>
-        <p:spPr/>
-        <p:txBody>
-          <a:bodyPr/>
-          <a:lstStyle/>
-          <a:p>
-            <a:r>
-              <a:rPr lang="en-US" dirty="0" smtClean="0"/>
-              <a:t>© 2015 EV3Lessons.com, Last edit 4/21/2015</a:t>
-            </a:r>
-            <a:endParaRPr lang="en-US" dirty="0"/>
-          </a:p>
-        </p:txBody>
-      </p:sp>
-      <p:sp>
-        <p:nvSpPr>
-          <p:cNvPr id="5" name="Slide Number Placeholder 4"/>
-          <p:cNvSpPr>
-            <a:spLocks noGrp="1"/>
-          </p:cNvSpPr>
-          <p:nvPr>
-            <p:ph type="sldNum" sz="quarter" idx="12"/>
-          </p:nvPr>
-        </p:nvSpPr>
-        <p:spPr/>
-        <p:txBody>
-          <a:bodyPr/>
-          <a:lstStyle/>
-          <a:p>
-            <a:fld id="{7F5CE407-6216-4202-80E4-A30DC2F709B2}" type="slidenum">
-              <a:rPr lang="en-US" smtClean="0"/>
-              <a:pPr/>
-              <a:t>1</a:t>
-            </a:fld>
-            <a:endParaRPr lang="en-US"/>
-          </a:p>
-        </p:txBody>
-      </p:sp>
-      <p:pic>
-        <p:nvPicPr>
-          <p:cNvPr id="8" name="Picture 7" descr="EV3Lessons.com"/>
-          <p:cNvPicPr>
-            <a:picLocks noChangeAspect="1" noChangeArrowheads="1"/>
-          </p:cNvPicPr>
-          <p:nvPr/>
-        </p:nvPicPr>
-        <p:blipFill>
-          <a:blip r:embed="rId4" cstate="email">
-            <a:extLst>
-              <a:ext uri="{28A0092B-C50C-407E-A947-70E740481C1C}">
-                <a14:useLocalDpi xmlns:a14="http://schemas.microsoft.com/office/drawing/2010/main" val="0"/>
-              </a:ext>
-            </a:extLst>
-          </a:blip>
-          <a:srcRect/>
-          <a:stretch>
-            <a:fillRect/>
-          </a:stretch>
-        </p:blipFill>
-        <p:spPr bwMode="auto">
-          <a:xfrm>
-            <a:off x="6042159" y="5494645"/>
-            <a:ext cx="2940317" cy="1092118"/>
-          </a:xfrm>
-          <a:prstGeom prst="rect">
-            <a:avLst/>
-          </a:prstGeom>
-          <a:noFill/>
-          <a:extLst>
-            <a:ext uri="{909E8E84-426E-40dd-AFC4-6F175D3DCCD1}">
-              <a14:hiddenFill xmlns="" xmlns:a14="http://schemas.microsoft.com/office/drawing/2010/main">
-                <a:solidFill>
-                  <a:srgbClr val="FFFFFF"/>
-                </a:solidFill>
-              </a14:hiddenFill>
-            </a:ext>
-          </a:extLst>
         </p:spPr>
       </p:pic>
     </p:spTree>
     <p:extLst>
       <p:ext uri="{BB962C8B-B14F-4D97-AF65-F5344CB8AC3E}">
-        <p14:creationId xmlns:p14="http://schemas.microsoft.com/office/powerpoint/2010/main" val="3648421283"/>
+        <p14:creationId xmlns:p14="http://schemas.microsoft.com/office/powerpoint/2010/main" val="1186309975"/>
       </p:ext>
     </p:extLst>
   </p:cSld>
   <p:clrMapOvr>
     <a:masterClrMapping/>
   </p:clrMapOvr>
-  <p:timing>
-    <p:tnLst>
-      <p:par>
-        <p:cTn id="1" dur="indefinite" restart="never" nodeType="tmRoot"/>
-      </p:par>
-    </p:tnLst>
-  </p:timing>
 </p:sld>
 </file>
 
@@ -9229,29 +5115,6 @@
       </p:grpSpPr>
       <p:sp>
         <p:nvSpPr>
-          <p:cNvPr id="2" name="Title 1"/>
-          <p:cNvSpPr>
-            <a:spLocks noGrp="1"/>
-          </p:cNvSpPr>
-          <p:nvPr>
-            <p:ph type="title"/>
-          </p:nvPr>
-        </p:nvSpPr>
-        <p:spPr/>
-        <p:txBody>
-          <a:bodyPr/>
-          <a:lstStyle/>
-          <a:p>
-            <a:r>
-              <a:rPr lang="es-ES" smtClean="0"/>
-              <a:t>Guía de discusión</a:t>
-            </a:r>
-            <a:endParaRPr lang="es-ES"/>
-          </a:p>
-        </p:txBody>
-      </p:sp>
-      <p:sp>
-        <p:nvSpPr>
           <p:cNvPr id="3" name="Content Placeholder 2"/>
           <p:cNvSpPr>
             <a:spLocks noGrp="1"/>
@@ -9366,6 +5229,29 @@
               <a:t>10</a:t>
             </a:fld>
             <a:endParaRPr lang="en-US"/>
+          </a:p>
+        </p:txBody>
+      </p:sp>
+      <p:sp>
+        <p:nvSpPr>
+          <p:cNvPr id="2" name="Title 1"/>
+          <p:cNvSpPr>
+            <a:spLocks noGrp="1"/>
+          </p:cNvSpPr>
+          <p:nvPr>
+            <p:ph type="title"/>
+          </p:nvPr>
+        </p:nvSpPr>
+        <p:spPr/>
+        <p:txBody>
+          <a:bodyPr/>
+          <a:lstStyle/>
+          <a:p>
+            <a:r>
+              <a:rPr lang="es-ES" smtClean="0"/>
+              <a:t>Guía de discusión</a:t>
+            </a:r>
+            <a:endParaRPr lang="es-ES"/>
           </a:p>
         </p:txBody>
       </p:sp>
@@ -9401,35 +5287,6 @@
       </p:grpSpPr>
       <p:sp>
         <p:nvSpPr>
-          <p:cNvPr id="2" name="Title 1"/>
-          <p:cNvSpPr>
-            <a:spLocks noGrp="1"/>
-          </p:cNvSpPr>
-          <p:nvPr>
-            <p:ph type="title"/>
-          </p:nvPr>
-        </p:nvSpPr>
-        <p:spPr>
-          <a:noFill/>
-        </p:spPr>
-        <p:txBody>
-          <a:bodyPr/>
-          <a:lstStyle/>
-          <a:p>
-            <a:r>
-              <a:rPr lang="es-ES" smtClean="0">
-                <a:latin typeface="+mn-lt"/>
-              </a:rPr>
-              <a:t>Créditos</a:t>
-            </a:r>
-            <a:endParaRPr lang="es-ES">
-              <a:latin typeface="+mn-lt"/>
-            </a:endParaRPr>
-          </a:p>
-        </p:txBody>
-      </p:sp>
-      <p:sp>
-        <p:nvSpPr>
           <p:cNvPr id="3" name="Content Placeholder 2"/>
           <p:cNvSpPr>
             <a:spLocks noGrp="1"/>
@@ -9579,19 +5436,10 @@
               <a:t>Mavericks</a:t>
             </a:r>
             <a:r>
-              <a:rPr lang="es-ES" dirty="0" smtClean="0"/>
-              <a:t> (</a:t>
-            </a:r>
-            <a:r>
-              <a:rPr lang="es-ES" sz="2400" dirty="0" smtClean="0">
-                <a:hlinkClick r:id="rId4"/>
-              </a:rPr>
-              <a:t>frank.levine@gmail.com</a:t>
-            </a:r>
-            <a:r>
-              <a:rPr lang="es-ES" sz="2400" dirty="0" smtClean="0"/>
-              <a:t>)</a:t>
-            </a:r>
+              <a:rPr lang="es-ES" smtClean="0"/>
+              <a:t> </a:t>
+            </a:r>
+            <a:endParaRPr lang="es-ES" smtClean="0"/>
           </a:p>
           <a:p>
             <a:pPr marL="454025" lvl="1" indent="-454025">
@@ -9605,8 +5453,12 @@
               </a:buClr>
             </a:pPr>
             <a:r>
+              <a:rPr lang="es-ES" smtClean="0"/>
+              <a:t>Traducción </a:t>
+            </a:r>
+            <a:r>
               <a:rPr lang="es-ES" dirty="0" smtClean="0"/>
-              <a:t>Traducción realizada por Toni Soler de </a:t>
+              <a:t>realizada por Toni Soler de </a:t>
             </a:r>
             <a:r>
               <a:rPr lang="es-ES" dirty="0" err="1" smtClean="0"/>
@@ -9653,6 +5505,63 @@
               <a:t>© 2015 EV3Lessons.com, Last edit 4/21/2015</a:t>
             </a:r>
             <a:endParaRPr lang="en-US" dirty="0"/>
+          </a:p>
+        </p:txBody>
+      </p:sp>
+      <p:sp>
+        <p:nvSpPr>
+          <p:cNvPr id="7" name="Slide Number Placeholder 6"/>
+          <p:cNvSpPr>
+            <a:spLocks noGrp="1"/>
+          </p:cNvSpPr>
+          <p:nvPr>
+            <p:ph type="sldNum" sz="quarter" idx="12"/>
+          </p:nvPr>
+        </p:nvSpPr>
+        <p:spPr/>
+        <p:txBody>
+          <a:bodyPr/>
+          <a:lstStyle/>
+          <a:p>
+            <a:fld id="{4382A7F7-08BF-4252-8141-63FB96055BBB}" type="slidenum">
+              <a:rPr lang="en-US" smtClean="0"/>
+              <a:pPr/>
+              <a:t>11</a:t>
+            </a:fld>
+            <a:endParaRPr lang="en-US"/>
+          </a:p>
+        </p:txBody>
+      </p:sp>
+      <p:sp>
+        <p:nvSpPr>
+          <p:cNvPr id="2" name="Title 1"/>
+          <p:cNvSpPr>
+            <a:spLocks noGrp="1"/>
+          </p:cNvSpPr>
+          <p:nvPr>
+            <p:ph type="title"/>
+          </p:nvPr>
+        </p:nvSpPr>
+        <p:spPr>
+          <a:solidFill>
+            <a:schemeClr val="bg2">
+              <a:lumMod val="25000"/>
+            </a:schemeClr>
+          </a:solidFill>
+        </p:spPr>
+        <p:txBody>
+          <a:bodyPr/>
+          <a:lstStyle/>
+          <a:p>
+            <a:r>
+              <a:rPr lang="es-ES" dirty="0" smtClean="0">
+                <a:latin typeface="+mn-lt"/>
+              </a:rPr>
+              <a:t>Créditos</a:t>
+            </a:r>
+            <a:endParaRPr lang="es-ES" dirty="0">
+              <a:latin typeface="+mn-lt"/>
+            </a:endParaRPr>
           </a:p>
         </p:txBody>
       </p:sp>
@@ -9681,7 +5590,7 @@
           <a:effectLst/>
           <a:extLst>
             <a:ext uri="{91240B29-F687-4f45-9708-019B960494DF}">
-              <a14:hiddenLine xmlns="" xmlns:a14="http://schemas.microsoft.com/office/drawing/2010/main" w="9525">
+              <a14:hiddenLine xmlns:a14="http://schemas.microsoft.com/office/drawing/2010/main" xmlns="" w="9525">
                 <a:solidFill>
                   <a:schemeClr val="tx1"/>
                 </a:solidFill>
@@ -9691,7 +5600,7 @@
               </a14:hiddenLine>
             </a:ext>
             <a:ext uri="{AF507438-7753-43e0-B8FC-AC1667EBCBE1}">
-              <a14:hiddenEffects xmlns="" xmlns:a14="http://schemas.microsoft.com/office/drawing/2010/main">
+              <a14:hiddenEffects xmlns:a14="http://schemas.microsoft.com/office/drawing/2010/main" xmlns="">
                 <a:effectLst>
                   <a:outerShdw dist="35921" dir="2700000" algn="ctr" rotWithShape="0">
                     <a:schemeClr val="bg2"/>
@@ -9925,7 +5834,7 @@
                 </a:solidFill>
                 <a:effectLst/>
                 <a:latin typeface="Helvetica Neue"/>
-                <a:hlinkClick r:id="rId5"/>
+                <a:hlinkClick r:id="rId4"/>
               </a:rPr>
               <a:t>Creative Commons Attribution-</a:t>
             </a:r>
@@ -9939,7 +5848,7 @@
                 </a:solidFill>
                 <a:effectLst/>
                 <a:latin typeface="Helvetica Neue"/>
-                <a:hlinkClick r:id="rId5"/>
+                <a:hlinkClick r:id="rId4"/>
               </a:rPr>
               <a:t>NonCommercial</a:t>
             </a:r>
@@ -9953,7 +5862,7 @@
                 </a:solidFill>
                 <a:effectLst/>
                 <a:latin typeface="Helvetica Neue"/>
-                <a:hlinkClick r:id="rId5"/>
+                <a:hlinkClick r:id="rId4"/>
               </a:rPr>
               <a:t>-</a:t>
             </a:r>
@@ -9967,7 +5876,7 @@
                 </a:solidFill>
                 <a:effectLst/>
                 <a:latin typeface="Helvetica Neue"/>
-                <a:hlinkClick r:id="rId5"/>
+                <a:hlinkClick r:id="rId4"/>
               </a:rPr>
               <a:t>ShareAlike</a:t>
             </a:r>
@@ -9981,7 +5890,7 @@
                 </a:solidFill>
                 <a:effectLst/>
                 <a:latin typeface="Helvetica Neue"/>
-                <a:hlinkClick r:id="rId5"/>
+                <a:hlinkClick r:id="rId4"/>
               </a:rPr>
               <a:t> 4.0 International License</a:t>
             </a:r>
@@ -10026,7 +5935,7 @@
       <p:pic>
         <p:nvPicPr>
           <p:cNvPr id="6" name="Picture 2" descr="Creative Commons License">
-            <a:hlinkClick r:id="rId5"/>
+            <a:hlinkClick r:id="rId4"/>
           </p:cNvPr>
           <p:cNvPicPr>
             <a:picLocks noChangeAspect="1" noChangeArrowheads="1"/>
@@ -10034,7 +5943,7 @@
           <p:nvPr/>
         </p:nvPicPr>
         <p:blipFill>
-          <a:blip r:embed="rId6" cstate="print">
+          <a:blip r:embed="rId5" cstate="print">
             <a:extLst>
               <a:ext uri="{28A0092B-C50C-407E-A947-70E740481C1C}">
                 <a14:useLocalDpi xmlns:a14="http://schemas.microsoft.com/office/drawing/2010/main" val="0"/>
@@ -10057,7 +5966,7 @@
           <a:noFill/>
           <a:extLst>
             <a:ext uri="{909E8E84-426E-40dd-AFC4-6F175D3DCCD1}">
-              <a14:hiddenFill xmlns="" xmlns:a14="http://schemas.microsoft.com/office/drawing/2010/main">
+              <a14:hiddenFill xmlns:a14="http://schemas.microsoft.com/office/drawing/2010/main" xmlns="">
                 <a:solidFill>
                   <a:srgbClr val="FFFFFF"/>
                 </a:solidFill>
@@ -10066,30 +5975,6 @@
           </a:extLst>
         </p:spPr>
       </p:pic>
-      <p:sp>
-        <p:nvSpPr>
-          <p:cNvPr id="7" name="Slide Number Placeholder 6"/>
-          <p:cNvSpPr>
-            <a:spLocks noGrp="1"/>
-          </p:cNvSpPr>
-          <p:nvPr>
-            <p:ph type="sldNum" sz="quarter" idx="12"/>
-          </p:nvPr>
-        </p:nvSpPr>
-        <p:spPr/>
-        <p:txBody>
-          <a:bodyPr/>
-          <a:lstStyle/>
-          <a:p>
-            <a:fld id="{4382A7F7-08BF-4252-8141-63FB96055BBB}" type="slidenum">
-              <a:rPr lang="en-US" smtClean="0"/>
-              <a:pPr/>
-              <a:t>11</a:t>
-            </a:fld>
-            <a:endParaRPr lang="en-US"/>
-          </a:p>
-        </p:txBody>
-      </p:sp>
     </p:spTree>
     <p:extLst>
       <p:ext uri="{BB962C8B-B14F-4D97-AF65-F5344CB8AC3E}">
@@ -10137,37 +6022,6 @@
       </p:grpSpPr>
       <p:sp>
         <p:nvSpPr>
-          <p:cNvPr id="2" name="Title 1"/>
-          <p:cNvSpPr>
-            <a:spLocks noGrp="1"/>
-          </p:cNvSpPr>
-          <p:nvPr>
-            <p:ph type="title"/>
-          </p:nvPr>
-        </p:nvSpPr>
-        <p:spPr>
-          <a:xfrm>
-            <a:off x="604208" y="542299"/>
-            <a:ext cx="8190347" cy="797468"/>
-          </a:xfrm>
-          <a:noFill/>
-        </p:spPr>
-        <p:txBody>
-          <a:bodyPr>
-            <a:noAutofit/>
-          </a:bodyPr>
-          <a:lstStyle/>
-          <a:p>
-            <a:r>
-              <a:rPr lang="es-ES" sz="3600" smtClean="0"/>
-              <a:t>Objetivos de la lección</a:t>
-            </a:r>
-            <a:endParaRPr lang="es-ES" sz="3600"/>
-          </a:p>
-        </p:txBody>
-      </p:sp>
-      <p:sp>
-        <p:nvSpPr>
           <p:cNvPr id="3" name="Content Placeholder 2"/>
           <p:cNvSpPr>
             <a:spLocks noGrp="1"/>
@@ -10289,6 +6143,41 @@
               <a:t>2</a:t>
             </a:fld>
             <a:endParaRPr lang="en-US" dirty="0"/>
+          </a:p>
+        </p:txBody>
+      </p:sp>
+      <p:sp>
+        <p:nvSpPr>
+          <p:cNvPr id="2" name="Title 1"/>
+          <p:cNvSpPr>
+            <a:spLocks noGrp="1"/>
+          </p:cNvSpPr>
+          <p:nvPr>
+            <p:ph type="title"/>
+          </p:nvPr>
+        </p:nvSpPr>
+        <p:spPr>
+          <a:xfrm>
+            <a:off x="0" y="21265"/>
+            <a:ext cx="9144000" cy="1169581"/>
+          </a:xfrm>
+          <a:solidFill>
+            <a:schemeClr val="bg2">
+              <a:lumMod val="25000"/>
+            </a:schemeClr>
+          </a:solidFill>
+        </p:spPr>
+        <p:txBody>
+          <a:bodyPr>
+            <a:noAutofit/>
+          </a:bodyPr>
+          <a:lstStyle/>
+          <a:p>
+            <a:r>
+              <a:rPr lang="es-ES" sz="3600" smtClean="0"/>
+              <a:t>Objetivos de la lección</a:t>
+            </a:r>
+            <a:endParaRPr lang="es-ES" sz="3600"/>
           </a:p>
         </p:txBody>
       </p:sp>
@@ -10331,45 +6220,6 @@
       </p:grpSpPr>
       <p:sp>
         <p:nvSpPr>
-          <p:cNvPr id="2" name="Title 1"/>
-          <p:cNvSpPr>
-            <a:spLocks noGrp="1"/>
-          </p:cNvSpPr>
-          <p:nvPr>
-            <p:ph type="title"/>
-          </p:nvPr>
-        </p:nvSpPr>
-        <p:spPr>
-          <a:xfrm>
-            <a:off x="604208" y="542299"/>
-            <a:ext cx="8190347" cy="797468"/>
-          </a:xfrm>
-          <a:noFill/>
-        </p:spPr>
-        <p:txBody>
-          <a:bodyPr>
-            <a:noAutofit/>
-          </a:bodyPr>
-          <a:lstStyle/>
-          <a:p>
-            <a:r>
-              <a:rPr lang="es-ES" sz="3200" dirty="0" smtClean="0"/>
-              <a:t>Utilización de </a:t>
-            </a:r>
-            <a:r>
-              <a:rPr lang="es-ES" sz="3200" i="1" dirty="0" smtClean="0"/>
-              <a:t>Lazos Paralelos </a:t>
-            </a:r>
-            <a:r>
-              <a:rPr lang="es-ES" sz="3200" dirty="0" smtClean="0"/>
-              <a:t>en los programas</a:t>
-            </a:r>
-            <a:endParaRPr lang="es-ES" sz="3200" dirty="0"/>
-          </a:p>
-        </p:txBody>
-      </p:sp>
-      <p:sp>
-        <p:nvSpPr>
           <p:cNvPr id="3" name="Content Placeholder 2"/>
           <p:cNvSpPr>
             <a:spLocks noGrp="1"/>
@@ -10422,6 +6272,96 @@
               <a:rPr lang="es-ES" sz="1600" dirty="0" smtClean="0"/>
               <a:t>Necesidad de sincronizar las vigas para asegurar que los bloques se ejecutan cuando se espera que lo hagan</a:t>
             </a:r>
+          </a:p>
+        </p:txBody>
+      </p:sp>
+      <p:sp>
+        <p:nvSpPr>
+          <p:cNvPr id="4" name="Footer Placeholder 3"/>
+          <p:cNvSpPr>
+            <a:spLocks noGrp="1"/>
+          </p:cNvSpPr>
+          <p:nvPr>
+            <p:ph type="ftr" sz="quarter" idx="11"/>
+          </p:nvPr>
+        </p:nvSpPr>
+        <p:spPr/>
+        <p:txBody>
+          <a:bodyPr/>
+          <a:lstStyle/>
+          <a:p>
+            <a:r>
+              <a:rPr lang="en-US" dirty="0" smtClean="0"/>
+              <a:t>© 2015 EV3Lessons.com, Last edit 4/21/2015</a:t>
+            </a:r>
+            <a:endParaRPr lang="en-US" dirty="0"/>
+          </a:p>
+        </p:txBody>
+      </p:sp>
+      <p:sp>
+        <p:nvSpPr>
+          <p:cNvPr id="11" name="Slide Number Placeholder 10"/>
+          <p:cNvSpPr>
+            <a:spLocks noGrp="1"/>
+          </p:cNvSpPr>
+          <p:nvPr>
+            <p:ph type="sldNum" sz="quarter" idx="12"/>
+          </p:nvPr>
+        </p:nvSpPr>
+        <p:spPr/>
+        <p:txBody>
+          <a:bodyPr/>
+          <a:lstStyle/>
+          <a:p>
+            <a:fld id="{D57F1E4F-1CFF-5643-939E-217C01CDF565}" type="slidenum">
+              <a:rPr lang="en-US" smtClean="0"/>
+              <a:pPr/>
+              <a:t>3</a:t>
+            </a:fld>
+            <a:endParaRPr lang="en-US" dirty="0"/>
+          </a:p>
+        </p:txBody>
+      </p:sp>
+      <p:sp>
+        <p:nvSpPr>
+          <p:cNvPr id="2" name="Title 1"/>
+          <p:cNvSpPr>
+            <a:spLocks noGrp="1"/>
+          </p:cNvSpPr>
+          <p:nvPr>
+            <p:ph type="title"/>
+          </p:nvPr>
+        </p:nvSpPr>
+        <p:spPr>
+          <a:xfrm>
+            <a:off x="0" y="1"/>
+            <a:ext cx="9144000" cy="1191194"/>
+          </a:xfrm>
+          <a:solidFill>
+            <a:schemeClr val="bg2">
+              <a:lumMod val="25000"/>
+            </a:schemeClr>
+          </a:solidFill>
+        </p:spPr>
+        <p:txBody>
+          <a:bodyPr>
+            <a:noAutofit/>
+          </a:bodyPr>
+          <a:lstStyle/>
+          <a:p>
+            <a:r>
+              <a:rPr lang="es-ES" sz="3200" dirty="0" smtClean="0"/>
+              <a:t>Utilización de </a:t>
+            </a:r>
+            <a:r>
+              <a:rPr lang="es-ES" sz="3200" i="1" dirty="0" smtClean="0"/>
+              <a:t>Lazos Paralelos </a:t>
+            </a:r>
+            <a:r>
+              <a:rPr lang="es-ES" sz="3200" dirty="0" smtClean="0"/>
+              <a:t>en los programas</a:t>
+            </a:r>
+            <a:endParaRPr lang="es-ES" sz="3200" dirty="0"/>
           </a:p>
         </p:txBody>
       </p:sp>
@@ -10505,29 +6445,6 @@
       </p:sp>
       <p:sp>
         <p:nvSpPr>
-          <p:cNvPr id="4" name="Footer Placeholder 3"/>
-          <p:cNvSpPr>
-            <a:spLocks noGrp="1"/>
-          </p:cNvSpPr>
-          <p:nvPr>
-            <p:ph type="ftr" sz="quarter" idx="11"/>
-          </p:nvPr>
-        </p:nvSpPr>
-        <p:spPr/>
-        <p:txBody>
-          <a:bodyPr/>
-          <a:lstStyle/>
-          <a:p>
-            <a:r>
-              <a:rPr lang="en-US" dirty="0" smtClean="0"/>
-              <a:t>© 2015 EV3Lessons.com, Last edit 4/21/2015</a:t>
-            </a:r>
-            <a:endParaRPr lang="en-US" dirty="0"/>
-          </a:p>
-        </p:txBody>
-      </p:sp>
-      <p:sp>
-        <p:nvSpPr>
           <p:cNvPr id="8" name="TextBox 7"/>
           <p:cNvSpPr txBox="1"/>
           <p:nvPr/>
@@ -10636,30 +6553,6 @@
           </a:effectLst>
         </p:spPr>
       </p:pic>
-      <p:sp>
-        <p:nvSpPr>
-          <p:cNvPr id="11" name="Slide Number Placeholder 10"/>
-          <p:cNvSpPr>
-            <a:spLocks noGrp="1"/>
-          </p:cNvSpPr>
-          <p:nvPr>
-            <p:ph type="sldNum" sz="quarter" idx="12"/>
-          </p:nvPr>
-        </p:nvSpPr>
-        <p:spPr/>
-        <p:txBody>
-          <a:bodyPr/>
-          <a:lstStyle/>
-          <a:p>
-            <a:fld id="{D57F1E4F-1CFF-5643-939E-217C01CDF565}" type="slidenum">
-              <a:rPr lang="en-US" smtClean="0"/>
-              <a:pPr/>
-              <a:t>3</a:t>
-            </a:fld>
-            <a:endParaRPr lang="en-US" dirty="0"/>
-          </a:p>
-        </p:txBody>
-      </p:sp>
     </p:spTree>
     <p:extLst>
       <p:ext uri="{BB962C8B-B14F-4D97-AF65-F5344CB8AC3E}">
@@ -11059,37 +6952,6 @@
       </p:pic>
       <p:sp>
         <p:nvSpPr>
-          <p:cNvPr id="2" name="Title 1"/>
-          <p:cNvSpPr>
-            <a:spLocks noGrp="1"/>
-          </p:cNvSpPr>
-          <p:nvPr>
-            <p:ph type="title"/>
-          </p:nvPr>
-        </p:nvSpPr>
-        <p:spPr>
-          <a:xfrm>
-            <a:off x="731520" y="560070"/>
-            <a:ext cx="7658100" cy="587131"/>
-          </a:xfrm>
-          <a:noFill/>
-        </p:spPr>
-        <p:txBody>
-          <a:bodyPr>
-            <a:noAutofit/>
-          </a:bodyPr>
-          <a:lstStyle/>
-          <a:p>
-            <a:r>
-              <a:rPr lang="en-US" sz="3600" smtClean="0"/>
-              <a:t>Asegurar ambos Lazos finalizados</a:t>
-            </a:r>
-            <a:endParaRPr lang="en-US" sz="3600"/>
-          </a:p>
-        </p:txBody>
-      </p:sp>
-      <p:sp>
-        <p:nvSpPr>
           <p:cNvPr id="3" name="Content Placeholder 2"/>
           <p:cNvSpPr>
             <a:spLocks noGrp="1"/>
@@ -11214,6 +7076,81 @@
               <a:t>© 2015 EV3Lessons.com, Last edit 4/21/2015</a:t>
             </a:r>
             <a:endParaRPr lang="en-US" dirty="0"/>
+          </a:p>
+        </p:txBody>
+      </p:sp>
+      <p:sp>
+        <p:nvSpPr>
+          <p:cNvPr id="6" name="Slide Number Placeholder 5"/>
+          <p:cNvSpPr>
+            <a:spLocks noGrp="1"/>
+          </p:cNvSpPr>
+          <p:nvPr>
+            <p:ph type="sldNum" sz="quarter" idx="12"/>
+          </p:nvPr>
+        </p:nvSpPr>
+        <p:spPr/>
+        <p:txBody>
+          <a:bodyPr/>
+          <a:lstStyle/>
+          <a:p>
+            <a:fld id="{D57F1E4F-1CFF-5643-939E-217C01CDF565}" type="slidenum">
+              <a:rPr lang="en-US" smtClean="0"/>
+              <a:pPr/>
+              <a:t>4</a:t>
+            </a:fld>
+            <a:endParaRPr lang="en-US" dirty="0"/>
+          </a:p>
+        </p:txBody>
+      </p:sp>
+      <p:sp>
+        <p:nvSpPr>
+          <p:cNvPr id="2" name="Title 1"/>
+          <p:cNvSpPr>
+            <a:spLocks noGrp="1"/>
+          </p:cNvSpPr>
+          <p:nvPr>
+            <p:ph type="title"/>
+          </p:nvPr>
+        </p:nvSpPr>
+        <p:spPr>
+          <a:xfrm>
+            <a:off x="0" y="0"/>
+            <a:ext cx="9144000" cy="1189731"/>
+          </a:xfrm>
+          <a:solidFill>
+            <a:schemeClr val="bg2">
+              <a:lumMod val="25000"/>
+            </a:schemeClr>
+          </a:solidFill>
+        </p:spPr>
+        <p:txBody>
+          <a:bodyPr>
+            <a:noAutofit/>
+          </a:bodyPr>
+          <a:lstStyle/>
+          <a:p>
+            <a:r>
+              <a:rPr lang="en-US" sz="3600" dirty="0" err="1" smtClean="0"/>
+              <a:t>Asegurar</a:t>
+            </a:r>
+            <a:r>
+              <a:rPr lang="en-US" sz="3600" dirty="0" smtClean="0"/>
+              <a:t> ambos </a:t>
+            </a:r>
+            <a:r>
+              <a:rPr lang="en-US" sz="3600" dirty="0" err="1" smtClean="0"/>
+              <a:t>Lazos</a:t>
+            </a:r>
+            <a:r>
+              <a:rPr lang="en-US" sz="3600" dirty="0" smtClean="0"/>
+              <a:t> </a:t>
+            </a:r>
+            <a:r>
+              <a:rPr lang="en-US" sz="3600" dirty="0" err="1" smtClean="0"/>
+              <a:t>finalizados</a:t>
+            </a:r>
+            <a:endParaRPr lang="en-US" sz="3600" dirty="0"/>
           </a:p>
         </p:txBody>
       </p:sp>
@@ -11252,30 +7189,6 @@
               <a:t>” en el correspondiente archivo EV3</a:t>
             </a:r>
             <a:endParaRPr lang="es-ES" sz="1600" dirty="0"/>
-          </a:p>
-        </p:txBody>
-      </p:sp>
-      <p:sp>
-        <p:nvSpPr>
-          <p:cNvPr id="6" name="Slide Number Placeholder 5"/>
-          <p:cNvSpPr>
-            <a:spLocks noGrp="1"/>
-          </p:cNvSpPr>
-          <p:nvPr>
-            <p:ph type="sldNum" sz="quarter" idx="12"/>
-          </p:nvPr>
-        </p:nvSpPr>
-        <p:spPr/>
-        <p:txBody>
-          <a:bodyPr/>
-          <a:lstStyle/>
-          <a:p>
-            <a:fld id="{D57F1E4F-1CFF-5643-939E-217C01CDF565}" type="slidenum">
-              <a:rPr lang="en-US" smtClean="0"/>
-              <a:pPr/>
-              <a:t>4</a:t>
-            </a:fld>
-            <a:endParaRPr lang="en-US" dirty="0"/>
           </a:p>
         </p:txBody>
       </p:sp>
@@ -11316,33 +7229,6 @@
           <a:chExt cx="0" cy="0"/>
         </a:xfrm>
       </p:grpSpPr>
-      <p:sp>
-        <p:nvSpPr>
-          <p:cNvPr id="2" name="Title 1"/>
-          <p:cNvSpPr>
-            <a:spLocks noGrp="1"/>
-          </p:cNvSpPr>
-          <p:nvPr>
-            <p:ph type="title"/>
-          </p:nvPr>
-        </p:nvSpPr>
-        <p:spPr>
-          <a:noFill/>
-        </p:spPr>
-        <p:txBody>
-          <a:bodyPr>
-            <a:normAutofit/>
-          </a:bodyPr>
-          <a:lstStyle/>
-          <a:p>
-            <a:r>
-              <a:rPr lang="es-ES" dirty="0" smtClean="0"/>
-              <a:t>Uso de Variables para Sincronizar</a:t>
-            </a:r>
-            <a:endParaRPr lang="es-ES" dirty="0"/>
-          </a:p>
-        </p:txBody>
-      </p:sp>
       <p:pic>
         <p:nvPicPr>
           <p:cNvPr id="4" name="Content Placeholder 3"/>
@@ -11413,6 +7299,37 @@
               <a:t>5</a:t>
             </a:fld>
             <a:endParaRPr lang="en-US" dirty="0"/>
+          </a:p>
+        </p:txBody>
+      </p:sp>
+      <p:sp>
+        <p:nvSpPr>
+          <p:cNvPr id="2" name="Title 1"/>
+          <p:cNvSpPr>
+            <a:spLocks noGrp="1"/>
+          </p:cNvSpPr>
+          <p:nvPr>
+            <p:ph type="title"/>
+          </p:nvPr>
+        </p:nvSpPr>
+        <p:spPr>
+          <a:solidFill>
+            <a:schemeClr val="bg2">
+              <a:lumMod val="25000"/>
+            </a:schemeClr>
+          </a:solidFill>
+        </p:spPr>
+        <p:txBody>
+          <a:bodyPr>
+            <a:normAutofit/>
+          </a:bodyPr>
+          <a:lstStyle/>
+          <a:p>
+            <a:r>
+              <a:rPr lang="es-ES" dirty="0" smtClean="0"/>
+              <a:t>Uso de Variables para Sincronizar</a:t>
+            </a:r>
+            <a:endParaRPr lang="es-ES" dirty="0"/>
           </a:p>
         </p:txBody>
       </p:sp>
@@ -11491,31 +7408,6 @@
           <a:chExt cx="0" cy="0"/>
         </a:xfrm>
       </p:grpSpPr>
-      <p:sp>
-        <p:nvSpPr>
-          <p:cNvPr id="2" name="Title 1"/>
-          <p:cNvSpPr>
-            <a:spLocks noGrp="1"/>
-          </p:cNvSpPr>
-          <p:nvPr>
-            <p:ph type="title"/>
-          </p:nvPr>
-        </p:nvSpPr>
-        <p:spPr>
-          <a:noFill/>
-        </p:spPr>
-        <p:txBody>
-          <a:bodyPr/>
-          <a:lstStyle/>
-          <a:p>
-            <a:r>
-              <a:rPr lang="es-ES" dirty="0" smtClean="0"/>
-              <a:t>Uso de Cables para Sincronizar</a:t>
-            </a:r>
-            <a:endParaRPr lang="en-US" dirty="0"/>
-          </a:p>
-        </p:txBody>
-      </p:sp>
       <p:pic>
         <p:nvPicPr>
           <p:cNvPr id="4" name="Content Placeholder 3"/>
@@ -11585,6 +7477,35 @@
               <a:pPr/>
               <a:t>6</a:t>
             </a:fld>
+            <a:endParaRPr lang="en-US" dirty="0"/>
+          </a:p>
+        </p:txBody>
+      </p:sp>
+      <p:sp>
+        <p:nvSpPr>
+          <p:cNvPr id="2" name="Title 1"/>
+          <p:cNvSpPr>
+            <a:spLocks noGrp="1"/>
+          </p:cNvSpPr>
+          <p:nvPr>
+            <p:ph type="title"/>
+          </p:nvPr>
+        </p:nvSpPr>
+        <p:spPr>
+          <a:solidFill>
+            <a:schemeClr val="bg2">
+              <a:lumMod val="25000"/>
+            </a:schemeClr>
+          </a:solidFill>
+        </p:spPr>
+        <p:txBody>
+          <a:bodyPr/>
+          <a:lstStyle/>
+          <a:p>
+            <a:r>
+              <a:rPr lang="es-ES" dirty="0" smtClean="0"/>
+              <a:t>Uso de Cables para Sincronizar</a:t>
+            </a:r>
             <a:endParaRPr lang="en-US" dirty="0"/>
           </a:p>
         </p:txBody>
@@ -11664,31 +7585,6 @@
           <a:chExt cx="0" cy="0"/>
         </a:xfrm>
       </p:grpSpPr>
-      <p:sp>
-        <p:nvSpPr>
-          <p:cNvPr id="2" name="Title 1"/>
-          <p:cNvSpPr>
-            <a:spLocks noGrp="1"/>
-          </p:cNvSpPr>
-          <p:nvPr>
-            <p:ph type="title"/>
-          </p:nvPr>
-        </p:nvSpPr>
-        <p:spPr>
-          <a:noFill/>
-        </p:spPr>
-        <p:txBody>
-          <a:bodyPr/>
-          <a:lstStyle/>
-          <a:p>
-            <a:r>
-              <a:rPr lang="es-ES" dirty="0" smtClean="0"/>
-              <a:t>Uso de Bucles para Sincronizar</a:t>
-            </a:r>
-            <a:endParaRPr lang="en-US" dirty="0"/>
-          </a:p>
-        </p:txBody>
-      </p:sp>
       <p:pic>
         <p:nvPicPr>
           <p:cNvPr id="4" name="Content Placeholder 3"/>
@@ -11758,6 +7654,35 @@
               <a:pPr/>
               <a:t>7</a:t>
             </a:fld>
+            <a:endParaRPr lang="en-US" dirty="0"/>
+          </a:p>
+        </p:txBody>
+      </p:sp>
+      <p:sp>
+        <p:nvSpPr>
+          <p:cNvPr id="2" name="Title 1"/>
+          <p:cNvSpPr>
+            <a:spLocks noGrp="1"/>
+          </p:cNvSpPr>
+          <p:nvPr>
+            <p:ph type="title"/>
+          </p:nvPr>
+        </p:nvSpPr>
+        <p:spPr>
+          <a:solidFill>
+            <a:schemeClr val="bg2">
+              <a:lumMod val="25000"/>
+            </a:schemeClr>
+          </a:solidFill>
+        </p:spPr>
+        <p:txBody>
+          <a:bodyPr/>
+          <a:lstStyle/>
+          <a:p>
+            <a:r>
+              <a:rPr lang="es-ES" dirty="0" smtClean="0"/>
+              <a:t>Uso de Bucles para Sincronizar</a:t>
+            </a:r>
             <a:endParaRPr lang="en-US" dirty="0"/>
           </a:p>
         </p:txBody>
@@ -11839,6 +7764,53 @@
       </p:grpSpPr>
       <p:sp>
         <p:nvSpPr>
+          <p:cNvPr id="25" name="Footer Placeholder 24"/>
+          <p:cNvSpPr>
+            <a:spLocks noGrp="1"/>
+          </p:cNvSpPr>
+          <p:nvPr>
+            <p:ph type="ftr" sz="quarter" idx="11"/>
+          </p:nvPr>
+        </p:nvSpPr>
+        <p:spPr/>
+        <p:txBody>
+          <a:bodyPr/>
+          <a:lstStyle/>
+          <a:p>
+            <a:r>
+              <a:rPr lang="en-US" dirty="0" smtClean="0"/>
+              <a:t>© 2015 EV3Lessons.com, Last edit 4/21/2015</a:t>
+            </a:r>
+            <a:endParaRPr lang="en-US" dirty="0"/>
+          </a:p>
+        </p:txBody>
+      </p:sp>
+      <p:sp>
+        <p:nvSpPr>
+          <p:cNvPr id="3" name="Slide Number Placeholder 2"/>
+          <p:cNvSpPr>
+            <a:spLocks noGrp="1"/>
+          </p:cNvSpPr>
+          <p:nvPr>
+            <p:ph type="sldNum" sz="quarter" idx="12"/>
+          </p:nvPr>
+        </p:nvSpPr>
+        <p:spPr/>
+        <p:txBody>
+          <a:bodyPr/>
+          <a:lstStyle/>
+          <a:p>
+            <a:fld id="{D57F1E4F-1CFF-5643-939E-217C01CDF565}" type="slidenum">
+              <a:rPr lang="en-US" smtClean="0"/>
+              <a:pPr/>
+              <a:t>8</a:t>
+            </a:fld>
+            <a:endParaRPr lang="en-US" dirty="0"/>
+          </a:p>
+        </p:txBody>
+      </p:sp>
+      <p:sp>
+        <p:nvSpPr>
           <p:cNvPr id="2" name="Title 1"/>
           <p:cNvSpPr>
             <a:spLocks noGrp="1"/>
@@ -11849,14 +7821,18 @@
         </p:nvSpPr>
         <p:spPr>
           <a:xfrm>
-            <a:off x="832474" y="553166"/>
-            <a:ext cx="8002606" cy="953673"/>
+            <a:off x="0" y="0"/>
+            <a:ext cx="9144000" cy="1192725"/>
           </a:xfrm>
-          <a:noFill/>
+          <a:solidFill>
+            <a:schemeClr val="bg2">
+              <a:lumMod val="25000"/>
+            </a:schemeClr>
+          </a:solidFill>
         </p:spPr>
         <p:txBody>
           <a:bodyPr>
-            <a:normAutofit fontScale="90000"/>
+            <a:normAutofit/>
           </a:bodyPr>
           <a:lstStyle/>
           <a:p>
@@ -12031,53 +8007,6 @@
       </p:sp>
       <p:sp>
         <p:nvSpPr>
-          <p:cNvPr id="25" name="Footer Placeholder 24"/>
-          <p:cNvSpPr>
-            <a:spLocks noGrp="1"/>
-          </p:cNvSpPr>
-          <p:nvPr>
-            <p:ph type="ftr" sz="quarter" idx="11"/>
-          </p:nvPr>
-        </p:nvSpPr>
-        <p:spPr/>
-        <p:txBody>
-          <a:bodyPr/>
-          <a:lstStyle/>
-          <a:p>
-            <a:r>
-              <a:rPr lang="en-US" dirty="0" smtClean="0"/>
-              <a:t>© 2015 EV3Lessons.com, Last edit 4/21/2015</a:t>
-            </a:r>
-            <a:endParaRPr lang="en-US" dirty="0"/>
-          </a:p>
-        </p:txBody>
-      </p:sp>
-      <p:sp>
-        <p:nvSpPr>
-          <p:cNvPr id="3" name="Slide Number Placeholder 2"/>
-          <p:cNvSpPr>
-            <a:spLocks noGrp="1"/>
-          </p:cNvSpPr>
-          <p:nvPr>
-            <p:ph type="sldNum" sz="quarter" idx="12"/>
-          </p:nvPr>
-        </p:nvSpPr>
-        <p:spPr/>
-        <p:txBody>
-          <a:bodyPr/>
-          <a:lstStyle/>
-          <a:p>
-            <a:fld id="{D57F1E4F-1CFF-5643-939E-217C01CDF565}" type="slidenum">
-              <a:rPr lang="en-US" smtClean="0"/>
-              <a:pPr/>
-              <a:t>8</a:t>
-            </a:fld>
-            <a:endParaRPr lang="en-US" dirty="0"/>
-          </a:p>
-        </p:txBody>
-      </p:sp>
-      <p:sp>
-        <p:nvSpPr>
           <p:cNvPr id="11" name="TextBox 6"/>
           <p:cNvSpPr txBox="1"/>
           <p:nvPr/>
@@ -12195,31 +8124,6 @@
       </p:grpSpPr>
       <p:sp>
         <p:nvSpPr>
-          <p:cNvPr id="2" name="Title 1"/>
-          <p:cNvSpPr>
-            <a:spLocks noGrp="1"/>
-          </p:cNvSpPr>
-          <p:nvPr>
-            <p:ph type="title"/>
-          </p:nvPr>
-        </p:nvSpPr>
-        <p:spPr>
-          <a:noFill/>
-        </p:spPr>
-        <p:txBody>
-          <a:bodyPr/>
-          <a:lstStyle/>
-          <a:p>
-            <a:r>
-              <a:rPr lang="es-ES" dirty="0" smtClean="0"/>
-              <a:t>Desafío: Cuadratura en una Línea</a:t>
-            </a:r>
-            <a:endParaRPr lang="es-ES" dirty="0"/>
-          </a:p>
-        </p:txBody>
-      </p:sp>
-      <p:sp>
-        <p:nvSpPr>
           <p:cNvPr id="3" name="Content Placeholder 2"/>
           <p:cNvSpPr>
             <a:spLocks noGrp="1"/>
@@ -12286,6 +8190,59 @@
               <a:t>© 2015 EV3Lessons.com, Last edit 4/21/2015</a:t>
             </a:r>
             <a:endParaRPr lang="en-US" dirty="0"/>
+          </a:p>
+        </p:txBody>
+      </p:sp>
+      <p:sp>
+        <p:nvSpPr>
+          <p:cNvPr id="7" name="Slide Number Placeholder 6"/>
+          <p:cNvSpPr>
+            <a:spLocks noGrp="1"/>
+          </p:cNvSpPr>
+          <p:nvPr>
+            <p:ph type="sldNum" sz="quarter" idx="12"/>
+          </p:nvPr>
+        </p:nvSpPr>
+        <p:spPr/>
+        <p:txBody>
+          <a:bodyPr/>
+          <a:lstStyle/>
+          <a:p>
+            <a:fld id="{D57F1E4F-1CFF-5643-939E-217C01CDF565}" type="slidenum">
+              <a:rPr lang="en-US" smtClean="0"/>
+              <a:pPr/>
+              <a:t>9</a:t>
+            </a:fld>
+            <a:endParaRPr lang="en-US" dirty="0"/>
+          </a:p>
+        </p:txBody>
+      </p:sp>
+      <p:sp>
+        <p:nvSpPr>
+          <p:cNvPr id="2" name="Title 1"/>
+          <p:cNvSpPr>
+            <a:spLocks noGrp="1"/>
+          </p:cNvSpPr>
+          <p:nvPr>
+            <p:ph type="title"/>
+          </p:nvPr>
+        </p:nvSpPr>
+        <p:spPr>
+          <a:solidFill>
+            <a:schemeClr val="bg2">
+              <a:lumMod val="25000"/>
+            </a:schemeClr>
+          </a:solidFill>
+        </p:spPr>
+        <p:txBody>
+          <a:bodyPr/>
+          <a:lstStyle/>
+          <a:p>
+            <a:r>
+              <a:rPr lang="es-ES" dirty="0" smtClean="0"/>
+              <a:t>Desafío: Cuadratura en una Línea</a:t>
+            </a:r>
+            <a:endParaRPr lang="es-ES" dirty="0"/>
           </a:p>
         </p:txBody>
       </p:sp>
@@ -12357,30 +8314,6 @@
           </a:p>
         </p:txBody>
       </p:sp>
-      <p:sp>
-        <p:nvSpPr>
-          <p:cNvPr id="7" name="Slide Number Placeholder 6"/>
-          <p:cNvSpPr>
-            <a:spLocks noGrp="1"/>
-          </p:cNvSpPr>
-          <p:nvPr>
-            <p:ph type="sldNum" sz="quarter" idx="12"/>
-          </p:nvPr>
-        </p:nvSpPr>
-        <p:spPr/>
-        <p:txBody>
-          <a:bodyPr/>
-          <a:lstStyle/>
-          <a:p>
-            <a:fld id="{D57F1E4F-1CFF-5643-939E-217C01CDF565}" type="slidenum">
-              <a:rPr lang="en-US" smtClean="0"/>
-              <a:pPr/>
-              <a:t>9</a:t>
-            </a:fld>
-            <a:endParaRPr lang="en-US" dirty="0"/>
-          </a:p>
-        </p:txBody>
-      </p:sp>
     </p:spTree>
     <p:extLst>
       <p:ext uri="{BB962C8B-B14F-4D97-AF65-F5344CB8AC3E}">
@@ -12402,7 +8335,7 @@
 </file>
 
 <file path=ppt/theme/theme1.xml><?xml version="1.0" encoding="utf-8"?>
-<a:theme xmlns:a="http://schemas.openxmlformats.org/drawingml/2006/main" name="Spectrum">
+<a:theme xmlns:a="http://schemas.openxmlformats.org/drawingml/2006/main" name="advanced">
   <a:themeElements>
     <a:clrScheme name="Spectrum">
       <a:dk1>
@@ -12442,22 +8375,76 @@
         <a:srgbClr val="CC3300"/>
       </a:folHlink>
     </a:clrScheme>
-    <a:fontScheme name="Spectrum">
+    <a:fontScheme name="Calibri">
       <a:majorFont>
-        <a:latin typeface="Corbel"/>
+        <a:latin typeface="Calibri" panose="020F0502020204030204"/>
         <a:ea typeface=""/>
         <a:cs typeface=""/>
-        <a:font script="Jpan" typeface="ＭＳ ゴシック"/>
+        <a:font script="Jpan" typeface="メイリオ"/>
+        <a:font script="Hang" typeface="맑은 고딕"/>
         <a:font script="Hans" typeface="宋体"/>
         <a:font script="Hant" typeface="新細明體"/>
+        <a:font script="Arab" typeface="Arial"/>
+        <a:font script="Hebr" typeface="Arial"/>
+        <a:font script="Thai" typeface="Cordia New"/>
+        <a:font script="Ethi" typeface="Nyala"/>
+        <a:font script="Beng" typeface="Vrinda"/>
+        <a:font script="Gujr" typeface="Shruti"/>
+        <a:font script="Khmr" typeface="DaunPenh"/>
+        <a:font script="Knda" typeface="Tunga"/>
+        <a:font script="Guru" typeface="Raavi"/>
+        <a:font script="Cans" typeface="Euphemia"/>
+        <a:font script="Cher" typeface="Plantagenet Cherokee"/>
+        <a:font script="Yiii" typeface="Microsoft Yi Baiti"/>
+        <a:font script="Tibt" typeface="Microsoft Himalaya"/>
+        <a:font script="Thaa" typeface="MV Boli"/>
+        <a:font script="Deva" typeface="Mangal"/>
+        <a:font script="Telu" typeface="Gautami"/>
+        <a:font script="Taml" typeface="Latha"/>
+        <a:font script="Syrc" typeface="Estrangelo Edessa"/>
+        <a:font script="Orya" typeface="Kalinga"/>
+        <a:font script="Mlym" typeface="Kartika"/>
+        <a:font script="Laoo" typeface="DokChampa"/>
+        <a:font script="Sinh" typeface="Iskoola Pota"/>
+        <a:font script="Mong" typeface="Mongolian Baiti"/>
+        <a:font script="Viet" typeface="Tahoma"/>
+        <a:font script="Uigh" typeface="Microsoft Uighur"/>
+        <a:font script="Geor" typeface="Sylfaen"/>
       </a:majorFont>
       <a:minorFont>
-        <a:latin typeface="Calibri"/>
+        <a:latin typeface="Calibri" panose="020F0502020204030204"/>
         <a:ea typeface=""/>
         <a:cs typeface=""/>
-        <a:font script="Jpan" typeface="ＭＳ ゴシック"/>
+        <a:font script="Jpan" typeface="メイリオ"/>
+        <a:font script="Hang" typeface="맑은 고딕"/>
         <a:font script="Hans" typeface="宋体"/>
         <a:font script="Hant" typeface="新細明體"/>
+        <a:font script="Arab" typeface="Arial"/>
+        <a:font script="Hebr" typeface="Arial"/>
+        <a:font script="Thai" typeface="Cordia New"/>
+        <a:font script="Ethi" typeface="Nyala"/>
+        <a:font script="Beng" typeface="Vrinda"/>
+        <a:font script="Gujr" typeface="Shruti"/>
+        <a:font script="Khmr" typeface="DaunPenh"/>
+        <a:font script="Knda" typeface="Tunga"/>
+        <a:font script="Guru" typeface="Raavi"/>
+        <a:font script="Cans" typeface="Euphemia"/>
+        <a:font script="Cher" typeface="Plantagenet Cherokee"/>
+        <a:font script="Yiii" typeface="Microsoft Yi Baiti"/>
+        <a:font script="Tibt" typeface="Microsoft Himalaya"/>
+        <a:font script="Thaa" typeface="MV Boli"/>
+        <a:font script="Deva" typeface="Mangal"/>
+        <a:font script="Telu" typeface="Gautami"/>
+        <a:font script="Taml" typeface="Latha"/>
+        <a:font script="Syrc" typeface="Estrangelo Edessa"/>
+        <a:font script="Orya" typeface="Kalinga"/>
+        <a:font script="Mlym" typeface="Kartika"/>
+        <a:font script="Laoo" typeface="DokChampa"/>
+        <a:font script="Sinh" typeface="Iskoola Pota"/>
+        <a:font script="Mong" typeface="Mongolian Baiti"/>
+        <a:font script="Viet" typeface="Tahoma"/>
+        <a:font script="Uigh" typeface="Microsoft Uighur"/>
+        <a:font script="Geor" typeface="Sylfaen"/>
       </a:minorFont>
     </a:fontScheme>
     <a:fmtScheme name="Spectrum">
@@ -12657,6 +8644,11 @@
     </a:lnDef>
   </a:objectDefaults>
   <a:extraClrSchemeLst/>
+  <a:extLst>
+    <a:ext uri="{05A4C25C-085E-4340-85A3-A5531E510DB2}">
+      <thm15:themeFamily xmlns:thm15="http://schemas.microsoft.com/office/thememl/2012/main" name="advanced" id="{90896108-50DE-FE4A-B182-456CF756ABD8}" vid="{7A7CEA50-AD81-7D48-98DE-F95E5886FB32}"/>
+    </a:ext>
+  </a:extLst>
 </a:theme>
 </file>
 
